--- a/Pr-sentation/Präsentation VoIP_Alica.pptx
+++ b/Pr-sentation/Präsentation VoIP_Alica.pptx
@@ -5,7 +5,7 @@
     <p:sldMasterId id="2147483648" r:id="rId1"/>
   </p:sldMasterIdLst>
   <p:notesMasterIdLst>
-    <p:notesMasterId r:id="rId12"/>
+    <p:notesMasterId r:id="rId11"/>
   </p:notesMasterIdLst>
   <p:sldIdLst>
     <p:sldId id="256" r:id="rId2"/>
@@ -17,7 +17,6 @@
     <p:sldId id="262" r:id="rId8"/>
     <p:sldId id="263" r:id="rId9"/>
     <p:sldId id="264" r:id="rId10"/>
-    <p:sldId id="265" r:id="rId11"/>
   </p:sldIdLst>
   <p:sldSz cx="12192000" cy="6858000"/>
   <p:notesSz cx="6858000" cy="9144000"/>
@@ -120,6 +119,9 @@
     <p:ext uri="{EFAFB233-063F-42B5-8137-9DF3F51BA10A}">
       <p15:sldGuideLst xmlns:p15="http://schemas.microsoft.com/office/powerpoint/2012/main"/>
     </p:ext>
+    <p:ext uri="{2D200454-40CA-4A62-9FC3-DE9A4176ACB9}">
+      <p15:notesGuideLst xmlns:p15="http://schemas.microsoft.com/office/powerpoint/2012/main"/>
+    </p:ext>
   </p:extLst>
 </p:presentation>
 </file>
@@ -5354,753 +5356,6 @@
 </file>
 
 <file path=ppt/diagrams/colors8.xml><?xml version="1.0" encoding="utf-8"?>
-<dgm:colorsDef xmlns:dgm="http://schemas.openxmlformats.org/drawingml/2006/diagram" xmlns:a="http://schemas.openxmlformats.org/drawingml/2006/main" uniqueId="urn:microsoft.com/office/officeart/2005/8/colors/accent1_2">
-  <dgm:title val=""/>
-  <dgm:desc val=""/>
-  <dgm:catLst>
-    <dgm:cat type="accent1" pri="11200"/>
-  </dgm:catLst>
-  <dgm:styleLbl name="node0">
-    <dgm:fillClrLst meth="repeat">
-      <a:schemeClr val="accent1"/>
-    </dgm:fillClrLst>
-    <dgm:linClrLst meth="repeat">
-      <a:schemeClr val="lt1"/>
-    </dgm:linClrLst>
-    <dgm:effectClrLst/>
-    <dgm:txLinClrLst/>
-    <dgm:txFillClrLst/>
-    <dgm:txEffectClrLst/>
-  </dgm:styleLbl>
-  <dgm:styleLbl name="alignNode1">
-    <dgm:fillClrLst meth="repeat">
-      <a:schemeClr val="accent1"/>
-    </dgm:fillClrLst>
-    <dgm:linClrLst meth="repeat">
-      <a:schemeClr val="accent1"/>
-    </dgm:linClrLst>
-    <dgm:effectClrLst/>
-    <dgm:txLinClrLst/>
-    <dgm:txFillClrLst/>
-    <dgm:txEffectClrLst/>
-  </dgm:styleLbl>
-  <dgm:styleLbl name="node1">
-    <dgm:fillClrLst meth="repeat">
-      <a:schemeClr val="accent1"/>
-    </dgm:fillClrLst>
-    <dgm:linClrLst meth="repeat">
-      <a:schemeClr val="lt1"/>
-    </dgm:linClrLst>
-    <dgm:effectClrLst/>
-    <dgm:txLinClrLst/>
-    <dgm:txFillClrLst/>
-    <dgm:txEffectClrLst/>
-  </dgm:styleLbl>
-  <dgm:styleLbl name="lnNode1">
-    <dgm:fillClrLst meth="repeat">
-      <a:schemeClr val="accent1"/>
-    </dgm:fillClrLst>
-    <dgm:linClrLst meth="repeat">
-      <a:schemeClr val="lt1"/>
-    </dgm:linClrLst>
-    <dgm:effectClrLst/>
-    <dgm:txLinClrLst/>
-    <dgm:txFillClrLst/>
-    <dgm:txEffectClrLst/>
-  </dgm:styleLbl>
-  <dgm:styleLbl name="vennNode1">
-    <dgm:fillClrLst meth="repeat">
-      <a:schemeClr val="accent1">
-        <a:alpha val="50000"/>
-      </a:schemeClr>
-    </dgm:fillClrLst>
-    <dgm:linClrLst meth="repeat">
-      <a:schemeClr val="lt1"/>
-    </dgm:linClrLst>
-    <dgm:effectClrLst/>
-    <dgm:txLinClrLst/>
-    <dgm:txFillClrLst/>
-    <dgm:txEffectClrLst/>
-  </dgm:styleLbl>
-  <dgm:styleLbl name="node2">
-    <dgm:fillClrLst meth="repeat">
-      <a:schemeClr val="accent1"/>
-    </dgm:fillClrLst>
-    <dgm:linClrLst meth="repeat">
-      <a:schemeClr val="lt1"/>
-    </dgm:linClrLst>
-    <dgm:effectClrLst/>
-    <dgm:txLinClrLst/>
-    <dgm:txFillClrLst/>
-    <dgm:txEffectClrLst/>
-  </dgm:styleLbl>
-  <dgm:styleLbl name="node3">
-    <dgm:fillClrLst meth="repeat">
-      <a:schemeClr val="accent1"/>
-    </dgm:fillClrLst>
-    <dgm:linClrLst meth="repeat">
-      <a:schemeClr val="lt1"/>
-    </dgm:linClrLst>
-    <dgm:effectClrLst/>
-    <dgm:txLinClrLst/>
-    <dgm:txFillClrLst/>
-    <dgm:txEffectClrLst/>
-  </dgm:styleLbl>
-  <dgm:styleLbl name="node4">
-    <dgm:fillClrLst meth="repeat">
-      <a:schemeClr val="accent1"/>
-    </dgm:fillClrLst>
-    <dgm:linClrLst meth="repeat">
-      <a:schemeClr val="lt1"/>
-    </dgm:linClrLst>
-    <dgm:effectClrLst/>
-    <dgm:txLinClrLst/>
-    <dgm:txFillClrLst/>
-    <dgm:txEffectClrLst/>
-  </dgm:styleLbl>
-  <dgm:styleLbl name="fgImgPlace1">
-    <dgm:fillClrLst meth="repeat">
-      <a:schemeClr val="accent1">
-        <a:tint val="50000"/>
-      </a:schemeClr>
-    </dgm:fillClrLst>
-    <dgm:linClrLst meth="repeat">
-      <a:schemeClr val="lt1"/>
-    </dgm:linClrLst>
-    <dgm:effectClrLst/>
-    <dgm:txLinClrLst/>
-    <dgm:txFillClrLst meth="repeat">
-      <a:schemeClr val="lt1"/>
-    </dgm:txFillClrLst>
-    <dgm:txEffectClrLst/>
-  </dgm:styleLbl>
-  <dgm:styleLbl name="alignImgPlace1">
-    <dgm:fillClrLst meth="repeat">
-      <a:schemeClr val="accent1">
-        <a:tint val="50000"/>
-      </a:schemeClr>
-    </dgm:fillClrLst>
-    <dgm:linClrLst meth="repeat">
-      <a:schemeClr val="lt1"/>
-    </dgm:linClrLst>
-    <dgm:effectClrLst/>
-    <dgm:txLinClrLst/>
-    <dgm:txFillClrLst meth="repeat">
-      <a:schemeClr val="lt1"/>
-    </dgm:txFillClrLst>
-    <dgm:txEffectClrLst/>
-  </dgm:styleLbl>
-  <dgm:styleLbl name="bgImgPlace1">
-    <dgm:fillClrLst meth="repeat">
-      <a:schemeClr val="accent1">
-        <a:tint val="50000"/>
-      </a:schemeClr>
-    </dgm:fillClrLst>
-    <dgm:linClrLst meth="repeat">
-      <a:schemeClr val="lt1"/>
-    </dgm:linClrLst>
-    <dgm:effectClrLst/>
-    <dgm:txLinClrLst/>
-    <dgm:txFillClrLst meth="repeat">
-      <a:schemeClr val="lt1"/>
-    </dgm:txFillClrLst>
-    <dgm:txEffectClrLst/>
-  </dgm:styleLbl>
-  <dgm:styleLbl name="sibTrans2D1">
-    <dgm:fillClrLst meth="repeat">
-      <a:schemeClr val="accent1">
-        <a:tint val="60000"/>
-      </a:schemeClr>
-    </dgm:fillClrLst>
-    <dgm:linClrLst meth="repeat">
-      <a:schemeClr val="accent1">
-        <a:tint val="60000"/>
-      </a:schemeClr>
-    </dgm:linClrLst>
-    <dgm:effectClrLst/>
-    <dgm:txLinClrLst/>
-    <dgm:txFillClrLst/>
-    <dgm:txEffectClrLst/>
-  </dgm:styleLbl>
-  <dgm:styleLbl name="fgSibTrans2D1">
-    <dgm:fillClrLst meth="repeat">
-      <a:schemeClr val="accent1">
-        <a:tint val="60000"/>
-      </a:schemeClr>
-    </dgm:fillClrLst>
-    <dgm:linClrLst meth="repeat">
-      <a:schemeClr val="accent1">
-        <a:tint val="60000"/>
-      </a:schemeClr>
-    </dgm:linClrLst>
-    <dgm:effectClrLst/>
-    <dgm:txLinClrLst/>
-    <dgm:txFillClrLst/>
-    <dgm:txEffectClrLst/>
-  </dgm:styleLbl>
-  <dgm:styleLbl name="bgSibTrans2D1">
-    <dgm:fillClrLst meth="repeat">
-      <a:schemeClr val="accent1">
-        <a:tint val="60000"/>
-      </a:schemeClr>
-    </dgm:fillClrLst>
-    <dgm:linClrLst meth="repeat">
-      <a:schemeClr val="accent1">
-        <a:tint val="60000"/>
-      </a:schemeClr>
-    </dgm:linClrLst>
-    <dgm:effectClrLst/>
-    <dgm:txLinClrLst/>
-    <dgm:txFillClrLst/>
-    <dgm:txEffectClrLst/>
-  </dgm:styleLbl>
-  <dgm:styleLbl name="sibTrans1D1">
-    <dgm:fillClrLst meth="repeat">
-      <a:schemeClr val="accent1"/>
-    </dgm:fillClrLst>
-    <dgm:linClrLst meth="repeat">
-      <a:schemeClr val="accent1"/>
-    </dgm:linClrLst>
-    <dgm:effectClrLst/>
-    <dgm:txLinClrLst/>
-    <dgm:txFillClrLst meth="repeat">
-      <a:schemeClr val="tx1"/>
-    </dgm:txFillClrLst>
-    <dgm:txEffectClrLst/>
-  </dgm:styleLbl>
-  <dgm:styleLbl name="callout">
-    <dgm:fillClrLst meth="repeat">
-      <a:schemeClr val="accent1"/>
-    </dgm:fillClrLst>
-    <dgm:linClrLst meth="repeat">
-      <a:schemeClr val="accent1">
-        <a:tint val="50000"/>
-      </a:schemeClr>
-    </dgm:linClrLst>
-    <dgm:effectClrLst/>
-    <dgm:txLinClrLst/>
-    <dgm:txFillClrLst meth="repeat">
-      <a:schemeClr val="tx1"/>
-    </dgm:txFillClrLst>
-    <dgm:txEffectClrLst/>
-  </dgm:styleLbl>
-  <dgm:styleLbl name="asst0">
-    <dgm:fillClrLst meth="repeat">
-      <a:schemeClr val="accent1"/>
-    </dgm:fillClrLst>
-    <dgm:linClrLst meth="repeat">
-      <a:schemeClr val="lt1"/>
-    </dgm:linClrLst>
-    <dgm:effectClrLst/>
-    <dgm:txLinClrLst/>
-    <dgm:txFillClrLst/>
-    <dgm:txEffectClrLst/>
-  </dgm:styleLbl>
-  <dgm:styleLbl name="asst1">
-    <dgm:fillClrLst meth="repeat">
-      <a:schemeClr val="accent1"/>
-    </dgm:fillClrLst>
-    <dgm:linClrLst meth="repeat">
-      <a:schemeClr val="lt1"/>
-    </dgm:linClrLst>
-    <dgm:effectClrLst/>
-    <dgm:txLinClrLst/>
-    <dgm:txFillClrLst/>
-    <dgm:txEffectClrLst/>
-  </dgm:styleLbl>
-  <dgm:styleLbl name="asst2">
-    <dgm:fillClrLst meth="repeat">
-      <a:schemeClr val="accent1"/>
-    </dgm:fillClrLst>
-    <dgm:linClrLst meth="repeat">
-      <a:schemeClr val="lt1"/>
-    </dgm:linClrLst>
-    <dgm:effectClrLst/>
-    <dgm:txLinClrLst/>
-    <dgm:txFillClrLst/>
-    <dgm:txEffectClrLst/>
-  </dgm:styleLbl>
-  <dgm:styleLbl name="asst3">
-    <dgm:fillClrLst meth="repeat">
-      <a:schemeClr val="accent1"/>
-    </dgm:fillClrLst>
-    <dgm:linClrLst meth="repeat">
-      <a:schemeClr val="lt1"/>
-    </dgm:linClrLst>
-    <dgm:effectClrLst/>
-    <dgm:txLinClrLst/>
-    <dgm:txFillClrLst/>
-    <dgm:txEffectClrLst/>
-  </dgm:styleLbl>
-  <dgm:styleLbl name="asst4">
-    <dgm:fillClrLst meth="repeat">
-      <a:schemeClr val="accent1"/>
-    </dgm:fillClrLst>
-    <dgm:linClrLst meth="repeat">
-      <a:schemeClr val="lt1"/>
-    </dgm:linClrLst>
-    <dgm:effectClrLst/>
-    <dgm:txLinClrLst/>
-    <dgm:txFillClrLst/>
-    <dgm:txEffectClrLst/>
-  </dgm:styleLbl>
-  <dgm:styleLbl name="parChTrans2D1">
-    <dgm:fillClrLst meth="repeat">
-      <a:schemeClr val="accent1">
-        <a:tint val="60000"/>
-      </a:schemeClr>
-    </dgm:fillClrLst>
-    <dgm:linClrLst meth="repeat">
-      <a:schemeClr val="accent1">
-        <a:tint val="60000"/>
-      </a:schemeClr>
-    </dgm:linClrLst>
-    <dgm:effectClrLst/>
-    <dgm:txLinClrLst/>
-    <dgm:txFillClrLst meth="repeat">
-      <a:schemeClr val="lt1"/>
-    </dgm:txFillClrLst>
-    <dgm:txEffectClrLst/>
-  </dgm:styleLbl>
-  <dgm:styleLbl name="parChTrans2D2">
-    <dgm:fillClrLst meth="repeat">
-      <a:schemeClr val="accent1"/>
-    </dgm:fillClrLst>
-    <dgm:linClrLst meth="repeat">
-      <a:schemeClr val="accent1"/>
-    </dgm:linClrLst>
-    <dgm:effectClrLst/>
-    <dgm:txLinClrLst/>
-    <dgm:txFillClrLst meth="repeat">
-      <a:schemeClr val="lt1"/>
-    </dgm:txFillClrLst>
-    <dgm:txEffectClrLst/>
-  </dgm:styleLbl>
-  <dgm:styleLbl name="parChTrans2D3">
-    <dgm:fillClrLst meth="repeat">
-      <a:schemeClr val="accent1"/>
-    </dgm:fillClrLst>
-    <dgm:linClrLst meth="repeat">
-      <a:schemeClr val="accent1"/>
-    </dgm:linClrLst>
-    <dgm:effectClrLst/>
-    <dgm:txLinClrLst/>
-    <dgm:txFillClrLst meth="repeat">
-      <a:schemeClr val="lt1"/>
-    </dgm:txFillClrLst>
-    <dgm:txEffectClrLst/>
-  </dgm:styleLbl>
-  <dgm:styleLbl name="parChTrans2D4">
-    <dgm:fillClrLst meth="repeat">
-      <a:schemeClr val="accent1"/>
-    </dgm:fillClrLst>
-    <dgm:linClrLst meth="repeat">
-      <a:schemeClr val="accent1"/>
-    </dgm:linClrLst>
-    <dgm:effectClrLst/>
-    <dgm:txLinClrLst/>
-    <dgm:txFillClrLst meth="repeat">
-      <a:schemeClr val="lt1"/>
-    </dgm:txFillClrLst>
-    <dgm:txEffectClrLst/>
-  </dgm:styleLbl>
-  <dgm:styleLbl name="parChTrans1D1">
-    <dgm:fillClrLst meth="repeat">
-      <a:schemeClr val="accent1"/>
-    </dgm:fillClrLst>
-    <dgm:linClrLst meth="repeat">
-      <a:schemeClr val="accent1">
-        <a:shade val="60000"/>
-      </a:schemeClr>
-    </dgm:linClrLst>
-    <dgm:effectClrLst/>
-    <dgm:txLinClrLst/>
-    <dgm:txFillClrLst meth="repeat">
-      <a:schemeClr val="tx1"/>
-    </dgm:txFillClrLst>
-    <dgm:txEffectClrLst/>
-  </dgm:styleLbl>
-  <dgm:styleLbl name="parChTrans1D2">
-    <dgm:fillClrLst meth="repeat">
-      <a:schemeClr val="accent1"/>
-    </dgm:fillClrLst>
-    <dgm:linClrLst meth="repeat">
-      <a:schemeClr val="accent1">
-        <a:shade val="60000"/>
-      </a:schemeClr>
-    </dgm:linClrLst>
-    <dgm:effectClrLst/>
-    <dgm:txLinClrLst/>
-    <dgm:txFillClrLst meth="repeat">
-      <a:schemeClr val="tx1"/>
-    </dgm:txFillClrLst>
-    <dgm:txEffectClrLst/>
-  </dgm:styleLbl>
-  <dgm:styleLbl name="parChTrans1D3">
-    <dgm:fillClrLst meth="repeat">
-      <a:schemeClr val="accent1"/>
-    </dgm:fillClrLst>
-    <dgm:linClrLst meth="repeat">
-      <a:schemeClr val="accent1">
-        <a:shade val="80000"/>
-      </a:schemeClr>
-    </dgm:linClrLst>
-    <dgm:effectClrLst/>
-    <dgm:txLinClrLst/>
-    <dgm:txFillClrLst meth="repeat">
-      <a:schemeClr val="tx1"/>
-    </dgm:txFillClrLst>
-    <dgm:txEffectClrLst/>
-  </dgm:styleLbl>
-  <dgm:styleLbl name="parChTrans1D4">
-    <dgm:fillClrLst meth="repeat">
-      <a:schemeClr val="accent1"/>
-    </dgm:fillClrLst>
-    <dgm:linClrLst meth="repeat">
-      <a:schemeClr val="accent1">
-        <a:shade val="80000"/>
-      </a:schemeClr>
-    </dgm:linClrLst>
-    <dgm:effectClrLst/>
-    <dgm:txLinClrLst/>
-    <dgm:txFillClrLst meth="repeat">
-      <a:schemeClr val="tx1"/>
-    </dgm:txFillClrLst>
-    <dgm:txEffectClrLst/>
-  </dgm:styleLbl>
-  <dgm:styleLbl name="fgAcc1">
-    <dgm:fillClrLst meth="repeat">
-      <a:schemeClr val="lt1">
-        <a:alpha val="90000"/>
-      </a:schemeClr>
-    </dgm:fillClrLst>
-    <dgm:linClrLst meth="repeat">
-      <a:schemeClr val="accent1"/>
-    </dgm:linClrLst>
-    <dgm:effectClrLst/>
-    <dgm:txLinClrLst/>
-    <dgm:txFillClrLst meth="repeat">
-      <a:schemeClr val="dk1"/>
-    </dgm:txFillClrLst>
-    <dgm:txEffectClrLst/>
-  </dgm:styleLbl>
-  <dgm:styleLbl name="conFgAcc1">
-    <dgm:fillClrLst meth="repeat">
-      <a:schemeClr val="lt1">
-        <a:alpha val="90000"/>
-      </a:schemeClr>
-    </dgm:fillClrLst>
-    <dgm:linClrLst meth="repeat">
-      <a:schemeClr val="accent1"/>
-    </dgm:linClrLst>
-    <dgm:effectClrLst/>
-    <dgm:txLinClrLst/>
-    <dgm:txFillClrLst meth="repeat">
-      <a:schemeClr val="dk1"/>
-    </dgm:txFillClrLst>
-    <dgm:txEffectClrLst/>
-  </dgm:styleLbl>
-  <dgm:styleLbl name="alignAcc1">
-    <dgm:fillClrLst meth="repeat">
-      <a:schemeClr val="lt1">
-        <a:alpha val="90000"/>
-      </a:schemeClr>
-    </dgm:fillClrLst>
-    <dgm:linClrLst meth="repeat">
-      <a:schemeClr val="accent1"/>
-    </dgm:linClrLst>
-    <dgm:effectClrLst/>
-    <dgm:txLinClrLst/>
-    <dgm:txFillClrLst meth="repeat">
-      <a:schemeClr val="dk1"/>
-    </dgm:txFillClrLst>
-    <dgm:txEffectClrLst/>
-  </dgm:styleLbl>
-  <dgm:styleLbl name="trAlignAcc1">
-    <dgm:fillClrLst meth="repeat">
-      <a:schemeClr val="lt1">
-        <a:alpha val="40000"/>
-      </a:schemeClr>
-    </dgm:fillClrLst>
-    <dgm:linClrLst meth="repeat">
-      <a:schemeClr val="accent1"/>
-    </dgm:linClrLst>
-    <dgm:effectClrLst/>
-    <dgm:txLinClrLst/>
-    <dgm:txFillClrLst meth="repeat">
-      <a:schemeClr val="dk1"/>
-    </dgm:txFillClrLst>
-    <dgm:txEffectClrLst/>
-  </dgm:styleLbl>
-  <dgm:styleLbl name="bgAcc1">
-    <dgm:fillClrLst meth="repeat">
-      <a:schemeClr val="lt1">
-        <a:alpha val="90000"/>
-      </a:schemeClr>
-    </dgm:fillClrLst>
-    <dgm:linClrLst meth="repeat">
-      <a:schemeClr val="accent1"/>
-    </dgm:linClrLst>
-    <dgm:effectClrLst/>
-    <dgm:txLinClrLst/>
-    <dgm:txFillClrLst meth="repeat">
-      <a:schemeClr val="dk1"/>
-    </dgm:txFillClrLst>
-    <dgm:txEffectClrLst/>
-  </dgm:styleLbl>
-  <dgm:styleLbl name="solidFgAcc1">
-    <dgm:fillClrLst meth="repeat">
-      <a:schemeClr val="lt1"/>
-    </dgm:fillClrLst>
-    <dgm:linClrLst meth="repeat">
-      <a:schemeClr val="accent1"/>
-    </dgm:linClrLst>
-    <dgm:effectClrLst/>
-    <dgm:txLinClrLst/>
-    <dgm:txFillClrLst meth="repeat">
-      <a:schemeClr val="dk1"/>
-    </dgm:txFillClrLst>
-    <dgm:txEffectClrLst/>
-  </dgm:styleLbl>
-  <dgm:styleLbl name="solidAlignAcc1">
-    <dgm:fillClrLst meth="repeat">
-      <a:schemeClr val="lt1"/>
-    </dgm:fillClrLst>
-    <dgm:linClrLst meth="repeat">
-      <a:schemeClr val="accent1"/>
-    </dgm:linClrLst>
-    <dgm:effectClrLst/>
-    <dgm:txLinClrLst/>
-    <dgm:txFillClrLst meth="repeat">
-      <a:schemeClr val="dk1"/>
-    </dgm:txFillClrLst>
-    <dgm:txEffectClrLst/>
-  </dgm:styleLbl>
-  <dgm:styleLbl name="solidBgAcc1">
-    <dgm:fillClrLst meth="repeat">
-      <a:schemeClr val="lt1"/>
-    </dgm:fillClrLst>
-    <dgm:linClrLst meth="repeat">
-      <a:schemeClr val="accent1"/>
-    </dgm:linClrLst>
-    <dgm:effectClrLst/>
-    <dgm:txLinClrLst/>
-    <dgm:txFillClrLst meth="repeat">
-      <a:schemeClr val="dk1"/>
-    </dgm:txFillClrLst>
-    <dgm:txEffectClrLst/>
-  </dgm:styleLbl>
-  <dgm:styleLbl name="fgAccFollowNode1">
-    <dgm:fillClrLst meth="repeat">
-      <a:schemeClr val="accent1">
-        <a:alpha val="90000"/>
-        <a:tint val="40000"/>
-      </a:schemeClr>
-    </dgm:fillClrLst>
-    <dgm:linClrLst meth="repeat">
-      <a:schemeClr val="accent1">
-        <a:alpha val="90000"/>
-        <a:tint val="40000"/>
-      </a:schemeClr>
-    </dgm:linClrLst>
-    <dgm:effectClrLst/>
-    <dgm:txLinClrLst/>
-    <dgm:txFillClrLst meth="repeat">
-      <a:schemeClr val="dk1"/>
-    </dgm:txFillClrLst>
-    <dgm:txEffectClrLst/>
-  </dgm:styleLbl>
-  <dgm:styleLbl name="alignAccFollowNode1">
-    <dgm:fillClrLst meth="repeat">
-      <a:schemeClr val="accent1">
-        <a:alpha val="90000"/>
-        <a:tint val="40000"/>
-      </a:schemeClr>
-    </dgm:fillClrLst>
-    <dgm:linClrLst meth="repeat">
-      <a:schemeClr val="accent1">
-        <a:alpha val="90000"/>
-        <a:tint val="40000"/>
-      </a:schemeClr>
-    </dgm:linClrLst>
-    <dgm:effectClrLst/>
-    <dgm:txLinClrLst/>
-    <dgm:txFillClrLst meth="repeat">
-      <a:schemeClr val="dk1"/>
-    </dgm:txFillClrLst>
-    <dgm:txEffectClrLst/>
-  </dgm:styleLbl>
-  <dgm:styleLbl name="bgAccFollowNode1">
-    <dgm:fillClrLst meth="repeat">
-      <a:schemeClr val="accent1">
-        <a:alpha val="90000"/>
-        <a:tint val="40000"/>
-      </a:schemeClr>
-    </dgm:fillClrLst>
-    <dgm:linClrLst meth="repeat">
-      <a:schemeClr val="accent1">
-        <a:alpha val="90000"/>
-        <a:tint val="40000"/>
-      </a:schemeClr>
-    </dgm:linClrLst>
-    <dgm:effectClrLst/>
-    <dgm:txLinClrLst/>
-    <dgm:txFillClrLst meth="repeat">
-      <a:schemeClr val="dk1"/>
-    </dgm:txFillClrLst>
-    <dgm:txEffectClrLst/>
-  </dgm:styleLbl>
-  <dgm:styleLbl name="fgAcc0">
-    <dgm:fillClrLst meth="repeat">
-      <a:schemeClr val="lt1">
-        <a:alpha val="90000"/>
-      </a:schemeClr>
-    </dgm:fillClrLst>
-    <dgm:linClrLst meth="repeat">
-      <a:schemeClr val="accent1"/>
-    </dgm:linClrLst>
-    <dgm:effectClrLst/>
-    <dgm:txLinClrLst/>
-    <dgm:txFillClrLst meth="repeat">
-      <a:schemeClr val="dk1"/>
-    </dgm:txFillClrLst>
-    <dgm:txEffectClrLst/>
-  </dgm:styleLbl>
-  <dgm:styleLbl name="fgAcc2">
-    <dgm:fillClrLst meth="repeat">
-      <a:schemeClr val="lt1">
-        <a:alpha val="90000"/>
-      </a:schemeClr>
-    </dgm:fillClrLst>
-    <dgm:linClrLst meth="repeat">
-      <a:schemeClr val="accent1"/>
-    </dgm:linClrLst>
-    <dgm:effectClrLst/>
-    <dgm:txLinClrLst/>
-    <dgm:txFillClrLst meth="repeat">
-      <a:schemeClr val="dk1"/>
-    </dgm:txFillClrLst>
-    <dgm:txEffectClrLst/>
-  </dgm:styleLbl>
-  <dgm:styleLbl name="fgAcc3">
-    <dgm:fillClrLst meth="repeat">
-      <a:schemeClr val="lt1">
-        <a:alpha val="90000"/>
-      </a:schemeClr>
-    </dgm:fillClrLst>
-    <dgm:linClrLst meth="repeat">
-      <a:schemeClr val="accent1"/>
-    </dgm:linClrLst>
-    <dgm:effectClrLst/>
-    <dgm:txLinClrLst/>
-    <dgm:txFillClrLst meth="repeat">
-      <a:schemeClr val="dk1"/>
-    </dgm:txFillClrLst>
-    <dgm:txEffectClrLst/>
-  </dgm:styleLbl>
-  <dgm:styleLbl name="fgAcc4">
-    <dgm:fillClrLst meth="repeat">
-      <a:schemeClr val="lt1">
-        <a:alpha val="90000"/>
-      </a:schemeClr>
-    </dgm:fillClrLst>
-    <dgm:linClrLst meth="repeat">
-      <a:schemeClr val="accent1"/>
-    </dgm:linClrLst>
-    <dgm:effectClrLst/>
-    <dgm:txLinClrLst/>
-    <dgm:txFillClrLst meth="repeat">
-      <a:schemeClr val="dk1"/>
-    </dgm:txFillClrLst>
-    <dgm:txEffectClrLst/>
-  </dgm:styleLbl>
-  <dgm:styleLbl name="bgShp">
-    <dgm:fillClrLst meth="repeat">
-      <a:schemeClr val="accent1">
-        <a:tint val="40000"/>
-      </a:schemeClr>
-    </dgm:fillClrLst>
-    <dgm:linClrLst meth="repeat">
-      <a:schemeClr val="accent1"/>
-    </dgm:linClrLst>
-    <dgm:effectClrLst/>
-    <dgm:txLinClrLst/>
-    <dgm:txFillClrLst meth="repeat">
-      <a:schemeClr val="dk1"/>
-    </dgm:txFillClrLst>
-    <dgm:txEffectClrLst/>
-  </dgm:styleLbl>
-  <dgm:styleLbl name="dkBgShp">
-    <dgm:fillClrLst meth="repeat">
-      <a:schemeClr val="accent1">
-        <a:shade val="80000"/>
-      </a:schemeClr>
-    </dgm:fillClrLst>
-    <dgm:linClrLst meth="repeat">
-      <a:schemeClr val="accent1"/>
-    </dgm:linClrLst>
-    <dgm:effectClrLst/>
-    <dgm:txLinClrLst/>
-    <dgm:txFillClrLst meth="repeat">
-      <a:schemeClr val="lt1"/>
-    </dgm:txFillClrLst>
-    <dgm:txEffectClrLst/>
-  </dgm:styleLbl>
-  <dgm:styleLbl name="trBgShp">
-    <dgm:fillClrLst meth="repeat">
-      <a:schemeClr val="accent1">
-        <a:tint val="50000"/>
-        <a:alpha val="40000"/>
-      </a:schemeClr>
-    </dgm:fillClrLst>
-    <dgm:linClrLst meth="repeat">
-      <a:schemeClr val="accent1"/>
-    </dgm:linClrLst>
-    <dgm:effectClrLst/>
-    <dgm:txLinClrLst/>
-    <dgm:txFillClrLst meth="repeat">
-      <a:schemeClr val="lt1"/>
-    </dgm:txFillClrLst>
-    <dgm:txEffectClrLst/>
-  </dgm:styleLbl>
-  <dgm:styleLbl name="fgShp">
-    <dgm:fillClrLst meth="repeat">
-      <a:schemeClr val="accent1">
-        <a:tint val="60000"/>
-      </a:schemeClr>
-    </dgm:fillClrLst>
-    <dgm:linClrLst meth="repeat">
-      <a:schemeClr val="lt1"/>
-    </dgm:linClrLst>
-    <dgm:effectClrLst/>
-    <dgm:txLinClrLst/>
-    <dgm:txFillClrLst meth="repeat">
-      <a:schemeClr val="dk1"/>
-    </dgm:txFillClrLst>
-    <dgm:txEffectClrLst/>
-  </dgm:styleLbl>
-  <dgm:styleLbl name="revTx">
-    <dgm:fillClrLst meth="repeat">
-      <a:schemeClr val="lt1">
-        <a:alpha val="0"/>
-      </a:schemeClr>
-    </dgm:fillClrLst>
-    <dgm:linClrLst meth="repeat">
-      <a:schemeClr val="dk1">
-        <a:alpha val="0"/>
-      </a:schemeClr>
-    </dgm:linClrLst>
-    <dgm:effectClrLst/>
-    <dgm:txLinClrLst/>
-    <dgm:txFillClrLst meth="repeat">
-      <a:schemeClr val="tx1"/>
-    </dgm:txFillClrLst>
-    <dgm:txEffectClrLst/>
-  </dgm:styleLbl>
-</dgm:colorsDef>
-</file>
-
-<file path=ppt/diagrams/colors9.xml><?xml version="1.0" encoding="utf-8"?>
 <dgm:colorsDef xmlns:dgm="http://schemas.openxmlformats.org/drawingml/2006/diagram" xmlns:a="http://schemas.openxmlformats.org/drawingml/2006/main" uniqueId="urn:microsoft.com/office/officeart/2005/8/colors/accent1_2">
   <dgm:title val=""/>
   <dgm:desc val=""/>
@@ -7566,12 +6821,25 @@
       </dgm:t>
     </dgm:pt>
     <dgm:pt modelId="{1B474F9A-EA7C-462A-8838-F58BDA1F2819}">
-      <dgm:prSet phldrT="[Text]"/>
-      <dgm:spPr>
-        <a:solidFill>
-          <a:schemeClr val="accent2"/>
-        </a:solidFill>
-      </dgm:spPr>
+      <dgm:prSet phldrT="[Text]">
+        <dgm:style>
+          <a:lnRef idx="2">
+            <a:schemeClr val="accent3">
+              <a:shade val="50000"/>
+            </a:schemeClr>
+          </a:lnRef>
+          <a:fillRef idx="1">
+            <a:schemeClr val="accent3"/>
+          </a:fillRef>
+          <a:effectRef idx="0">
+            <a:schemeClr val="accent3"/>
+          </a:effectRef>
+          <a:fontRef idx="minor">
+            <a:schemeClr val="lt1"/>
+          </a:fontRef>
+        </dgm:style>
+      </dgm:prSet>
+      <dgm:spPr/>
       <dgm:t>
         <a:bodyPr/>
         <a:lstStyle/>
@@ -7860,12 +7128,25 @@
       </dgm:t>
     </dgm:pt>
     <dgm:pt modelId="{1B474F9A-EA7C-462A-8838-F58BDA1F2819}">
-      <dgm:prSet phldrT="[Text]"/>
-      <dgm:spPr>
-        <a:solidFill>
-          <a:schemeClr val="accent2"/>
-        </a:solidFill>
-      </dgm:spPr>
+      <dgm:prSet phldrT="[Text]">
+        <dgm:style>
+          <a:lnRef idx="2">
+            <a:schemeClr val="accent3">
+              <a:shade val="50000"/>
+            </a:schemeClr>
+          </a:lnRef>
+          <a:fillRef idx="1">
+            <a:schemeClr val="accent3"/>
+          </a:fillRef>
+          <a:effectRef idx="0">
+            <a:schemeClr val="accent3"/>
+          </a:effectRef>
+          <a:fontRef idx="minor">
+            <a:schemeClr val="lt1"/>
+          </a:fontRef>
+        </dgm:style>
+      </dgm:prSet>
+      <dgm:spPr/>
       <dgm:t>
         <a:bodyPr/>
         <a:lstStyle/>
@@ -8154,12 +7435,23 @@
       </dgm:t>
     </dgm:pt>
     <dgm:pt modelId="{1B474F9A-EA7C-462A-8838-F58BDA1F2819}">
-      <dgm:prSet phldrT="[Text]"/>
-      <dgm:spPr>
-        <a:solidFill>
-          <a:schemeClr val="accent2"/>
-        </a:solidFill>
-      </dgm:spPr>
+      <dgm:prSet phldrT="[Text]">
+        <dgm:style>
+          <a:lnRef idx="1">
+            <a:schemeClr val="accent3"/>
+          </a:lnRef>
+          <a:fillRef idx="3">
+            <a:schemeClr val="accent3"/>
+          </a:fillRef>
+          <a:effectRef idx="2">
+            <a:schemeClr val="accent3"/>
+          </a:effectRef>
+          <a:fontRef idx="minor">
+            <a:schemeClr val="lt1"/>
+          </a:fontRef>
+        </dgm:style>
+      </dgm:prSet>
+      <dgm:spPr/>
       <dgm:t>
         <a:bodyPr/>
         <a:lstStyle/>
@@ -8311,7 +7603,7 @@
   <dgm:whole/>
   <dgm:extLst>
     <a:ext uri="http://schemas.microsoft.com/office/drawing/2008/diagram">
-      <dsp:dataModelExt xmlns:dsp="http://schemas.microsoft.com/office/drawing/2008/diagram" relId="rId6" minVer="http://schemas.openxmlformats.org/drawingml/2006/diagram"/>
+      <dsp:dataModelExt xmlns:dsp="http://schemas.microsoft.com/office/drawing/2008/diagram" relId="rId7" minVer="http://schemas.openxmlformats.org/drawingml/2006/diagram"/>
     </a:ext>
   </dgm:extLst>
 </dgm:dataModel>
@@ -8448,12 +7740,25 @@
       </dgm:t>
     </dgm:pt>
     <dgm:pt modelId="{1B474F9A-EA7C-462A-8838-F58BDA1F2819}">
-      <dgm:prSet phldrT="[Text]"/>
-      <dgm:spPr>
-        <a:solidFill>
-          <a:schemeClr val="accent2"/>
-        </a:solidFill>
-      </dgm:spPr>
+      <dgm:prSet phldrT="[Text]">
+        <dgm:style>
+          <a:lnRef idx="2">
+            <a:schemeClr val="accent3">
+              <a:shade val="50000"/>
+            </a:schemeClr>
+          </a:lnRef>
+          <a:fillRef idx="1">
+            <a:schemeClr val="accent3"/>
+          </a:fillRef>
+          <a:effectRef idx="0">
+            <a:schemeClr val="accent3"/>
+          </a:effectRef>
+          <a:fontRef idx="minor">
+            <a:schemeClr val="lt1"/>
+          </a:fontRef>
+        </dgm:style>
+      </dgm:prSet>
+      <dgm:spPr/>
       <dgm:t>
         <a:bodyPr/>
         <a:lstStyle/>
@@ -8742,12 +8047,25 @@
       </dgm:t>
     </dgm:pt>
     <dgm:pt modelId="{1B474F9A-EA7C-462A-8838-F58BDA1F2819}">
-      <dgm:prSet phldrT="[Text]"/>
-      <dgm:spPr>
-        <a:solidFill>
-          <a:schemeClr val="accent2"/>
-        </a:solidFill>
-      </dgm:spPr>
+      <dgm:prSet phldrT="[Text]">
+        <dgm:style>
+          <a:lnRef idx="2">
+            <a:schemeClr val="accent3">
+              <a:shade val="50000"/>
+            </a:schemeClr>
+          </a:lnRef>
+          <a:fillRef idx="1">
+            <a:schemeClr val="accent3"/>
+          </a:fillRef>
+          <a:effectRef idx="0">
+            <a:schemeClr val="accent3"/>
+          </a:effectRef>
+          <a:fontRef idx="minor">
+            <a:schemeClr val="lt1"/>
+          </a:fontRef>
+        </dgm:style>
+      </dgm:prSet>
+      <dgm:spPr/>
       <dgm:t>
         <a:bodyPr/>
         <a:lstStyle/>
@@ -8906,300 +8224,6 @@
 </file>
 
 <file path=ppt/diagrams/data8.xml><?xml version="1.0" encoding="utf-8"?>
-<dgm:dataModel xmlns:dgm="http://schemas.openxmlformats.org/drawingml/2006/diagram" xmlns:a="http://schemas.openxmlformats.org/drawingml/2006/main">
-  <dgm:ptLst>
-    <dgm:pt modelId="{F380FDE7-EFA6-4059-9845-CE6EDA216FE6}" type="doc">
-      <dgm:prSet loTypeId="urn:microsoft.com/office/officeart/2005/8/layout/chevron1" loCatId="process" qsTypeId="urn:microsoft.com/office/officeart/2005/8/quickstyle/simple1" qsCatId="simple" csTypeId="urn:microsoft.com/office/officeart/2005/8/colors/accent1_2" csCatId="accent1" phldr="1"/>
-      <dgm:spPr/>
-    </dgm:pt>
-    <dgm:pt modelId="{BC60D4DB-7D70-46F2-86E5-3A302FFA0213}">
-      <dgm:prSet phldrT="[Text]"/>
-      <dgm:spPr>
-        <a:solidFill>
-          <a:schemeClr val="accent2"/>
-        </a:solidFill>
-      </dgm:spPr>
-      <dgm:t>
-        <a:bodyPr/>
-        <a:lstStyle/>
-        <a:p>
-          <a:r>
-            <a:rPr lang="de-DE" dirty="0" smtClean="0"/>
-            <a:t>Definition</a:t>
-          </a:r>
-          <a:endParaRPr lang="de-DE" dirty="0"/>
-        </a:p>
-      </dgm:t>
-    </dgm:pt>
-    <dgm:pt modelId="{F861D1D3-BCD6-49E0-9A21-98B426A32826}" type="parTrans" cxnId="{345EB432-D9DE-4BEB-BC90-2DB6B2140E63}">
-      <dgm:prSet/>
-      <dgm:spPr/>
-      <dgm:t>
-        <a:bodyPr/>
-        <a:lstStyle/>
-        <a:p>
-          <a:endParaRPr lang="de-DE"/>
-        </a:p>
-      </dgm:t>
-    </dgm:pt>
-    <dgm:pt modelId="{52E01D98-44B1-4D2F-A7FF-963E297960E8}" type="sibTrans" cxnId="{345EB432-D9DE-4BEB-BC90-2DB6B2140E63}">
-      <dgm:prSet/>
-      <dgm:spPr/>
-      <dgm:t>
-        <a:bodyPr/>
-        <a:lstStyle/>
-        <a:p>
-          <a:endParaRPr lang="de-DE"/>
-        </a:p>
-      </dgm:t>
-    </dgm:pt>
-    <dgm:pt modelId="{1EA81A8D-4780-45BF-96C4-65176CCC56F7}">
-      <dgm:prSet phldrT="[Text]"/>
-      <dgm:spPr>
-        <a:solidFill>
-          <a:schemeClr val="accent2"/>
-        </a:solidFill>
-      </dgm:spPr>
-      <dgm:t>
-        <a:bodyPr/>
-        <a:lstStyle/>
-        <a:p>
-          <a:r>
-            <a:rPr lang="de-DE" dirty="0" smtClean="0"/>
-            <a:t>Durchführung</a:t>
-          </a:r>
-          <a:endParaRPr lang="de-DE" dirty="0"/>
-        </a:p>
-      </dgm:t>
-    </dgm:pt>
-    <dgm:pt modelId="{F016153F-1725-4825-9359-306E58A5A52D}" type="parTrans" cxnId="{1953B909-29FA-4426-9F98-BEFD444AB4E6}">
-      <dgm:prSet/>
-      <dgm:spPr/>
-      <dgm:t>
-        <a:bodyPr/>
-        <a:lstStyle/>
-        <a:p>
-          <a:endParaRPr lang="de-DE"/>
-        </a:p>
-      </dgm:t>
-    </dgm:pt>
-    <dgm:pt modelId="{E764366A-2BC8-4F96-B97B-0FAFCFB198B1}" type="sibTrans" cxnId="{1953B909-29FA-4426-9F98-BEFD444AB4E6}">
-      <dgm:prSet/>
-      <dgm:spPr/>
-      <dgm:t>
-        <a:bodyPr/>
-        <a:lstStyle/>
-        <a:p>
-          <a:endParaRPr lang="de-DE"/>
-        </a:p>
-      </dgm:t>
-    </dgm:pt>
-    <dgm:pt modelId="{57039555-1564-4D48-80B0-23FC06EB42CA}">
-      <dgm:prSet phldrT="[Text]"/>
-      <dgm:spPr>
-        <a:solidFill>
-          <a:schemeClr val="accent2"/>
-        </a:solidFill>
-      </dgm:spPr>
-      <dgm:t>
-        <a:bodyPr/>
-        <a:lstStyle/>
-        <a:p>
-          <a:r>
-            <a:rPr lang="de-DE" dirty="0" smtClean="0"/>
-            <a:t>Abschluss</a:t>
-          </a:r>
-          <a:endParaRPr lang="de-DE" dirty="0"/>
-        </a:p>
-      </dgm:t>
-    </dgm:pt>
-    <dgm:pt modelId="{9558D8C6-728D-434F-9A9D-4860312DDE22}" type="parTrans" cxnId="{891CAC89-79A1-47AE-8780-951D2C716CB7}">
-      <dgm:prSet/>
-      <dgm:spPr/>
-      <dgm:t>
-        <a:bodyPr/>
-        <a:lstStyle/>
-        <a:p>
-          <a:endParaRPr lang="de-DE"/>
-        </a:p>
-      </dgm:t>
-    </dgm:pt>
-    <dgm:pt modelId="{7487F19D-A320-4C7B-960A-986A975690BA}" type="sibTrans" cxnId="{891CAC89-79A1-47AE-8780-951D2C716CB7}">
-      <dgm:prSet/>
-      <dgm:spPr/>
-      <dgm:t>
-        <a:bodyPr/>
-        <a:lstStyle/>
-        <a:p>
-          <a:endParaRPr lang="de-DE"/>
-        </a:p>
-      </dgm:t>
-    </dgm:pt>
-    <dgm:pt modelId="{1B474F9A-EA7C-462A-8838-F58BDA1F2819}">
-      <dgm:prSet phldrT="[Text]"/>
-      <dgm:spPr>
-        <a:solidFill>
-          <a:schemeClr val="accent2"/>
-        </a:solidFill>
-      </dgm:spPr>
-      <dgm:t>
-        <a:bodyPr/>
-        <a:lstStyle/>
-        <a:p>
-          <a:r>
-            <a:rPr lang="de-DE" dirty="0" smtClean="0"/>
-            <a:t>Planung</a:t>
-          </a:r>
-          <a:endParaRPr lang="de-DE" dirty="0"/>
-        </a:p>
-      </dgm:t>
-    </dgm:pt>
-    <dgm:pt modelId="{F655AFC7-9907-4C92-92A3-FA0EB63BD0D4}" type="parTrans" cxnId="{3BE170A5-6C02-432A-A83F-29AC475419FD}">
-      <dgm:prSet/>
-      <dgm:spPr/>
-      <dgm:t>
-        <a:bodyPr/>
-        <a:lstStyle/>
-        <a:p>
-          <a:endParaRPr lang="de-DE"/>
-        </a:p>
-      </dgm:t>
-    </dgm:pt>
-    <dgm:pt modelId="{83290885-A745-453F-9D24-551F2D5E36EE}" type="sibTrans" cxnId="{3BE170A5-6C02-432A-A83F-29AC475419FD}">
-      <dgm:prSet/>
-      <dgm:spPr/>
-      <dgm:t>
-        <a:bodyPr/>
-        <a:lstStyle/>
-        <a:p>
-          <a:endParaRPr lang="de-DE"/>
-        </a:p>
-      </dgm:t>
-    </dgm:pt>
-    <dgm:pt modelId="{0D8A5709-CD44-4C5A-A6B5-4D06C6C74647}" type="pres">
-      <dgm:prSet presAssocID="{F380FDE7-EFA6-4059-9845-CE6EDA216FE6}" presName="Name0" presStyleCnt="0">
-        <dgm:presLayoutVars>
-          <dgm:dir/>
-          <dgm:animLvl val="lvl"/>
-          <dgm:resizeHandles val="exact"/>
-        </dgm:presLayoutVars>
-      </dgm:prSet>
-      <dgm:spPr/>
-    </dgm:pt>
-    <dgm:pt modelId="{ADC49C50-2D7F-44A7-A17B-E33BE20372C7}" type="pres">
-      <dgm:prSet presAssocID="{BC60D4DB-7D70-46F2-86E5-3A302FFA0213}" presName="parTxOnly" presStyleLbl="node1" presStyleIdx="0" presStyleCnt="4">
-        <dgm:presLayoutVars>
-          <dgm:chMax val="0"/>
-          <dgm:chPref val="0"/>
-          <dgm:bulletEnabled val="1"/>
-        </dgm:presLayoutVars>
-      </dgm:prSet>
-      <dgm:spPr/>
-      <dgm:t>
-        <a:bodyPr/>
-        <a:lstStyle/>
-        <a:p>
-          <a:endParaRPr lang="de-DE"/>
-        </a:p>
-      </dgm:t>
-    </dgm:pt>
-    <dgm:pt modelId="{4B08C288-FC56-4C20-A767-71E4FC5ADBBF}" type="pres">
-      <dgm:prSet presAssocID="{52E01D98-44B1-4D2F-A7FF-963E297960E8}" presName="parTxOnlySpace" presStyleCnt="0"/>
-      <dgm:spPr/>
-    </dgm:pt>
-    <dgm:pt modelId="{008AA319-A465-4CAC-BC58-757F657DBD40}" type="pres">
-      <dgm:prSet presAssocID="{1B474F9A-EA7C-462A-8838-F58BDA1F2819}" presName="parTxOnly" presStyleLbl="node1" presStyleIdx="1" presStyleCnt="4" custLinFactNeighborX="448" custLinFactNeighborY="-3438">
-        <dgm:presLayoutVars>
-          <dgm:chMax val="0"/>
-          <dgm:chPref val="0"/>
-          <dgm:bulletEnabled val="1"/>
-        </dgm:presLayoutVars>
-      </dgm:prSet>
-      <dgm:spPr/>
-      <dgm:t>
-        <a:bodyPr/>
-        <a:lstStyle/>
-        <a:p>
-          <a:endParaRPr lang="de-DE"/>
-        </a:p>
-      </dgm:t>
-    </dgm:pt>
-    <dgm:pt modelId="{8837ECAE-E76A-4B2D-837A-FBEA7F843E24}" type="pres">
-      <dgm:prSet presAssocID="{83290885-A745-453F-9D24-551F2D5E36EE}" presName="parTxOnlySpace" presStyleCnt="0"/>
-      <dgm:spPr/>
-    </dgm:pt>
-    <dgm:pt modelId="{F7AC5948-3111-4D84-B4CB-496EEE749521}" type="pres">
-      <dgm:prSet presAssocID="{1EA81A8D-4780-45BF-96C4-65176CCC56F7}" presName="parTxOnly" presStyleLbl="node1" presStyleIdx="2" presStyleCnt="4">
-        <dgm:presLayoutVars>
-          <dgm:chMax val="0"/>
-          <dgm:chPref val="0"/>
-          <dgm:bulletEnabled val="1"/>
-        </dgm:presLayoutVars>
-      </dgm:prSet>
-      <dgm:spPr/>
-      <dgm:t>
-        <a:bodyPr/>
-        <a:lstStyle/>
-        <a:p>
-          <a:endParaRPr lang="de-DE"/>
-        </a:p>
-      </dgm:t>
-    </dgm:pt>
-    <dgm:pt modelId="{3D117A13-58B7-4149-AEAD-96A80E29910E}" type="pres">
-      <dgm:prSet presAssocID="{E764366A-2BC8-4F96-B97B-0FAFCFB198B1}" presName="parTxOnlySpace" presStyleCnt="0"/>
-      <dgm:spPr/>
-    </dgm:pt>
-    <dgm:pt modelId="{03A98877-0CC6-4CE1-BCE9-350807759886}" type="pres">
-      <dgm:prSet presAssocID="{57039555-1564-4D48-80B0-23FC06EB42CA}" presName="parTxOnly" presStyleLbl="node1" presStyleIdx="3" presStyleCnt="4">
-        <dgm:presLayoutVars>
-          <dgm:chMax val="0"/>
-          <dgm:chPref val="0"/>
-          <dgm:bulletEnabled val="1"/>
-        </dgm:presLayoutVars>
-      </dgm:prSet>
-      <dgm:spPr/>
-      <dgm:t>
-        <a:bodyPr/>
-        <a:lstStyle/>
-        <a:p>
-          <a:endParaRPr lang="de-DE"/>
-        </a:p>
-      </dgm:t>
-    </dgm:pt>
-  </dgm:ptLst>
-  <dgm:cxnLst>
-    <dgm:cxn modelId="{3BE170A5-6C02-432A-A83F-29AC475419FD}" srcId="{F380FDE7-EFA6-4059-9845-CE6EDA216FE6}" destId="{1B474F9A-EA7C-462A-8838-F58BDA1F2819}" srcOrd="1" destOrd="0" parTransId="{F655AFC7-9907-4C92-92A3-FA0EB63BD0D4}" sibTransId="{83290885-A745-453F-9D24-551F2D5E36EE}"/>
-    <dgm:cxn modelId="{1F8D92F0-64C1-4B89-88A6-08F1F4DD5B28}" type="presOf" srcId="{1EA81A8D-4780-45BF-96C4-65176CCC56F7}" destId="{F7AC5948-3111-4D84-B4CB-496EEE749521}" srcOrd="0" destOrd="0" presId="urn:microsoft.com/office/officeart/2005/8/layout/chevron1"/>
-    <dgm:cxn modelId="{FC1F5543-964F-46B8-85DD-2DBA471525F3}" type="presOf" srcId="{1B474F9A-EA7C-462A-8838-F58BDA1F2819}" destId="{008AA319-A465-4CAC-BC58-757F657DBD40}" srcOrd="0" destOrd="0" presId="urn:microsoft.com/office/officeart/2005/8/layout/chevron1"/>
-    <dgm:cxn modelId="{1953B909-29FA-4426-9F98-BEFD444AB4E6}" srcId="{F380FDE7-EFA6-4059-9845-CE6EDA216FE6}" destId="{1EA81A8D-4780-45BF-96C4-65176CCC56F7}" srcOrd="2" destOrd="0" parTransId="{F016153F-1725-4825-9359-306E58A5A52D}" sibTransId="{E764366A-2BC8-4F96-B97B-0FAFCFB198B1}"/>
-    <dgm:cxn modelId="{50583AB4-6588-4FDD-B9A5-D4F7DE9D7078}" type="presOf" srcId="{57039555-1564-4D48-80B0-23FC06EB42CA}" destId="{03A98877-0CC6-4CE1-BCE9-350807759886}" srcOrd="0" destOrd="0" presId="urn:microsoft.com/office/officeart/2005/8/layout/chevron1"/>
-    <dgm:cxn modelId="{E5BEA05C-3F95-42DA-AE7F-16D672D768E8}" type="presOf" srcId="{BC60D4DB-7D70-46F2-86E5-3A302FFA0213}" destId="{ADC49C50-2D7F-44A7-A17B-E33BE20372C7}" srcOrd="0" destOrd="0" presId="urn:microsoft.com/office/officeart/2005/8/layout/chevron1"/>
-    <dgm:cxn modelId="{345EB432-D9DE-4BEB-BC90-2DB6B2140E63}" srcId="{F380FDE7-EFA6-4059-9845-CE6EDA216FE6}" destId="{BC60D4DB-7D70-46F2-86E5-3A302FFA0213}" srcOrd="0" destOrd="0" parTransId="{F861D1D3-BCD6-49E0-9A21-98B426A32826}" sibTransId="{52E01D98-44B1-4D2F-A7FF-963E297960E8}"/>
-    <dgm:cxn modelId="{1A2ED3B9-0607-422D-8AB6-F0628C376FC1}" type="presOf" srcId="{F380FDE7-EFA6-4059-9845-CE6EDA216FE6}" destId="{0D8A5709-CD44-4C5A-A6B5-4D06C6C74647}" srcOrd="0" destOrd="0" presId="urn:microsoft.com/office/officeart/2005/8/layout/chevron1"/>
-    <dgm:cxn modelId="{891CAC89-79A1-47AE-8780-951D2C716CB7}" srcId="{F380FDE7-EFA6-4059-9845-CE6EDA216FE6}" destId="{57039555-1564-4D48-80B0-23FC06EB42CA}" srcOrd="3" destOrd="0" parTransId="{9558D8C6-728D-434F-9A9D-4860312DDE22}" sibTransId="{7487F19D-A320-4C7B-960A-986A975690BA}"/>
-    <dgm:cxn modelId="{BE28E16B-B110-437C-AE0C-B89BBF7F61F9}" type="presParOf" srcId="{0D8A5709-CD44-4C5A-A6B5-4D06C6C74647}" destId="{ADC49C50-2D7F-44A7-A17B-E33BE20372C7}" srcOrd="0" destOrd="0" presId="urn:microsoft.com/office/officeart/2005/8/layout/chevron1"/>
-    <dgm:cxn modelId="{69019FA6-57EB-4D38-9EBB-2B471D73ED0A}" type="presParOf" srcId="{0D8A5709-CD44-4C5A-A6B5-4D06C6C74647}" destId="{4B08C288-FC56-4C20-A767-71E4FC5ADBBF}" srcOrd="1" destOrd="0" presId="urn:microsoft.com/office/officeart/2005/8/layout/chevron1"/>
-    <dgm:cxn modelId="{21153AE9-2F6C-46FD-AF55-6729857C6A58}" type="presParOf" srcId="{0D8A5709-CD44-4C5A-A6B5-4D06C6C74647}" destId="{008AA319-A465-4CAC-BC58-757F657DBD40}" srcOrd="2" destOrd="0" presId="urn:microsoft.com/office/officeart/2005/8/layout/chevron1"/>
-    <dgm:cxn modelId="{295A1A4B-EDCF-4515-AEEC-BCB294D77C0B}" type="presParOf" srcId="{0D8A5709-CD44-4C5A-A6B5-4D06C6C74647}" destId="{8837ECAE-E76A-4B2D-837A-FBEA7F843E24}" srcOrd="3" destOrd="0" presId="urn:microsoft.com/office/officeart/2005/8/layout/chevron1"/>
-    <dgm:cxn modelId="{EEE3C006-336A-4030-A358-4CC903CA16A7}" type="presParOf" srcId="{0D8A5709-CD44-4C5A-A6B5-4D06C6C74647}" destId="{F7AC5948-3111-4D84-B4CB-496EEE749521}" srcOrd="4" destOrd="0" presId="urn:microsoft.com/office/officeart/2005/8/layout/chevron1"/>
-    <dgm:cxn modelId="{E587101B-73FC-455F-AB05-D6086E7FA0A2}" type="presParOf" srcId="{0D8A5709-CD44-4C5A-A6B5-4D06C6C74647}" destId="{3D117A13-58B7-4149-AEAD-96A80E29910E}" srcOrd="5" destOrd="0" presId="urn:microsoft.com/office/officeart/2005/8/layout/chevron1"/>
-    <dgm:cxn modelId="{4B1EA630-3B0C-4B20-8C11-52EF77CD750B}" type="presParOf" srcId="{0D8A5709-CD44-4C5A-A6B5-4D06C6C74647}" destId="{03A98877-0CC6-4CE1-BCE9-350807759886}" srcOrd="6" destOrd="0" presId="urn:microsoft.com/office/officeart/2005/8/layout/chevron1"/>
-  </dgm:cxnLst>
-  <dgm:bg>
-    <a:solidFill>
-      <a:schemeClr val="accent2"/>
-    </a:solidFill>
-  </dgm:bg>
-  <dgm:whole/>
-  <dgm:extLst>
-    <a:ext uri="http://schemas.microsoft.com/office/drawing/2008/diagram">
-      <dsp:dataModelExt xmlns:dsp="http://schemas.microsoft.com/office/drawing/2008/diagram" relId="rId6" minVer="http://schemas.openxmlformats.org/drawingml/2006/diagram"/>
-    </a:ext>
-  </dgm:extLst>
-</dgm:dataModel>
-</file>
-
-<file path=ppt/diagrams/data9.xml><?xml version="1.0" encoding="utf-8"?>
 <dgm:dataModel xmlns:dgm="http://schemas.openxmlformats.org/drawingml/2006/diagram" xmlns:a="http://schemas.openxmlformats.org/drawingml/2006/main">
   <dgm:ptLst>
     <dgm:pt modelId="{F380FDE7-EFA6-4059-9845-CE6EDA216FE6}" type="doc">
@@ -10187,15 +9211,12 @@
           <a:avLst/>
         </a:prstGeom>
         <a:solidFill>
-          <a:schemeClr val="accent2"/>
+          <a:schemeClr val="accent3"/>
         </a:solidFill>
         <a:ln w="15875" cap="flat" cmpd="sng" algn="ctr">
           <a:solidFill>
-            <a:schemeClr val="lt1">
-              <a:hueOff val="0"/>
-              <a:satOff val="0"/>
-              <a:lumOff val="0"/>
-              <a:alphaOff val="0"/>
+            <a:schemeClr val="accent3">
+              <a:shade val="50000"/>
             </a:schemeClr>
           </a:solidFill>
           <a:prstDash val="solid"/>
@@ -10204,13 +9225,15 @@
       </dsp:spPr>
       <dsp:style>
         <a:lnRef idx="2">
-          <a:scrgbClr r="0" g="0" b="0"/>
+          <a:schemeClr val="accent3">
+            <a:shade val="50000"/>
+          </a:schemeClr>
         </a:lnRef>
         <a:fillRef idx="1">
-          <a:scrgbClr r="0" g="0" b="0"/>
+          <a:schemeClr val="accent3"/>
         </a:fillRef>
         <a:effectRef idx="0">
-          <a:scrgbClr r="0" g="0" b="0"/>
+          <a:schemeClr val="accent3"/>
         </a:effectRef>
         <a:fontRef idx="minor">
           <a:schemeClr val="lt1"/>
@@ -10487,15 +9510,12 @@
           <a:avLst/>
         </a:prstGeom>
         <a:solidFill>
-          <a:schemeClr val="accent2"/>
+          <a:schemeClr val="accent3"/>
         </a:solidFill>
         <a:ln w="15875" cap="flat" cmpd="sng" algn="ctr">
           <a:solidFill>
-            <a:schemeClr val="lt1">
-              <a:hueOff val="0"/>
-              <a:satOff val="0"/>
-              <a:lumOff val="0"/>
-              <a:alphaOff val="0"/>
+            <a:schemeClr val="accent3">
+              <a:shade val="50000"/>
             </a:schemeClr>
           </a:solidFill>
           <a:prstDash val="solid"/>
@@ -10504,13 +9524,15 @@
       </dsp:spPr>
       <dsp:style>
         <a:lnRef idx="2">
-          <a:scrgbClr r="0" g="0" b="0"/>
+          <a:schemeClr val="accent3">
+            <a:shade val="50000"/>
+          </a:schemeClr>
         </a:lnRef>
         <a:fillRef idx="1">
-          <a:scrgbClr r="0" g="0" b="0"/>
+          <a:schemeClr val="accent3"/>
         </a:fillRef>
         <a:effectRef idx="0">
-          <a:scrgbClr r="0" g="0" b="0"/>
+          <a:schemeClr val="accent3"/>
         </a:effectRef>
         <a:fontRef idx="minor">
           <a:schemeClr val="lt1"/>
@@ -10786,31 +9808,62 @@
         <a:prstGeom prst="chevron">
           <a:avLst/>
         </a:prstGeom>
-        <a:solidFill>
-          <a:schemeClr val="accent2"/>
-        </a:solidFill>
-        <a:ln w="15875" cap="flat" cmpd="sng" algn="ctr">
+        <a:gradFill rotWithShape="1">
+          <a:gsLst>
+            <a:gs pos="0">
+              <a:schemeClr val="accent3">
+                <a:shade val="85000"/>
+                <a:satMod val="130000"/>
+              </a:schemeClr>
+            </a:gs>
+            <a:gs pos="34000">
+              <a:schemeClr val="accent3">
+                <a:shade val="87000"/>
+                <a:satMod val="125000"/>
+              </a:schemeClr>
+            </a:gs>
+            <a:gs pos="70000">
+              <a:schemeClr val="accent3">
+                <a:tint val="100000"/>
+                <a:shade val="90000"/>
+                <a:satMod val="130000"/>
+              </a:schemeClr>
+            </a:gs>
+            <a:gs pos="100000">
+              <a:schemeClr val="accent3">
+                <a:tint val="100000"/>
+                <a:shade val="100000"/>
+                <a:satMod val="110000"/>
+              </a:schemeClr>
+            </a:gs>
+          </a:gsLst>
+          <a:path path="circle">
+            <a:fillToRect l="100000" t="100000" r="100000" b="100000"/>
+          </a:path>
+        </a:gradFill>
+        <a:ln w="12700" cap="flat" cmpd="sng" algn="ctr">
           <a:solidFill>
-            <a:schemeClr val="lt1">
-              <a:hueOff val="0"/>
-              <a:satOff val="0"/>
-              <a:lumOff val="0"/>
-              <a:alphaOff val="0"/>
-            </a:schemeClr>
+            <a:schemeClr val="accent3"/>
           </a:solidFill>
           <a:prstDash val="solid"/>
         </a:ln>
-        <a:effectLst/>
+        <a:effectLst>
+          <a:outerShdw blurRad="38100" dist="25400" dir="2700000" algn="br" rotWithShape="0">
+            <a:srgbClr val="000000">
+              <a:alpha val="60000"/>
+            </a:srgbClr>
+          </a:outerShdw>
+        </a:effectLst>
       </dsp:spPr>
       <dsp:style>
-        <a:lnRef idx="2">
-          <a:scrgbClr r="0" g="0" b="0"/>
+        <a:lnRef idx="1">
+          <a:schemeClr val="accent3"/>
         </a:lnRef>
-        <a:fillRef idx="1">
-          <a:scrgbClr r="0" g="0" b="0"/>
+        <a:fillRef idx="3">
+          <a:schemeClr val="accent3"/>
         </a:fillRef>
-        <a:effectRef idx="0">
-          <a:scrgbClr r="0" g="0" b="0"/>
+        <a:effectRef idx="2">
+          <a:schemeClr val="accent3"/>
         </a:effectRef>
         <a:fontRef idx="minor">
           <a:schemeClr val="lt1"/>
@@ -11087,15 +10140,12 @@
           <a:avLst/>
         </a:prstGeom>
         <a:solidFill>
-          <a:schemeClr val="accent2"/>
+          <a:schemeClr val="accent3"/>
         </a:solidFill>
         <a:ln w="15875" cap="flat" cmpd="sng" algn="ctr">
           <a:solidFill>
-            <a:schemeClr val="lt1">
-              <a:hueOff val="0"/>
-              <a:satOff val="0"/>
-              <a:lumOff val="0"/>
-              <a:alphaOff val="0"/>
+            <a:schemeClr val="accent3">
+              <a:shade val="50000"/>
             </a:schemeClr>
           </a:solidFill>
           <a:prstDash val="solid"/>
@@ -11104,13 +10154,15 @@
       </dsp:spPr>
       <dsp:style>
         <a:lnRef idx="2">
-          <a:scrgbClr r="0" g="0" b="0"/>
+          <a:schemeClr val="accent3">
+            <a:shade val="50000"/>
+          </a:schemeClr>
         </a:lnRef>
         <a:fillRef idx="1">
-          <a:scrgbClr r="0" g="0" b="0"/>
+          <a:schemeClr val="accent3"/>
         </a:fillRef>
         <a:effectRef idx="0">
-          <a:scrgbClr r="0" g="0" b="0"/>
+          <a:schemeClr val="accent3"/>
         </a:effectRef>
         <a:fontRef idx="minor">
           <a:schemeClr val="lt1"/>
@@ -11387,15 +10439,12 @@
           <a:avLst/>
         </a:prstGeom>
         <a:solidFill>
-          <a:schemeClr val="accent2"/>
+          <a:schemeClr val="accent3"/>
         </a:solidFill>
         <a:ln w="15875" cap="flat" cmpd="sng" algn="ctr">
           <a:solidFill>
-            <a:schemeClr val="lt1">
-              <a:hueOff val="0"/>
-              <a:satOff val="0"/>
-              <a:lumOff val="0"/>
-              <a:alphaOff val="0"/>
+            <a:schemeClr val="accent3">
+              <a:shade val="50000"/>
             </a:schemeClr>
           </a:solidFill>
           <a:prstDash val="solid"/>
@@ -11404,13 +10453,15 @@
       </dsp:spPr>
       <dsp:style>
         <a:lnRef idx="2">
-          <a:scrgbClr r="0" g="0" b="0"/>
+          <a:schemeClr val="accent3">
+            <a:shade val="50000"/>
+          </a:schemeClr>
         </a:lnRef>
         <a:fillRef idx="1">
-          <a:scrgbClr r="0" g="0" b="0"/>
+          <a:schemeClr val="accent3"/>
         </a:fillRef>
         <a:effectRef idx="0">
-          <a:scrgbClr r="0" g="0" b="0"/>
+          <a:schemeClr val="accent3"/>
         </a:effectRef>
         <a:fontRef idx="minor">
           <a:schemeClr val="lt1"/>
@@ -11594,306 +10645,6 @@
 </file>
 
 <file path=ppt/diagrams/drawing8.xml><?xml version="1.0" encoding="utf-8"?>
-<dsp:drawing xmlns:dgm="http://schemas.openxmlformats.org/drawingml/2006/diagram" xmlns:dsp="http://schemas.microsoft.com/office/drawing/2008/diagram" xmlns:a="http://schemas.openxmlformats.org/drawingml/2006/main">
-  <dsp:spTree>
-    <dsp:nvGrpSpPr>
-      <dsp:cNvPr id="0" name=""/>
-      <dsp:cNvGrpSpPr/>
-    </dsp:nvGrpSpPr>
-    <dsp:grpSpPr/>
-    <dsp:sp modelId="{ADC49C50-2D7F-44A7-A17B-E33BE20372C7}">
-      <dsp:nvSpPr>
-        <dsp:cNvPr id="0" name=""/>
-        <dsp:cNvSpPr/>
-      </dsp:nvSpPr>
-      <dsp:spPr>
-        <a:xfrm>
-          <a:off x="4992" y="0"/>
-          <a:ext cx="2905892" cy="409203"/>
-        </a:xfrm>
-        <a:prstGeom prst="chevron">
-          <a:avLst/>
-        </a:prstGeom>
-        <a:solidFill>
-          <a:schemeClr val="accent2"/>
-        </a:solidFill>
-        <a:ln w="15875" cap="flat" cmpd="sng" algn="ctr">
-          <a:solidFill>
-            <a:schemeClr val="lt1">
-              <a:hueOff val="0"/>
-              <a:satOff val="0"/>
-              <a:lumOff val="0"/>
-              <a:alphaOff val="0"/>
-            </a:schemeClr>
-          </a:solidFill>
-          <a:prstDash val="solid"/>
-        </a:ln>
-        <a:effectLst/>
-      </dsp:spPr>
-      <dsp:style>
-        <a:lnRef idx="2">
-          <a:scrgbClr r="0" g="0" b="0"/>
-        </a:lnRef>
-        <a:fillRef idx="1">
-          <a:scrgbClr r="0" g="0" b="0"/>
-        </a:fillRef>
-        <a:effectRef idx="0">
-          <a:scrgbClr r="0" g="0" b="0"/>
-        </a:effectRef>
-        <a:fontRef idx="minor">
-          <a:schemeClr val="lt1"/>
-        </a:fontRef>
-      </dsp:style>
-      <dsp:txBody>
-        <a:bodyPr spcFirstLastPara="0" vert="horz" wrap="square" lIns="96012" tIns="32004" rIns="32004" bIns="32004" numCol="1" spcCol="1270" anchor="ctr" anchorCtr="0">
-          <a:noAutofit/>
-        </a:bodyPr>
-        <a:lstStyle/>
-        <a:p>
-          <a:pPr lvl="0" algn="ctr" defTabSz="1066800">
-            <a:lnSpc>
-              <a:spcPct val="90000"/>
-            </a:lnSpc>
-            <a:spcBef>
-              <a:spcPct val="0"/>
-            </a:spcBef>
-            <a:spcAft>
-              <a:spcPct val="35000"/>
-            </a:spcAft>
-          </a:pPr>
-          <a:r>
-            <a:rPr lang="de-DE" sz="2400" kern="1200" dirty="0" smtClean="0"/>
-            <a:t>Definition</a:t>
-          </a:r>
-          <a:endParaRPr lang="de-DE" sz="2400" kern="1200" dirty="0"/>
-        </a:p>
-      </dsp:txBody>
-      <dsp:txXfrm>
-        <a:off x="209594" y="0"/>
-        <a:ext cx="2496689" cy="409203"/>
-      </dsp:txXfrm>
-    </dsp:sp>
-    <dsp:sp modelId="{008AA319-A465-4CAC-BC58-757F657DBD40}">
-      <dsp:nvSpPr>
-        <dsp:cNvPr id="0" name=""/>
-        <dsp:cNvSpPr/>
-      </dsp:nvSpPr>
-      <dsp:spPr>
-        <a:xfrm>
-          <a:off x="2621596" y="0"/>
-          <a:ext cx="2905892" cy="409203"/>
-        </a:xfrm>
-        <a:prstGeom prst="chevron">
-          <a:avLst/>
-        </a:prstGeom>
-        <a:solidFill>
-          <a:schemeClr val="accent2"/>
-        </a:solidFill>
-        <a:ln w="15875" cap="flat" cmpd="sng" algn="ctr">
-          <a:solidFill>
-            <a:schemeClr val="lt1">
-              <a:hueOff val="0"/>
-              <a:satOff val="0"/>
-              <a:lumOff val="0"/>
-              <a:alphaOff val="0"/>
-            </a:schemeClr>
-          </a:solidFill>
-          <a:prstDash val="solid"/>
-        </a:ln>
-        <a:effectLst/>
-      </dsp:spPr>
-      <dsp:style>
-        <a:lnRef idx="2">
-          <a:scrgbClr r="0" g="0" b="0"/>
-        </a:lnRef>
-        <a:fillRef idx="1">
-          <a:scrgbClr r="0" g="0" b="0"/>
-        </a:fillRef>
-        <a:effectRef idx="0">
-          <a:scrgbClr r="0" g="0" b="0"/>
-        </a:effectRef>
-        <a:fontRef idx="minor">
-          <a:schemeClr val="lt1"/>
-        </a:fontRef>
-      </dsp:style>
-      <dsp:txBody>
-        <a:bodyPr spcFirstLastPara="0" vert="horz" wrap="square" lIns="96012" tIns="32004" rIns="32004" bIns="32004" numCol="1" spcCol="1270" anchor="ctr" anchorCtr="0">
-          <a:noAutofit/>
-        </a:bodyPr>
-        <a:lstStyle/>
-        <a:p>
-          <a:pPr lvl="0" algn="ctr" defTabSz="1066800">
-            <a:lnSpc>
-              <a:spcPct val="90000"/>
-            </a:lnSpc>
-            <a:spcBef>
-              <a:spcPct val="0"/>
-            </a:spcBef>
-            <a:spcAft>
-              <a:spcPct val="35000"/>
-            </a:spcAft>
-          </a:pPr>
-          <a:r>
-            <a:rPr lang="de-DE" sz="2400" kern="1200" dirty="0" smtClean="0"/>
-            <a:t>Planung</a:t>
-          </a:r>
-          <a:endParaRPr lang="de-DE" sz="2400" kern="1200" dirty="0"/>
-        </a:p>
-      </dsp:txBody>
-      <dsp:txXfrm>
-        <a:off x="2826198" y="0"/>
-        <a:ext cx="2496689" cy="409203"/>
-      </dsp:txXfrm>
-    </dsp:sp>
-    <dsp:sp modelId="{F7AC5948-3111-4D84-B4CB-496EEE749521}">
-      <dsp:nvSpPr>
-        <dsp:cNvPr id="0" name=""/>
-        <dsp:cNvSpPr/>
-      </dsp:nvSpPr>
-      <dsp:spPr>
-        <a:xfrm>
-          <a:off x="5235597" y="0"/>
-          <a:ext cx="2905892" cy="409203"/>
-        </a:xfrm>
-        <a:prstGeom prst="chevron">
-          <a:avLst/>
-        </a:prstGeom>
-        <a:solidFill>
-          <a:schemeClr val="accent2"/>
-        </a:solidFill>
-        <a:ln w="15875" cap="flat" cmpd="sng" algn="ctr">
-          <a:solidFill>
-            <a:schemeClr val="lt1">
-              <a:hueOff val="0"/>
-              <a:satOff val="0"/>
-              <a:lumOff val="0"/>
-              <a:alphaOff val="0"/>
-            </a:schemeClr>
-          </a:solidFill>
-          <a:prstDash val="solid"/>
-        </a:ln>
-        <a:effectLst/>
-      </dsp:spPr>
-      <dsp:style>
-        <a:lnRef idx="2">
-          <a:scrgbClr r="0" g="0" b="0"/>
-        </a:lnRef>
-        <a:fillRef idx="1">
-          <a:scrgbClr r="0" g="0" b="0"/>
-        </a:fillRef>
-        <a:effectRef idx="0">
-          <a:scrgbClr r="0" g="0" b="0"/>
-        </a:effectRef>
-        <a:fontRef idx="minor">
-          <a:schemeClr val="lt1"/>
-        </a:fontRef>
-      </dsp:style>
-      <dsp:txBody>
-        <a:bodyPr spcFirstLastPara="0" vert="horz" wrap="square" lIns="96012" tIns="32004" rIns="32004" bIns="32004" numCol="1" spcCol="1270" anchor="ctr" anchorCtr="0">
-          <a:noAutofit/>
-        </a:bodyPr>
-        <a:lstStyle/>
-        <a:p>
-          <a:pPr lvl="0" algn="ctr" defTabSz="1066800">
-            <a:lnSpc>
-              <a:spcPct val="90000"/>
-            </a:lnSpc>
-            <a:spcBef>
-              <a:spcPct val="0"/>
-            </a:spcBef>
-            <a:spcAft>
-              <a:spcPct val="35000"/>
-            </a:spcAft>
-          </a:pPr>
-          <a:r>
-            <a:rPr lang="de-DE" sz="2400" kern="1200" dirty="0" smtClean="0"/>
-            <a:t>Durchführung</a:t>
-          </a:r>
-          <a:endParaRPr lang="de-DE" sz="2400" kern="1200" dirty="0"/>
-        </a:p>
-      </dsp:txBody>
-      <dsp:txXfrm>
-        <a:off x="5440199" y="0"/>
-        <a:ext cx="2496689" cy="409203"/>
-      </dsp:txXfrm>
-    </dsp:sp>
-    <dsp:sp modelId="{03A98877-0CC6-4CE1-BCE9-350807759886}">
-      <dsp:nvSpPr>
-        <dsp:cNvPr id="0" name=""/>
-        <dsp:cNvSpPr/>
-      </dsp:nvSpPr>
-      <dsp:spPr>
-        <a:xfrm>
-          <a:off x="7850900" y="0"/>
-          <a:ext cx="2905892" cy="409203"/>
-        </a:xfrm>
-        <a:prstGeom prst="chevron">
-          <a:avLst/>
-        </a:prstGeom>
-        <a:solidFill>
-          <a:schemeClr val="accent2"/>
-        </a:solidFill>
-        <a:ln w="15875" cap="flat" cmpd="sng" algn="ctr">
-          <a:solidFill>
-            <a:schemeClr val="lt1">
-              <a:hueOff val="0"/>
-              <a:satOff val="0"/>
-              <a:lumOff val="0"/>
-              <a:alphaOff val="0"/>
-            </a:schemeClr>
-          </a:solidFill>
-          <a:prstDash val="solid"/>
-        </a:ln>
-        <a:effectLst/>
-      </dsp:spPr>
-      <dsp:style>
-        <a:lnRef idx="2">
-          <a:scrgbClr r="0" g="0" b="0"/>
-        </a:lnRef>
-        <a:fillRef idx="1">
-          <a:scrgbClr r="0" g="0" b="0"/>
-        </a:fillRef>
-        <a:effectRef idx="0">
-          <a:scrgbClr r="0" g="0" b="0"/>
-        </a:effectRef>
-        <a:fontRef idx="minor">
-          <a:schemeClr val="lt1"/>
-        </a:fontRef>
-      </dsp:style>
-      <dsp:txBody>
-        <a:bodyPr spcFirstLastPara="0" vert="horz" wrap="square" lIns="96012" tIns="32004" rIns="32004" bIns="32004" numCol="1" spcCol="1270" anchor="ctr" anchorCtr="0">
-          <a:noAutofit/>
-        </a:bodyPr>
-        <a:lstStyle/>
-        <a:p>
-          <a:pPr lvl="0" algn="ctr" defTabSz="1066800">
-            <a:lnSpc>
-              <a:spcPct val="90000"/>
-            </a:lnSpc>
-            <a:spcBef>
-              <a:spcPct val="0"/>
-            </a:spcBef>
-            <a:spcAft>
-              <a:spcPct val="35000"/>
-            </a:spcAft>
-          </a:pPr>
-          <a:r>
-            <a:rPr lang="de-DE" sz="2400" kern="1200" dirty="0" smtClean="0"/>
-            <a:t>Abschluss</a:t>
-          </a:r>
-          <a:endParaRPr lang="de-DE" sz="2400" kern="1200" dirty="0"/>
-        </a:p>
-      </dsp:txBody>
-      <dsp:txXfrm>
-        <a:off x="8055502" y="0"/>
-        <a:ext cx="2496689" cy="409203"/>
-      </dsp:txXfrm>
-    </dsp:sp>
-  </dsp:spTree>
-</dsp:drawing>
-</file>
-
-<file path=ppt/diagrams/drawing9.xml><?xml version="1.0" encoding="utf-8"?>
 <dsp:drawing xmlns:dgm="http://schemas.openxmlformats.org/drawingml/2006/diagram" xmlns:dsp="http://schemas.microsoft.com/office/drawing/2008/diagram" xmlns:a="http://schemas.openxmlformats.org/drawingml/2006/main">
   <dsp:spTree>
     <dsp:nvGrpSpPr>
@@ -14457,289 +13208,6 @@
 </dgm:layoutDef>
 </file>
 
-<file path=ppt/diagrams/layout9.xml><?xml version="1.0" encoding="utf-8"?>
-<dgm:layoutDef xmlns:dgm="http://schemas.openxmlformats.org/drawingml/2006/diagram" xmlns:a="http://schemas.openxmlformats.org/drawingml/2006/main" uniqueId="urn:microsoft.com/office/officeart/2005/8/layout/chevron1">
-  <dgm:title val=""/>
-  <dgm:desc val=""/>
-  <dgm:catLst>
-    <dgm:cat type="process" pri="9000"/>
-  </dgm:catLst>
-  <dgm:sampData useDef="1">
-    <dgm:dataModel>
-      <dgm:ptLst/>
-      <dgm:bg/>
-      <dgm:whole/>
-    </dgm:dataModel>
-  </dgm:sampData>
-  <dgm:styleData>
-    <dgm:dataModel>
-      <dgm:ptLst>
-        <dgm:pt modelId="0" type="doc"/>
-        <dgm:pt modelId="1"/>
-        <dgm:pt modelId="2"/>
-      </dgm:ptLst>
-      <dgm:cxnLst>
-        <dgm:cxn modelId="3" srcId="0" destId="1" srcOrd="0" destOrd="0"/>
-        <dgm:cxn modelId="4" srcId="0" destId="2" srcOrd="1" destOrd="0"/>
-      </dgm:cxnLst>
-      <dgm:bg/>
-      <dgm:whole/>
-    </dgm:dataModel>
-  </dgm:styleData>
-  <dgm:clrData>
-    <dgm:dataModel>
-      <dgm:ptLst>
-        <dgm:pt modelId="0" type="doc"/>
-        <dgm:pt modelId="1"/>
-        <dgm:pt modelId="2"/>
-        <dgm:pt modelId="3"/>
-        <dgm:pt modelId="4"/>
-      </dgm:ptLst>
-      <dgm:cxnLst>
-        <dgm:cxn modelId="5" srcId="0" destId="1" srcOrd="0" destOrd="0"/>
-        <dgm:cxn modelId="6" srcId="0" destId="2" srcOrd="1" destOrd="0"/>
-        <dgm:cxn modelId="7" srcId="0" destId="3" srcOrd="2" destOrd="0"/>
-        <dgm:cxn modelId="8" srcId="0" destId="4" srcOrd="3" destOrd="0"/>
-      </dgm:cxnLst>
-      <dgm:bg/>
-      <dgm:whole/>
-    </dgm:dataModel>
-  </dgm:clrData>
-  <dgm:layoutNode name="Name0">
-    <dgm:varLst>
-      <dgm:dir/>
-      <dgm:animLvl val="lvl"/>
-      <dgm:resizeHandles val="exact"/>
-    </dgm:varLst>
-    <dgm:choose name="Name1">
-      <dgm:if name="Name2" func="var" arg="dir" op="equ" val="norm">
-        <dgm:alg type="lin"/>
-      </dgm:if>
-      <dgm:else name="Name3">
-        <dgm:alg type="lin">
-          <dgm:param type="linDir" val="fromR"/>
-        </dgm:alg>
-      </dgm:else>
-    </dgm:choose>
-    <dgm:shape xmlns:r="http://schemas.openxmlformats.org/officeDocument/2006/relationships" r:blip="">
-      <dgm:adjLst/>
-    </dgm:shape>
-    <dgm:presOf/>
-    <dgm:choose name="Name4">
-      <dgm:if name="Name5" axis="des" func="maxDepth" op="gte" val="2">
-        <dgm:constrLst>
-          <dgm:constr type="h" for="ch" forName="composite" refType="h"/>
-          <dgm:constr type="w" for="ch" forName="composite" refType="w"/>
-          <dgm:constr type="w" for="des" forName="parTx"/>
-          <dgm:constr type="h" for="des" forName="parTx" op="equ"/>
-          <dgm:constr type="w" for="des" forName="desTx"/>
-          <dgm:constr type="h" for="des" forName="desTx" op="equ"/>
-          <dgm:constr type="primFontSz" for="des" forName="parTx" val="65"/>
-          <dgm:constr type="secFontSz" for="des" forName="desTx" refType="primFontSz" refFor="des" refForName="parTx" op="equ"/>
-          <dgm:constr type="h" for="des" forName="parTx" refType="primFontSz" refFor="des" refForName="parTx" fact="1.5"/>
-          <dgm:constr type="h" for="des" forName="desTx" refType="primFontSz" refFor="des" refForName="parTx" fact="0.5"/>
-          <dgm:constr type="w" for="ch" forName="space" op="equ" val="-6"/>
-        </dgm:constrLst>
-        <dgm:ruleLst>
-          <dgm:rule type="w" for="ch" forName="composite" val="0" fact="NaN" max="NaN"/>
-          <dgm:rule type="primFontSz" for="des" forName="parTx" val="5" fact="NaN" max="NaN"/>
-        </dgm:ruleLst>
-        <dgm:forEach name="Name6" axis="ch" ptType="node">
-          <dgm:layoutNode name="composite">
-            <dgm:alg type="composite"/>
-            <dgm:shape xmlns:r="http://schemas.openxmlformats.org/officeDocument/2006/relationships" r:blip="">
-              <dgm:adjLst/>
-            </dgm:shape>
-            <dgm:presOf/>
-            <dgm:choose name="Name7">
-              <dgm:if name="Name8" func="var" arg="dir" op="equ" val="norm">
-                <dgm:constrLst>
-                  <dgm:constr type="l" for="ch" forName="parTx"/>
-                  <dgm:constr type="w" for="ch" forName="parTx" refType="w"/>
-                  <dgm:constr type="t" for="ch" forName="parTx"/>
-                  <dgm:constr type="l" for="ch" forName="desTx"/>
-                  <dgm:constr type="w" for="ch" forName="desTx" refType="w" refFor="ch" refForName="parTx" fact="0.8"/>
-                  <dgm:constr type="t" for="ch" forName="desTx" refType="h" refFor="ch" refForName="parTx" fact="1.125"/>
-                </dgm:constrLst>
-              </dgm:if>
-              <dgm:else name="Name9">
-                <dgm:constrLst>
-                  <dgm:constr type="l" for="ch" forName="parTx"/>
-                  <dgm:constr type="w" for="ch" forName="parTx" refType="w"/>
-                  <dgm:constr type="t" for="ch" forName="parTx"/>
-                  <dgm:constr type="l" for="ch" forName="desTx" refType="w" fact="0.2"/>
-                  <dgm:constr type="w" for="ch" forName="desTx" refType="w" refFor="ch" refForName="parTx" fact="0.8"/>
-                  <dgm:constr type="t" for="ch" forName="desTx" refType="h" refFor="ch" refForName="parTx" fact="1.125"/>
-                </dgm:constrLst>
-              </dgm:else>
-            </dgm:choose>
-            <dgm:ruleLst>
-              <dgm:rule type="h" val="INF" fact="NaN" max="NaN"/>
-            </dgm:ruleLst>
-            <dgm:layoutNode name="parTx">
-              <dgm:varLst>
-                <dgm:chMax val="0"/>
-                <dgm:chPref val="0"/>
-                <dgm:bulletEnabled val="1"/>
-              </dgm:varLst>
-              <dgm:alg type="tx"/>
-              <dgm:choose name="Name10">
-                <dgm:if name="Name11" func="var" arg="dir" op="equ" val="norm">
-                  <dgm:shape xmlns:r="http://schemas.openxmlformats.org/officeDocument/2006/relationships" type="chevron" r:blip="">
-                    <dgm:adjLst/>
-                  </dgm:shape>
-                </dgm:if>
-                <dgm:else name="Name12">
-                  <dgm:shape xmlns:r="http://schemas.openxmlformats.org/officeDocument/2006/relationships" rot="180" type="chevron" r:blip="">
-                    <dgm:adjLst/>
-                  </dgm:shape>
-                </dgm:else>
-              </dgm:choose>
-              <dgm:presOf axis="self" ptType="node"/>
-              <dgm:choose name="Name13">
-                <dgm:if name="Name14" func="var" arg="dir" op="equ" val="norm">
-                  <dgm:constrLst>
-                    <dgm:constr type="h" refType="w" op="lte" fact="0.4"/>
-                    <dgm:constr type="h"/>
-                    <dgm:constr type="tMarg" refType="primFontSz" fact="0.105"/>
-                    <dgm:constr type="bMarg" refType="primFontSz" fact="0.105"/>
-                    <dgm:constr type="lMarg" refType="primFontSz" fact="0.315"/>
-                    <dgm:constr type="rMarg" refType="primFontSz" fact="0.105"/>
-                  </dgm:constrLst>
-                </dgm:if>
-                <dgm:else name="Name15">
-                  <dgm:constrLst>
-                    <dgm:constr type="h" refType="w" op="lte" fact="0.4"/>
-                    <dgm:constr type="h"/>
-                    <dgm:constr type="tMarg" refType="primFontSz" fact="0.105"/>
-                    <dgm:constr type="bMarg" refType="primFontSz" fact="0.105"/>
-                    <dgm:constr type="lMarg" refType="primFontSz" fact="0.105"/>
-                    <dgm:constr type="rMarg" refType="primFontSz" fact="0.315"/>
-                  </dgm:constrLst>
-                </dgm:else>
-              </dgm:choose>
-              <dgm:ruleLst>
-                <dgm:rule type="h" val="INF" fact="NaN" max="NaN"/>
-              </dgm:ruleLst>
-            </dgm:layoutNode>
-            <dgm:layoutNode name="desTx" styleLbl="revTx">
-              <dgm:varLst>
-                <dgm:bulletEnabled val="1"/>
-              </dgm:varLst>
-              <dgm:alg type="tx">
-                <dgm:param type="stBulletLvl" val="1"/>
-              </dgm:alg>
-              <dgm:choose name="Name16">
-                <dgm:if name="Name17" axis="ch" ptType="node" func="cnt" op="gte" val="1">
-                  <dgm:shape xmlns:r="http://schemas.openxmlformats.org/officeDocument/2006/relationships" type="rect" r:blip="">
-                    <dgm:adjLst/>
-                  </dgm:shape>
-                </dgm:if>
-                <dgm:else name="Name18">
-                  <dgm:shape xmlns:r="http://schemas.openxmlformats.org/officeDocument/2006/relationships" type="rect" r:blip="" hideGeom="1">
-                    <dgm:adjLst/>
-                  </dgm:shape>
-                </dgm:else>
-              </dgm:choose>
-              <dgm:presOf axis="des" ptType="node"/>
-              <dgm:constrLst>
-                <dgm:constr type="secFontSz" val="65"/>
-                <dgm:constr type="primFontSz" refType="secFontSz"/>
-                <dgm:constr type="h"/>
-                <dgm:constr type="tMarg"/>
-                <dgm:constr type="bMarg"/>
-                <dgm:constr type="rMarg"/>
-                <dgm:constr type="lMarg"/>
-              </dgm:constrLst>
-              <dgm:ruleLst>
-                <dgm:rule type="h" val="INF" fact="NaN" max="NaN"/>
-              </dgm:ruleLst>
-            </dgm:layoutNode>
-          </dgm:layoutNode>
-          <dgm:forEach name="Name19" axis="followSib" ptType="sibTrans" cnt="1">
-            <dgm:layoutNode name="space">
-              <dgm:alg type="sp"/>
-              <dgm:shape xmlns:r="http://schemas.openxmlformats.org/officeDocument/2006/relationships" r:blip="">
-                <dgm:adjLst/>
-              </dgm:shape>
-              <dgm:presOf/>
-              <dgm:constrLst/>
-              <dgm:ruleLst/>
-            </dgm:layoutNode>
-          </dgm:forEach>
-        </dgm:forEach>
-      </dgm:if>
-      <dgm:else name="Name20">
-        <dgm:constrLst>
-          <dgm:constr type="w" for="ch" forName="parTxOnly" refType="w"/>
-          <dgm:constr type="h" for="des" forName="parTxOnly" op="equ"/>
-          <dgm:constr type="primFontSz" for="des" forName="parTxOnly" op="equ" val="65"/>
-          <dgm:constr type="w" for="ch" forName="parTxOnlySpace" refType="w" refFor="ch" refForName="parTxOnly" fact="-0.1"/>
-        </dgm:constrLst>
-        <dgm:ruleLst/>
-        <dgm:forEach name="Name21" axis="ch" ptType="node">
-          <dgm:layoutNode name="parTxOnly">
-            <dgm:varLst>
-              <dgm:chMax val="0"/>
-              <dgm:chPref val="0"/>
-              <dgm:bulletEnabled val="1"/>
-            </dgm:varLst>
-            <dgm:alg type="tx"/>
-            <dgm:choose name="Name22">
-              <dgm:if name="Name23" func="var" arg="dir" op="equ" val="norm">
-                <dgm:shape xmlns:r="http://schemas.openxmlformats.org/officeDocument/2006/relationships" type="chevron" r:blip="">
-                  <dgm:adjLst/>
-                </dgm:shape>
-              </dgm:if>
-              <dgm:else name="Name24">
-                <dgm:shape xmlns:r="http://schemas.openxmlformats.org/officeDocument/2006/relationships" rot="180" type="chevron" r:blip="">
-                  <dgm:adjLst/>
-                </dgm:shape>
-              </dgm:else>
-            </dgm:choose>
-            <dgm:presOf axis="self" ptType="node"/>
-            <dgm:choose name="Name25">
-              <dgm:if name="Name26" func="var" arg="dir" op="equ" val="norm">
-                <dgm:constrLst>
-                  <dgm:constr type="h" refType="w" op="equ" fact="0.4"/>
-                  <dgm:constr type="tMarg" refType="primFontSz" fact="0.105"/>
-                  <dgm:constr type="bMarg" refType="primFontSz" fact="0.105"/>
-                  <dgm:constr type="lMarg" refType="primFontSz" fact="0.315"/>
-                  <dgm:constr type="rMarg" refType="primFontSz" fact="0.105"/>
-                </dgm:constrLst>
-              </dgm:if>
-              <dgm:else name="Name27">
-                <dgm:constrLst>
-                  <dgm:constr type="h" refType="w" op="equ" fact="0.4"/>
-                  <dgm:constr type="tMarg" refType="primFontSz" fact="0.105"/>
-                  <dgm:constr type="bMarg" refType="primFontSz" fact="0.105"/>
-                  <dgm:constr type="lMarg" refType="primFontSz" fact="0.105"/>
-                  <dgm:constr type="rMarg" refType="primFontSz" fact="0.315"/>
-                </dgm:constrLst>
-              </dgm:else>
-            </dgm:choose>
-            <dgm:ruleLst>
-              <dgm:rule type="primFontSz" val="5" fact="NaN" max="NaN"/>
-            </dgm:ruleLst>
-          </dgm:layoutNode>
-          <dgm:forEach name="Name28" axis="followSib" ptType="sibTrans" cnt="1">
-            <dgm:layoutNode name="parTxOnlySpace">
-              <dgm:alg type="sp"/>
-              <dgm:shape xmlns:r="http://schemas.openxmlformats.org/officeDocument/2006/relationships" r:blip="">
-                <dgm:adjLst/>
-              </dgm:shape>
-              <dgm:presOf/>
-              <dgm:constrLst/>
-              <dgm:ruleLst/>
-            </dgm:layoutNode>
-          </dgm:forEach>
-        </dgm:forEach>
-      </dgm:else>
-    </dgm:choose>
-  </dgm:layoutNode>
-</dgm:layoutDef>
-</file>
-
 <file path=ppt/diagrams/quickStyle1.xml><?xml version="1.0" encoding="utf-8"?>
 <dgm:styleDef xmlns:dgm="http://schemas.openxmlformats.org/drawingml/2006/diagram" xmlns:a="http://schemas.openxmlformats.org/drawingml/2006/main" uniqueId="urn:microsoft.com/office/officeart/2005/8/quickstyle/simple1">
   <dgm:title val=""/>
@@ -21979,1040 +20447,6 @@
 </file>
 
 <file path=ppt/diagrams/quickStyle8.xml><?xml version="1.0" encoding="utf-8"?>
-<dgm:styleDef xmlns:dgm="http://schemas.openxmlformats.org/drawingml/2006/diagram" xmlns:a="http://schemas.openxmlformats.org/drawingml/2006/main" uniqueId="urn:microsoft.com/office/officeart/2005/8/quickstyle/simple1">
-  <dgm:title val=""/>
-  <dgm:desc val=""/>
-  <dgm:catLst>
-    <dgm:cat type="simple" pri="10100"/>
-  </dgm:catLst>
-  <dgm:scene3d>
-    <a:camera prst="orthographicFront"/>
-    <a:lightRig rig="threePt" dir="t"/>
-  </dgm:scene3d>
-  <dgm:styleLbl name="node0">
-    <dgm:scene3d>
-      <a:camera prst="orthographicFront"/>
-      <a:lightRig rig="threePt" dir="t"/>
-    </dgm:scene3d>
-    <dgm:sp3d/>
-    <dgm:txPr/>
-    <dgm:style>
-      <a:lnRef idx="2">
-        <a:scrgbClr r="0" g="0" b="0"/>
-      </a:lnRef>
-      <a:fillRef idx="1">
-        <a:scrgbClr r="0" g="0" b="0"/>
-      </a:fillRef>
-      <a:effectRef idx="0">
-        <a:scrgbClr r="0" g="0" b="0"/>
-      </a:effectRef>
-      <a:fontRef idx="minor">
-        <a:schemeClr val="lt1"/>
-      </a:fontRef>
-    </dgm:style>
-  </dgm:styleLbl>
-  <dgm:styleLbl name="lnNode1">
-    <dgm:scene3d>
-      <a:camera prst="orthographicFront"/>
-      <a:lightRig rig="threePt" dir="t"/>
-    </dgm:scene3d>
-    <dgm:sp3d/>
-    <dgm:txPr/>
-    <dgm:style>
-      <a:lnRef idx="2">
-        <a:scrgbClr r="0" g="0" b="0"/>
-      </a:lnRef>
-      <a:fillRef idx="1">
-        <a:scrgbClr r="0" g="0" b="0"/>
-      </a:fillRef>
-      <a:effectRef idx="0">
-        <a:scrgbClr r="0" g="0" b="0"/>
-      </a:effectRef>
-      <a:fontRef idx="minor">
-        <a:schemeClr val="lt1"/>
-      </a:fontRef>
-    </dgm:style>
-  </dgm:styleLbl>
-  <dgm:styleLbl name="vennNode1">
-    <dgm:scene3d>
-      <a:camera prst="orthographicFront"/>
-      <a:lightRig rig="threePt" dir="t"/>
-    </dgm:scene3d>
-    <dgm:sp3d/>
-    <dgm:txPr/>
-    <dgm:style>
-      <a:lnRef idx="2">
-        <a:scrgbClr r="0" g="0" b="0"/>
-      </a:lnRef>
-      <a:fillRef idx="1">
-        <a:scrgbClr r="0" g="0" b="0"/>
-      </a:fillRef>
-      <a:effectRef idx="0">
-        <a:scrgbClr r="0" g="0" b="0"/>
-      </a:effectRef>
-      <a:fontRef idx="minor">
-        <a:schemeClr val="tx1"/>
-      </a:fontRef>
-    </dgm:style>
-  </dgm:styleLbl>
-  <dgm:styleLbl name="alignNode1">
-    <dgm:scene3d>
-      <a:camera prst="orthographicFront"/>
-      <a:lightRig rig="threePt" dir="t"/>
-    </dgm:scene3d>
-    <dgm:sp3d/>
-    <dgm:txPr/>
-    <dgm:style>
-      <a:lnRef idx="2">
-        <a:scrgbClr r="0" g="0" b="0"/>
-      </a:lnRef>
-      <a:fillRef idx="1">
-        <a:scrgbClr r="0" g="0" b="0"/>
-      </a:fillRef>
-      <a:effectRef idx="0">
-        <a:scrgbClr r="0" g="0" b="0"/>
-      </a:effectRef>
-      <a:fontRef idx="minor">
-        <a:schemeClr val="lt1"/>
-      </a:fontRef>
-    </dgm:style>
-  </dgm:styleLbl>
-  <dgm:styleLbl name="node1">
-    <dgm:scene3d>
-      <a:camera prst="orthographicFront"/>
-      <a:lightRig rig="threePt" dir="t"/>
-    </dgm:scene3d>
-    <dgm:sp3d/>
-    <dgm:txPr/>
-    <dgm:style>
-      <a:lnRef idx="2">
-        <a:scrgbClr r="0" g="0" b="0"/>
-      </a:lnRef>
-      <a:fillRef idx="1">
-        <a:scrgbClr r="0" g="0" b="0"/>
-      </a:fillRef>
-      <a:effectRef idx="0">
-        <a:scrgbClr r="0" g="0" b="0"/>
-      </a:effectRef>
-      <a:fontRef idx="minor">
-        <a:schemeClr val="lt1"/>
-      </a:fontRef>
-    </dgm:style>
-  </dgm:styleLbl>
-  <dgm:styleLbl name="node2">
-    <dgm:scene3d>
-      <a:camera prst="orthographicFront"/>
-      <a:lightRig rig="threePt" dir="t"/>
-    </dgm:scene3d>
-    <dgm:sp3d/>
-    <dgm:txPr/>
-    <dgm:style>
-      <a:lnRef idx="2">
-        <a:scrgbClr r="0" g="0" b="0"/>
-      </a:lnRef>
-      <a:fillRef idx="1">
-        <a:scrgbClr r="0" g="0" b="0"/>
-      </a:fillRef>
-      <a:effectRef idx="0">
-        <a:scrgbClr r="0" g="0" b="0"/>
-      </a:effectRef>
-      <a:fontRef idx="minor">
-        <a:schemeClr val="lt1"/>
-      </a:fontRef>
-    </dgm:style>
-  </dgm:styleLbl>
-  <dgm:styleLbl name="node3">
-    <dgm:scene3d>
-      <a:camera prst="orthographicFront"/>
-      <a:lightRig rig="threePt" dir="t"/>
-    </dgm:scene3d>
-    <dgm:sp3d/>
-    <dgm:txPr/>
-    <dgm:style>
-      <a:lnRef idx="2">
-        <a:scrgbClr r="0" g="0" b="0"/>
-      </a:lnRef>
-      <a:fillRef idx="1">
-        <a:scrgbClr r="0" g="0" b="0"/>
-      </a:fillRef>
-      <a:effectRef idx="0">
-        <a:scrgbClr r="0" g="0" b="0"/>
-      </a:effectRef>
-      <a:fontRef idx="minor">
-        <a:schemeClr val="lt1"/>
-      </a:fontRef>
-    </dgm:style>
-  </dgm:styleLbl>
-  <dgm:styleLbl name="node4">
-    <dgm:scene3d>
-      <a:camera prst="orthographicFront"/>
-      <a:lightRig rig="threePt" dir="t"/>
-    </dgm:scene3d>
-    <dgm:sp3d/>
-    <dgm:txPr/>
-    <dgm:style>
-      <a:lnRef idx="2">
-        <a:scrgbClr r="0" g="0" b="0"/>
-      </a:lnRef>
-      <a:fillRef idx="1">
-        <a:scrgbClr r="0" g="0" b="0"/>
-      </a:fillRef>
-      <a:effectRef idx="0">
-        <a:scrgbClr r="0" g="0" b="0"/>
-      </a:effectRef>
-      <a:fontRef idx="minor">
-        <a:schemeClr val="lt1"/>
-      </a:fontRef>
-    </dgm:style>
-  </dgm:styleLbl>
-  <dgm:styleLbl name="fgImgPlace1">
-    <dgm:scene3d>
-      <a:camera prst="orthographicFront"/>
-      <a:lightRig rig="threePt" dir="t"/>
-    </dgm:scene3d>
-    <dgm:sp3d/>
-    <dgm:txPr/>
-    <dgm:style>
-      <a:lnRef idx="2">
-        <a:scrgbClr r="0" g="0" b="0"/>
-      </a:lnRef>
-      <a:fillRef idx="1">
-        <a:scrgbClr r="0" g="0" b="0"/>
-      </a:fillRef>
-      <a:effectRef idx="0">
-        <a:scrgbClr r="0" g="0" b="0"/>
-      </a:effectRef>
-      <a:fontRef idx="minor"/>
-    </dgm:style>
-  </dgm:styleLbl>
-  <dgm:styleLbl name="alignImgPlace1">
-    <dgm:scene3d>
-      <a:camera prst="orthographicFront"/>
-      <a:lightRig rig="threePt" dir="t"/>
-    </dgm:scene3d>
-    <dgm:sp3d/>
-    <dgm:txPr/>
-    <dgm:style>
-      <a:lnRef idx="2">
-        <a:scrgbClr r="0" g="0" b="0"/>
-      </a:lnRef>
-      <a:fillRef idx="1">
-        <a:scrgbClr r="0" g="0" b="0"/>
-      </a:fillRef>
-      <a:effectRef idx="0">
-        <a:scrgbClr r="0" g="0" b="0"/>
-      </a:effectRef>
-      <a:fontRef idx="minor"/>
-    </dgm:style>
-  </dgm:styleLbl>
-  <dgm:styleLbl name="bgImgPlace1">
-    <dgm:scene3d>
-      <a:camera prst="orthographicFront"/>
-      <a:lightRig rig="threePt" dir="t"/>
-    </dgm:scene3d>
-    <dgm:sp3d/>
-    <dgm:txPr/>
-    <dgm:style>
-      <a:lnRef idx="2">
-        <a:scrgbClr r="0" g="0" b="0"/>
-      </a:lnRef>
-      <a:fillRef idx="1">
-        <a:scrgbClr r="0" g="0" b="0"/>
-      </a:fillRef>
-      <a:effectRef idx="0">
-        <a:scrgbClr r="0" g="0" b="0"/>
-      </a:effectRef>
-      <a:fontRef idx="minor"/>
-    </dgm:style>
-  </dgm:styleLbl>
-  <dgm:styleLbl name="sibTrans2D1">
-    <dgm:scene3d>
-      <a:camera prst="orthographicFront"/>
-      <a:lightRig rig="threePt" dir="t"/>
-    </dgm:scene3d>
-    <dgm:sp3d/>
-    <dgm:txPr/>
-    <dgm:style>
-      <a:lnRef idx="0">
-        <a:scrgbClr r="0" g="0" b="0"/>
-      </a:lnRef>
-      <a:fillRef idx="1">
-        <a:scrgbClr r="0" g="0" b="0"/>
-      </a:fillRef>
-      <a:effectRef idx="0">
-        <a:scrgbClr r="0" g="0" b="0"/>
-      </a:effectRef>
-      <a:fontRef idx="minor">
-        <a:schemeClr val="lt1"/>
-      </a:fontRef>
-    </dgm:style>
-  </dgm:styleLbl>
-  <dgm:styleLbl name="fgSibTrans2D1">
-    <dgm:scene3d>
-      <a:camera prst="orthographicFront"/>
-      <a:lightRig rig="threePt" dir="t"/>
-    </dgm:scene3d>
-    <dgm:sp3d/>
-    <dgm:txPr/>
-    <dgm:style>
-      <a:lnRef idx="0">
-        <a:scrgbClr r="0" g="0" b="0"/>
-      </a:lnRef>
-      <a:fillRef idx="1">
-        <a:scrgbClr r="0" g="0" b="0"/>
-      </a:fillRef>
-      <a:effectRef idx="0">
-        <a:scrgbClr r="0" g="0" b="0"/>
-      </a:effectRef>
-      <a:fontRef idx="minor">
-        <a:schemeClr val="lt1"/>
-      </a:fontRef>
-    </dgm:style>
-  </dgm:styleLbl>
-  <dgm:styleLbl name="bgSibTrans2D1">
-    <dgm:scene3d>
-      <a:camera prst="orthographicFront"/>
-      <a:lightRig rig="threePt" dir="t"/>
-    </dgm:scene3d>
-    <dgm:sp3d/>
-    <dgm:txPr/>
-    <dgm:style>
-      <a:lnRef idx="0">
-        <a:scrgbClr r="0" g="0" b="0"/>
-      </a:lnRef>
-      <a:fillRef idx="1">
-        <a:scrgbClr r="0" g="0" b="0"/>
-      </a:fillRef>
-      <a:effectRef idx="0">
-        <a:scrgbClr r="0" g="0" b="0"/>
-      </a:effectRef>
-      <a:fontRef idx="minor">
-        <a:schemeClr val="lt1"/>
-      </a:fontRef>
-    </dgm:style>
-  </dgm:styleLbl>
-  <dgm:styleLbl name="sibTrans1D1">
-    <dgm:scene3d>
-      <a:camera prst="orthographicFront"/>
-      <a:lightRig rig="threePt" dir="t"/>
-    </dgm:scene3d>
-    <dgm:sp3d/>
-    <dgm:txPr/>
-    <dgm:style>
-      <a:lnRef idx="1">
-        <a:scrgbClr r="0" g="0" b="0"/>
-      </a:lnRef>
-      <a:fillRef idx="0">
-        <a:scrgbClr r="0" g="0" b="0"/>
-      </a:fillRef>
-      <a:effectRef idx="0">
-        <a:scrgbClr r="0" g="0" b="0"/>
-      </a:effectRef>
-      <a:fontRef idx="minor"/>
-    </dgm:style>
-  </dgm:styleLbl>
-  <dgm:styleLbl name="callout">
-    <dgm:scene3d>
-      <a:camera prst="orthographicFront"/>
-      <a:lightRig rig="threePt" dir="t"/>
-    </dgm:scene3d>
-    <dgm:sp3d/>
-    <dgm:txPr/>
-    <dgm:style>
-      <a:lnRef idx="2">
-        <a:scrgbClr r="0" g="0" b="0"/>
-      </a:lnRef>
-      <a:fillRef idx="1">
-        <a:scrgbClr r="0" g="0" b="0"/>
-      </a:fillRef>
-      <a:effectRef idx="0">
-        <a:scrgbClr r="0" g="0" b="0"/>
-      </a:effectRef>
-      <a:fontRef idx="minor"/>
-    </dgm:style>
-  </dgm:styleLbl>
-  <dgm:styleLbl name="asst0">
-    <dgm:scene3d>
-      <a:camera prst="orthographicFront"/>
-      <a:lightRig rig="threePt" dir="t"/>
-    </dgm:scene3d>
-    <dgm:sp3d/>
-    <dgm:txPr/>
-    <dgm:style>
-      <a:lnRef idx="2">
-        <a:scrgbClr r="0" g="0" b="0"/>
-      </a:lnRef>
-      <a:fillRef idx="1">
-        <a:scrgbClr r="0" g="0" b="0"/>
-      </a:fillRef>
-      <a:effectRef idx="0">
-        <a:scrgbClr r="0" g="0" b="0"/>
-      </a:effectRef>
-      <a:fontRef idx="minor">
-        <a:schemeClr val="lt1"/>
-      </a:fontRef>
-    </dgm:style>
-  </dgm:styleLbl>
-  <dgm:styleLbl name="asst1">
-    <dgm:scene3d>
-      <a:camera prst="orthographicFront"/>
-      <a:lightRig rig="threePt" dir="t"/>
-    </dgm:scene3d>
-    <dgm:sp3d/>
-    <dgm:txPr/>
-    <dgm:style>
-      <a:lnRef idx="2">
-        <a:scrgbClr r="0" g="0" b="0"/>
-      </a:lnRef>
-      <a:fillRef idx="1">
-        <a:scrgbClr r="0" g="0" b="0"/>
-      </a:fillRef>
-      <a:effectRef idx="0">
-        <a:scrgbClr r="0" g="0" b="0"/>
-      </a:effectRef>
-      <a:fontRef idx="minor">
-        <a:schemeClr val="lt1"/>
-      </a:fontRef>
-    </dgm:style>
-  </dgm:styleLbl>
-  <dgm:styleLbl name="asst2">
-    <dgm:scene3d>
-      <a:camera prst="orthographicFront"/>
-      <a:lightRig rig="threePt" dir="t"/>
-    </dgm:scene3d>
-    <dgm:sp3d/>
-    <dgm:txPr/>
-    <dgm:style>
-      <a:lnRef idx="2">
-        <a:scrgbClr r="0" g="0" b="0"/>
-      </a:lnRef>
-      <a:fillRef idx="1">
-        <a:scrgbClr r="0" g="0" b="0"/>
-      </a:fillRef>
-      <a:effectRef idx="0">
-        <a:scrgbClr r="0" g="0" b="0"/>
-      </a:effectRef>
-      <a:fontRef idx="minor">
-        <a:schemeClr val="lt1"/>
-      </a:fontRef>
-    </dgm:style>
-  </dgm:styleLbl>
-  <dgm:styleLbl name="asst3">
-    <dgm:scene3d>
-      <a:camera prst="orthographicFront"/>
-      <a:lightRig rig="threePt" dir="t"/>
-    </dgm:scene3d>
-    <dgm:sp3d/>
-    <dgm:txPr/>
-    <dgm:style>
-      <a:lnRef idx="2">
-        <a:scrgbClr r="0" g="0" b="0"/>
-      </a:lnRef>
-      <a:fillRef idx="1">
-        <a:scrgbClr r="0" g="0" b="0"/>
-      </a:fillRef>
-      <a:effectRef idx="0">
-        <a:scrgbClr r="0" g="0" b="0"/>
-      </a:effectRef>
-      <a:fontRef idx="minor">
-        <a:schemeClr val="lt1"/>
-      </a:fontRef>
-    </dgm:style>
-  </dgm:styleLbl>
-  <dgm:styleLbl name="asst4">
-    <dgm:scene3d>
-      <a:camera prst="orthographicFront"/>
-      <a:lightRig rig="threePt" dir="t"/>
-    </dgm:scene3d>
-    <dgm:sp3d/>
-    <dgm:txPr/>
-    <dgm:style>
-      <a:lnRef idx="2">
-        <a:scrgbClr r="0" g="0" b="0"/>
-      </a:lnRef>
-      <a:fillRef idx="1">
-        <a:scrgbClr r="0" g="0" b="0"/>
-      </a:fillRef>
-      <a:effectRef idx="0">
-        <a:scrgbClr r="0" g="0" b="0"/>
-      </a:effectRef>
-      <a:fontRef idx="minor">
-        <a:schemeClr val="lt1"/>
-      </a:fontRef>
-    </dgm:style>
-  </dgm:styleLbl>
-  <dgm:styleLbl name="parChTrans2D1">
-    <dgm:scene3d>
-      <a:camera prst="orthographicFront"/>
-      <a:lightRig rig="threePt" dir="t"/>
-    </dgm:scene3d>
-    <dgm:sp3d/>
-    <dgm:txPr/>
-    <dgm:style>
-      <a:lnRef idx="2">
-        <a:scrgbClr r="0" g="0" b="0"/>
-      </a:lnRef>
-      <a:fillRef idx="1">
-        <a:scrgbClr r="0" g="0" b="0"/>
-      </a:fillRef>
-      <a:effectRef idx="0">
-        <a:scrgbClr r="0" g="0" b="0"/>
-      </a:effectRef>
-      <a:fontRef idx="minor">
-        <a:schemeClr val="lt1"/>
-      </a:fontRef>
-    </dgm:style>
-  </dgm:styleLbl>
-  <dgm:styleLbl name="parChTrans2D2">
-    <dgm:scene3d>
-      <a:camera prst="orthographicFront"/>
-      <a:lightRig rig="threePt" dir="t"/>
-    </dgm:scene3d>
-    <dgm:sp3d/>
-    <dgm:txPr/>
-    <dgm:style>
-      <a:lnRef idx="2">
-        <a:scrgbClr r="0" g="0" b="0"/>
-      </a:lnRef>
-      <a:fillRef idx="1">
-        <a:scrgbClr r="0" g="0" b="0"/>
-      </a:fillRef>
-      <a:effectRef idx="0">
-        <a:scrgbClr r="0" g="0" b="0"/>
-      </a:effectRef>
-      <a:fontRef idx="minor">
-        <a:schemeClr val="lt1"/>
-      </a:fontRef>
-    </dgm:style>
-  </dgm:styleLbl>
-  <dgm:styleLbl name="parChTrans2D3">
-    <dgm:scene3d>
-      <a:camera prst="orthographicFront"/>
-      <a:lightRig rig="threePt" dir="t"/>
-    </dgm:scene3d>
-    <dgm:sp3d/>
-    <dgm:txPr/>
-    <dgm:style>
-      <a:lnRef idx="2">
-        <a:scrgbClr r="0" g="0" b="0"/>
-      </a:lnRef>
-      <a:fillRef idx="1">
-        <a:scrgbClr r="0" g="0" b="0"/>
-      </a:fillRef>
-      <a:effectRef idx="0">
-        <a:scrgbClr r="0" g="0" b="0"/>
-      </a:effectRef>
-      <a:fontRef idx="minor">
-        <a:schemeClr val="lt1"/>
-      </a:fontRef>
-    </dgm:style>
-  </dgm:styleLbl>
-  <dgm:styleLbl name="parChTrans2D4">
-    <dgm:scene3d>
-      <a:camera prst="orthographicFront"/>
-      <a:lightRig rig="threePt" dir="t"/>
-    </dgm:scene3d>
-    <dgm:sp3d/>
-    <dgm:txPr/>
-    <dgm:style>
-      <a:lnRef idx="2">
-        <a:scrgbClr r="0" g="0" b="0"/>
-      </a:lnRef>
-      <a:fillRef idx="1">
-        <a:scrgbClr r="0" g="0" b="0"/>
-      </a:fillRef>
-      <a:effectRef idx="0">
-        <a:scrgbClr r="0" g="0" b="0"/>
-      </a:effectRef>
-      <a:fontRef idx="minor">
-        <a:schemeClr val="lt1"/>
-      </a:fontRef>
-    </dgm:style>
-  </dgm:styleLbl>
-  <dgm:styleLbl name="parChTrans1D1">
-    <dgm:scene3d>
-      <a:camera prst="orthographicFront"/>
-      <a:lightRig rig="threePt" dir="t"/>
-    </dgm:scene3d>
-    <dgm:sp3d/>
-    <dgm:txPr/>
-    <dgm:style>
-      <a:lnRef idx="2">
-        <a:scrgbClr r="0" g="0" b="0"/>
-      </a:lnRef>
-      <a:fillRef idx="0">
-        <a:scrgbClr r="0" g="0" b="0"/>
-      </a:fillRef>
-      <a:effectRef idx="0">
-        <a:scrgbClr r="0" g="0" b="0"/>
-      </a:effectRef>
-      <a:fontRef idx="minor"/>
-    </dgm:style>
-  </dgm:styleLbl>
-  <dgm:styleLbl name="parChTrans1D2">
-    <dgm:scene3d>
-      <a:camera prst="orthographicFront"/>
-      <a:lightRig rig="threePt" dir="t"/>
-    </dgm:scene3d>
-    <dgm:sp3d/>
-    <dgm:txPr/>
-    <dgm:style>
-      <a:lnRef idx="2">
-        <a:scrgbClr r="0" g="0" b="0"/>
-      </a:lnRef>
-      <a:fillRef idx="0">
-        <a:scrgbClr r="0" g="0" b="0"/>
-      </a:fillRef>
-      <a:effectRef idx="0">
-        <a:scrgbClr r="0" g="0" b="0"/>
-      </a:effectRef>
-      <a:fontRef idx="minor"/>
-    </dgm:style>
-  </dgm:styleLbl>
-  <dgm:styleLbl name="parChTrans1D3">
-    <dgm:scene3d>
-      <a:camera prst="orthographicFront"/>
-      <a:lightRig rig="threePt" dir="t"/>
-    </dgm:scene3d>
-    <dgm:sp3d/>
-    <dgm:txPr/>
-    <dgm:style>
-      <a:lnRef idx="2">
-        <a:scrgbClr r="0" g="0" b="0"/>
-      </a:lnRef>
-      <a:fillRef idx="0">
-        <a:scrgbClr r="0" g="0" b="0"/>
-      </a:fillRef>
-      <a:effectRef idx="0">
-        <a:scrgbClr r="0" g="0" b="0"/>
-      </a:effectRef>
-      <a:fontRef idx="minor"/>
-    </dgm:style>
-  </dgm:styleLbl>
-  <dgm:styleLbl name="parChTrans1D4">
-    <dgm:scene3d>
-      <a:camera prst="orthographicFront"/>
-      <a:lightRig rig="threePt" dir="t"/>
-    </dgm:scene3d>
-    <dgm:sp3d/>
-    <dgm:txPr/>
-    <dgm:style>
-      <a:lnRef idx="2">
-        <a:scrgbClr r="0" g="0" b="0"/>
-      </a:lnRef>
-      <a:fillRef idx="0">
-        <a:scrgbClr r="0" g="0" b="0"/>
-      </a:fillRef>
-      <a:effectRef idx="0">
-        <a:scrgbClr r="0" g="0" b="0"/>
-      </a:effectRef>
-      <a:fontRef idx="minor"/>
-    </dgm:style>
-  </dgm:styleLbl>
-  <dgm:styleLbl name="fgAcc1">
-    <dgm:scene3d>
-      <a:camera prst="orthographicFront"/>
-      <a:lightRig rig="threePt" dir="t"/>
-    </dgm:scene3d>
-    <dgm:sp3d/>
-    <dgm:txPr/>
-    <dgm:style>
-      <a:lnRef idx="2">
-        <a:scrgbClr r="0" g="0" b="0"/>
-      </a:lnRef>
-      <a:fillRef idx="1">
-        <a:scrgbClr r="0" g="0" b="0"/>
-      </a:fillRef>
-      <a:effectRef idx="0">
-        <a:scrgbClr r="0" g="0" b="0"/>
-      </a:effectRef>
-      <a:fontRef idx="minor"/>
-    </dgm:style>
-  </dgm:styleLbl>
-  <dgm:styleLbl name="conFgAcc1">
-    <dgm:scene3d>
-      <a:camera prst="orthographicFront"/>
-      <a:lightRig rig="threePt" dir="t"/>
-    </dgm:scene3d>
-    <dgm:sp3d/>
-    <dgm:txPr/>
-    <dgm:style>
-      <a:lnRef idx="2">
-        <a:scrgbClr r="0" g="0" b="0"/>
-      </a:lnRef>
-      <a:fillRef idx="1">
-        <a:scrgbClr r="0" g="0" b="0"/>
-      </a:fillRef>
-      <a:effectRef idx="0">
-        <a:scrgbClr r="0" g="0" b="0"/>
-      </a:effectRef>
-      <a:fontRef idx="minor"/>
-    </dgm:style>
-  </dgm:styleLbl>
-  <dgm:styleLbl name="alignAcc1">
-    <dgm:scene3d>
-      <a:camera prst="orthographicFront"/>
-      <a:lightRig rig="threePt" dir="t"/>
-    </dgm:scene3d>
-    <dgm:sp3d/>
-    <dgm:txPr/>
-    <dgm:style>
-      <a:lnRef idx="2">
-        <a:scrgbClr r="0" g="0" b="0"/>
-      </a:lnRef>
-      <a:fillRef idx="1">
-        <a:scrgbClr r="0" g="0" b="0"/>
-      </a:fillRef>
-      <a:effectRef idx="0">
-        <a:scrgbClr r="0" g="0" b="0"/>
-      </a:effectRef>
-      <a:fontRef idx="minor"/>
-    </dgm:style>
-  </dgm:styleLbl>
-  <dgm:styleLbl name="trAlignAcc1">
-    <dgm:scene3d>
-      <a:camera prst="orthographicFront"/>
-      <a:lightRig rig="threePt" dir="t"/>
-    </dgm:scene3d>
-    <dgm:sp3d/>
-    <dgm:txPr/>
-    <dgm:style>
-      <a:lnRef idx="1">
-        <a:scrgbClr r="0" g="0" b="0"/>
-      </a:lnRef>
-      <a:fillRef idx="1">
-        <a:scrgbClr r="0" g="0" b="0"/>
-      </a:fillRef>
-      <a:effectRef idx="0">
-        <a:scrgbClr r="0" g="0" b="0"/>
-      </a:effectRef>
-      <a:fontRef idx="minor"/>
-    </dgm:style>
-  </dgm:styleLbl>
-  <dgm:styleLbl name="bgAcc1">
-    <dgm:scene3d>
-      <a:camera prst="orthographicFront"/>
-      <a:lightRig rig="threePt" dir="t"/>
-    </dgm:scene3d>
-    <dgm:sp3d/>
-    <dgm:txPr/>
-    <dgm:style>
-      <a:lnRef idx="2">
-        <a:scrgbClr r="0" g="0" b="0"/>
-      </a:lnRef>
-      <a:fillRef idx="1">
-        <a:scrgbClr r="0" g="0" b="0"/>
-      </a:fillRef>
-      <a:effectRef idx="0">
-        <a:scrgbClr r="0" g="0" b="0"/>
-      </a:effectRef>
-      <a:fontRef idx="minor"/>
-    </dgm:style>
-  </dgm:styleLbl>
-  <dgm:styleLbl name="solidFgAcc1">
-    <dgm:scene3d>
-      <a:camera prst="orthographicFront"/>
-      <a:lightRig rig="threePt" dir="t"/>
-    </dgm:scene3d>
-    <dgm:sp3d/>
-    <dgm:txPr/>
-    <dgm:style>
-      <a:lnRef idx="2">
-        <a:scrgbClr r="0" g="0" b="0"/>
-      </a:lnRef>
-      <a:fillRef idx="1">
-        <a:scrgbClr r="0" g="0" b="0"/>
-      </a:fillRef>
-      <a:effectRef idx="0">
-        <a:scrgbClr r="0" g="0" b="0"/>
-      </a:effectRef>
-      <a:fontRef idx="minor"/>
-    </dgm:style>
-  </dgm:styleLbl>
-  <dgm:styleLbl name="solidAlignAcc1">
-    <dgm:scene3d>
-      <a:camera prst="orthographicFront"/>
-      <a:lightRig rig="threePt" dir="t"/>
-    </dgm:scene3d>
-    <dgm:sp3d/>
-    <dgm:txPr/>
-    <dgm:style>
-      <a:lnRef idx="2">
-        <a:scrgbClr r="0" g="0" b="0"/>
-      </a:lnRef>
-      <a:fillRef idx="1">
-        <a:scrgbClr r="0" g="0" b="0"/>
-      </a:fillRef>
-      <a:effectRef idx="0">
-        <a:scrgbClr r="0" g="0" b="0"/>
-      </a:effectRef>
-      <a:fontRef idx="minor"/>
-    </dgm:style>
-  </dgm:styleLbl>
-  <dgm:styleLbl name="solidBgAcc1">
-    <dgm:scene3d>
-      <a:camera prst="orthographicFront"/>
-      <a:lightRig rig="threePt" dir="t"/>
-    </dgm:scene3d>
-    <dgm:sp3d/>
-    <dgm:txPr/>
-    <dgm:style>
-      <a:lnRef idx="2">
-        <a:scrgbClr r="0" g="0" b="0"/>
-      </a:lnRef>
-      <a:fillRef idx="1">
-        <a:scrgbClr r="0" g="0" b="0"/>
-      </a:fillRef>
-      <a:effectRef idx="0">
-        <a:scrgbClr r="0" g="0" b="0"/>
-      </a:effectRef>
-      <a:fontRef idx="minor"/>
-    </dgm:style>
-  </dgm:styleLbl>
-  <dgm:styleLbl name="fgAccFollowNode1">
-    <dgm:scene3d>
-      <a:camera prst="orthographicFront"/>
-      <a:lightRig rig="threePt" dir="t"/>
-    </dgm:scene3d>
-    <dgm:sp3d/>
-    <dgm:txPr/>
-    <dgm:style>
-      <a:lnRef idx="2">
-        <a:scrgbClr r="0" g="0" b="0"/>
-      </a:lnRef>
-      <a:fillRef idx="1">
-        <a:scrgbClr r="0" g="0" b="0"/>
-      </a:fillRef>
-      <a:effectRef idx="0">
-        <a:scrgbClr r="0" g="0" b="0"/>
-      </a:effectRef>
-      <a:fontRef idx="minor"/>
-    </dgm:style>
-  </dgm:styleLbl>
-  <dgm:styleLbl name="alignAccFollowNode1">
-    <dgm:scene3d>
-      <a:camera prst="orthographicFront"/>
-      <a:lightRig rig="threePt" dir="t"/>
-    </dgm:scene3d>
-    <dgm:sp3d/>
-    <dgm:txPr/>
-    <dgm:style>
-      <a:lnRef idx="2">
-        <a:scrgbClr r="0" g="0" b="0"/>
-      </a:lnRef>
-      <a:fillRef idx="1">
-        <a:scrgbClr r="0" g="0" b="0"/>
-      </a:fillRef>
-      <a:effectRef idx="0">
-        <a:scrgbClr r="0" g="0" b="0"/>
-      </a:effectRef>
-      <a:fontRef idx="minor"/>
-    </dgm:style>
-  </dgm:styleLbl>
-  <dgm:styleLbl name="bgAccFollowNode1">
-    <dgm:scene3d>
-      <a:camera prst="orthographicFront"/>
-      <a:lightRig rig="threePt" dir="t"/>
-    </dgm:scene3d>
-    <dgm:sp3d/>
-    <dgm:txPr/>
-    <dgm:style>
-      <a:lnRef idx="2">
-        <a:scrgbClr r="0" g="0" b="0"/>
-      </a:lnRef>
-      <a:fillRef idx="1">
-        <a:scrgbClr r="0" g="0" b="0"/>
-      </a:fillRef>
-      <a:effectRef idx="0">
-        <a:scrgbClr r="0" g="0" b="0"/>
-      </a:effectRef>
-      <a:fontRef idx="minor"/>
-    </dgm:style>
-  </dgm:styleLbl>
-  <dgm:styleLbl name="fgAcc0">
-    <dgm:scene3d>
-      <a:camera prst="orthographicFront"/>
-      <a:lightRig rig="threePt" dir="t"/>
-    </dgm:scene3d>
-    <dgm:sp3d/>
-    <dgm:txPr/>
-    <dgm:style>
-      <a:lnRef idx="2">
-        <a:scrgbClr r="0" g="0" b="0"/>
-      </a:lnRef>
-      <a:fillRef idx="1">
-        <a:scrgbClr r="0" g="0" b="0"/>
-      </a:fillRef>
-      <a:effectRef idx="0">
-        <a:scrgbClr r="0" g="0" b="0"/>
-      </a:effectRef>
-      <a:fontRef idx="minor"/>
-    </dgm:style>
-  </dgm:styleLbl>
-  <dgm:styleLbl name="fgAcc2">
-    <dgm:scene3d>
-      <a:camera prst="orthographicFront"/>
-      <a:lightRig rig="threePt" dir="t"/>
-    </dgm:scene3d>
-    <dgm:sp3d/>
-    <dgm:txPr/>
-    <dgm:style>
-      <a:lnRef idx="2">
-        <a:scrgbClr r="0" g="0" b="0"/>
-      </a:lnRef>
-      <a:fillRef idx="1">
-        <a:scrgbClr r="0" g="0" b="0"/>
-      </a:fillRef>
-      <a:effectRef idx="0">
-        <a:scrgbClr r="0" g="0" b="0"/>
-      </a:effectRef>
-      <a:fontRef idx="minor"/>
-    </dgm:style>
-  </dgm:styleLbl>
-  <dgm:styleLbl name="fgAcc3">
-    <dgm:scene3d>
-      <a:camera prst="orthographicFront"/>
-      <a:lightRig rig="threePt" dir="t"/>
-    </dgm:scene3d>
-    <dgm:sp3d/>
-    <dgm:txPr/>
-    <dgm:style>
-      <a:lnRef idx="2">
-        <a:scrgbClr r="0" g="0" b="0"/>
-      </a:lnRef>
-      <a:fillRef idx="1">
-        <a:scrgbClr r="0" g="0" b="0"/>
-      </a:fillRef>
-      <a:effectRef idx="0">
-        <a:scrgbClr r="0" g="0" b="0"/>
-      </a:effectRef>
-      <a:fontRef idx="minor"/>
-    </dgm:style>
-  </dgm:styleLbl>
-  <dgm:styleLbl name="fgAcc4">
-    <dgm:scene3d>
-      <a:camera prst="orthographicFront"/>
-      <a:lightRig rig="threePt" dir="t"/>
-    </dgm:scene3d>
-    <dgm:sp3d/>
-    <dgm:txPr/>
-    <dgm:style>
-      <a:lnRef idx="2">
-        <a:scrgbClr r="0" g="0" b="0"/>
-      </a:lnRef>
-      <a:fillRef idx="1">
-        <a:scrgbClr r="0" g="0" b="0"/>
-      </a:fillRef>
-      <a:effectRef idx="0">
-        <a:scrgbClr r="0" g="0" b="0"/>
-      </a:effectRef>
-      <a:fontRef idx="minor"/>
-    </dgm:style>
-  </dgm:styleLbl>
-  <dgm:styleLbl name="bgShp">
-    <dgm:scene3d>
-      <a:camera prst="orthographicFront"/>
-      <a:lightRig rig="threePt" dir="t"/>
-    </dgm:scene3d>
-    <dgm:sp3d/>
-    <dgm:txPr/>
-    <dgm:style>
-      <a:lnRef idx="0">
-        <a:scrgbClr r="0" g="0" b="0"/>
-      </a:lnRef>
-      <a:fillRef idx="1">
-        <a:scrgbClr r="0" g="0" b="0"/>
-      </a:fillRef>
-      <a:effectRef idx="0">
-        <a:scrgbClr r="0" g="0" b="0"/>
-      </a:effectRef>
-      <a:fontRef idx="minor"/>
-    </dgm:style>
-  </dgm:styleLbl>
-  <dgm:styleLbl name="dkBgShp">
-    <dgm:scene3d>
-      <a:camera prst="orthographicFront"/>
-      <a:lightRig rig="threePt" dir="t"/>
-    </dgm:scene3d>
-    <dgm:sp3d/>
-    <dgm:txPr/>
-    <dgm:style>
-      <a:lnRef idx="0">
-        <a:scrgbClr r="0" g="0" b="0"/>
-      </a:lnRef>
-      <a:fillRef idx="1">
-        <a:scrgbClr r="0" g="0" b="0"/>
-      </a:fillRef>
-      <a:effectRef idx="0">
-        <a:scrgbClr r="0" g="0" b="0"/>
-      </a:effectRef>
-      <a:fontRef idx="minor"/>
-    </dgm:style>
-  </dgm:styleLbl>
-  <dgm:styleLbl name="trBgShp">
-    <dgm:scene3d>
-      <a:camera prst="orthographicFront"/>
-      <a:lightRig rig="threePt" dir="t"/>
-    </dgm:scene3d>
-    <dgm:sp3d/>
-    <dgm:txPr/>
-    <dgm:style>
-      <a:lnRef idx="0">
-        <a:scrgbClr r="0" g="0" b="0"/>
-      </a:lnRef>
-      <a:fillRef idx="1">
-        <a:scrgbClr r="0" g="0" b="0"/>
-      </a:fillRef>
-      <a:effectRef idx="0">
-        <a:scrgbClr r="0" g="0" b="0"/>
-      </a:effectRef>
-      <a:fontRef idx="minor"/>
-    </dgm:style>
-  </dgm:styleLbl>
-  <dgm:styleLbl name="fgShp">
-    <dgm:scene3d>
-      <a:camera prst="orthographicFront"/>
-      <a:lightRig rig="threePt" dir="t"/>
-    </dgm:scene3d>
-    <dgm:sp3d/>
-    <dgm:txPr/>
-    <dgm:style>
-      <a:lnRef idx="2">
-        <a:scrgbClr r="0" g="0" b="0"/>
-      </a:lnRef>
-      <a:fillRef idx="1">
-        <a:scrgbClr r="0" g="0" b="0"/>
-      </a:fillRef>
-      <a:effectRef idx="0">
-        <a:scrgbClr r="0" g="0" b="0"/>
-      </a:effectRef>
-      <a:fontRef idx="minor"/>
-    </dgm:style>
-  </dgm:styleLbl>
-  <dgm:styleLbl name="revTx">
-    <dgm:scene3d>
-      <a:camera prst="orthographicFront"/>
-      <a:lightRig rig="threePt" dir="t"/>
-    </dgm:scene3d>
-    <dgm:sp3d/>
-    <dgm:txPr/>
-    <dgm:style>
-      <a:lnRef idx="0">
-        <a:scrgbClr r="0" g="0" b="0"/>
-      </a:lnRef>
-      <a:fillRef idx="0">
-        <a:scrgbClr r="0" g="0" b="0"/>
-      </a:fillRef>
-      <a:effectRef idx="0">
-        <a:scrgbClr r="0" g="0" b="0"/>
-      </a:effectRef>
-      <a:fontRef idx="minor"/>
-    </dgm:style>
-  </dgm:styleLbl>
-</dgm:styleDef>
-</file>
-
-<file path=ppt/diagrams/quickStyle9.xml><?xml version="1.0" encoding="utf-8"?>
 <dgm:styleDef xmlns:dgm="http://schemas.openxmlformats.org/drawingml/2006/diagram" xmlns:a="http://schemas.openxmlformats.org/drawingml/2006/main" uniqueId="urn:microsoft.com/office/officeart/2005/8/quickstyle/simple1">
   <dgm:title val=""/>
   <dgm:desc val=""/>
@@ -24394,6 +21828,118 @@
     </a:lvl9pPr>
   </p:notesStyle>
 </p:notesMaster>
+</file>
+
+<file path=ppt/notesSlides/notesSlide1.xml><?xml version="1.0" encoding="utf-8"?>
+<p:notes xmlns:a="http://schemas.openxmlformats.org/drawingml/2006/main" xmlns:r="http://schemas.openxmlformats.org/officeDocument/2006/relationships" xmlns:p="http://schemas.openxmlformats.org/presentationml/2006/main">
+  <p:cSld>
+    <p:spTree>
+      <p:nvGrpSpPr>
+        <p:cNvPr id="1" name=""/>
+        <p:cNvGrpSpPr/>
+        <p:nvPr/>
+      </p:nvGrpSpPr>
+      <p:grpSpPr>
+        <a:xfrm>
+          <a:off x="0" y="0"/>
+          <a:ext cx="0" cy="0"/>
+          <a:chOff x="0" y="0"/>
+          <a:chExt cx="0" cy="0"/>
+        </a:xfrm>
+      </p:grpSpPr>
+      <p:sp>
+        <p:nvSpPr>
+          <p:cNvPr id="2" name="Folienbildplatzhalter 1"/>
+          <p:cNvSpPr>
+            <a:spLocks noGrp="1" noRot="1" noChangeAspect="1"/>
+          </p:cNvSpPr>
+          <p:nvPr>
+            <p:ph type="sldImg"/>
+          </p:nvPr>
+        </p:nvSpPr>
+        <p:spPr/>
+      </p:sp>
+      <p:sp>
+        <p:nvSpPr>
+          <p:cNvPr id="3" name="Notizenplatzhalter 2"/>
+          <p:cNvSpPr>
+            <a:spLocks noGrp="1"/>
+          </p:cNvSpPr>
+          <p:nvPr>
+            <p:ph type="body" idx="1"/>
+          </p:nvPr>
+        </p:nvSpPr>
+        <p:spPr/>
+        <p:txBody>
+          <a:bodyPr/>
+          <a:lstStyle/>
+          <a:p>
+            <a:r>
+              <a:rPr lang="de-DE" dirty="0" smtClean="0"/>
+              <a:t>Skala: Auftretenswahrscheinlichkeit 1-10</a:t>
+            </a:r>
+          </a:p>
+          <a:p>
+            <a:r>
+              <a:rPr lang="de-DE" dirty="0" smtClean="0"/>
+              <a:t>            Gefährdungsgrad 1-3</a:t>
+            </a:r>
+          </a:p>
+          <a:p>
+            <a:r>
+              <a:rPr lang="de-DE" dirty="0" smtClean="0"/>
+              <a:t>Risiko A: 21 - 30</a:t>
+            </a:r>
+          </a:p>
+          <a:p>
+            <a:r>
+              <a:rPr lang="de-DE" dirty="0" smtClean="0"/>
+              <a:t>Risiko B: 11- 20</a:t>
+            </a:r>
+          </a:p>
+          <a:p>
+            <a:r>
+              <a:rPr lang="de-DE" dirty="0" smtClean="0"/>
+              <a:t>Risiko C: 0 - 10</a:t>
+            </a:r>
+            <a:endParaRPr lang="de-DE" dirty="0"/>
+          </a:p>
+        </p:txBody>
+      </p:sp>
+      <p:sp>
+        <p:nvSpPr>
+          <p:cNvPr id="4" name="Foliennummernplatzhalter 3"/>
+          <p:cNvSpPr>
+            <a:spLocks noGrp="1"/>
+          </p:cNvSpPr>
+          <p:nvPr>
+            <p:ph type="sldNum" sz="quarter" idx="10"/>
+          </p:nvPr>
+        </p:nvSpPr>
+        <p:spPr/>
+        <p:txBody>
+          <a:bodyPr/>
+          <a:lstStyle/>
+          <a:p>
+            <a:fld id="{8B3C513D-B928-40E6-962B-43A1627C0290}" type="slidenum">
+              <a:rPr lang="de-DE" smtClean="0"/>
+              <a:t>6</a:t>
+            </a:fld>
+            <a:endParaRPr lang="de-DE"/>
+          </a:p>
+        </p:txBody>
+      </p:sp>
+    </p:spTree>
+    <p:extLst>
+      <p:ext uri="{BB962C8B-B14F-4D97-AF65-F5344CB8AC3E}">
+        <p14:creationId xmlns:p14="http://schemas.microsoft.com/office/powerpoint/2010/main" val="4041099104"/>
+      </p:ext>
+    </p:extLst>
+  </p:cSld>
+  <p:clrMapOvr>
+    <a:masterClrMapping/>
+  </p:clrMapOvr>
+</p:notes>
 </file>
 
 <file path=ppt/slideLayouts/slideLayout1.xml><?xml version="1.0" encoding="utf-8"?>
@@ -28121,89 +25667,6 @@
 </p:sld>
 </file>
 
-<file path=ppt/slides/slide10.xml><?xml version="1.0" encoding="utf-8"?>
-<p:sld xmlns:a="http://schemas.openxmlformats.org/drawingml/2006/main" xmlns:r="http://schemas.openxmlformats.org/officeDocument/2006/relationships" xmlns:p="http://schemas.openxmlformats.org/presentationml/2006/main">
-  <p:cSld>
-    <p:spTree>
-      <p:nvGrpSpPr>
-        <p:cNvPr id="1" name=""/>
-        <p:cNvGrpSpPr/>
-        <p:nvPr/>
-      </p:nvGrpSpPr>
-      <p:grpSpPr>
-        <a:xfrm>
-          <a:off x="0" y="0"/>
-          <a:ext cx="0" cy="0"/>
-          <a:chOff x="0" y="0"/>
-          <a:chExt cx="0" cy="0"/>
-        </a:xfrm>
-      </p:grpSpPr>
-      <p:graphicFrame>
-        <p:nvGraphicFramePr>
-          <p:cNvPr id="2" name="Diagramm 1"/>
-          <p:cNvGraphicFramePr/>
-          <p:nvPr/>
-        </p:nvGraphicFramePr>
-        <p:xfrm>
-          <a:off x="84406" y="6420662"/>
-          <a:ext cx="10761785" cy="409203"/>
-        </p:xfrm>
-        <a:graphic>
-          <a:graphicData uri="http://schemas.openxmlformats.org/drawingml/2006/diagram">
-            <dgm:relIds xmlns:dgm="http://schemas.openxmlformats.org/drawingml/2006/diagram" xmlns:r="http://schemas.openxmlformats.org/officeDocument/2006/relationships" r:dm="rId2" r:lo="rId3" r:qs="rId4" r:cs="rId5"/>
-          </a:graphicData>
-        </a:graphic>
-      </p:graphicFrame>
-      <p:sp>
-        <p:nvSpPr>
-          <p:cNvPr id="3" name="Foliennummernplatzhalter 2"/>
-          <p:cNvSpPr>
-            <a:spLocks noGrp="1"/>
-          </p:cNvSpPr>
-          <p:nvPr>
-            <p:ph type="sldNum" sz="quarter" idx="12"/>
-          </p:nvPr>
-        </p:nvSpPr>
-        <p:spPr>
-          <a:xfrm>
-            <a:off x="10846191" y="6442700"/>
-            <a:ext cx="1312025" cy="365125"/>
-          </a:xfrm>
-        </p:spPr>
-        <p:txBody>
-          <a:bodyPr/>
-          <a:lstStyle/>
-          <a:p>
-            <a:r>
-              <a:rPr lang="en-US" sz="2400" dirty="0" err="1" smtClean="0"/>
-              <a:t>Seite</a:t>
-            </a:r>
-            <a:r>
-              <a:rPr lang="en-US" sz="2400" dirty="0" smtClean="0"/>
-              <a:t> </a:t>
-            </a:r>
-            <a:fld id="{4FAB73BC-B049-4115-A692-8D63A059BFB8}" type="slidenum">
-              <a:rPr lang="en-US" sz="2400" smtClean="0"/>
-              <a:pPr/>
-              <a:t>10</a:t>
-            </a:fld>
-            <a:endParaRPr lang="en-US" sz="2400" dirty="0"/>
-          </a:p>
-        </p:txBody>
-      </p:sp>
-    </p:spTree>
-    <p:extLst>
-      <p:ext uri="{BB962C8B-B14F-4D97-AF65-F5344CB8AC3E}">
-        <p14:creationId xmlns:p14="http://schemas.microsoft.com/office/powerpoint/2010/main" val="3254443739"/>
-      </p:ext>
-    </p:extLst>
-  </p:cSld>
-  <p:clrMapOvr>
-    <a:masterClrMapping/>
-  </p:clrMapOvr>
-</p:sld>
-</file>
-
 <file path=ppt/slides/slide2.xml><?xml version="1.0" encoding="utf-8"?>
 <p:sld xmlns:a="http://schemas.openxmlformats.org/drawingml/2006/main" xmlns:r="http://schemas.openxmlformats.org/officeDocument/2006/relationships" xmlns:p="http://schemas.openxmlformats.org/presentationml/2006/main">
   <p:cSld>
@@ -30670,7 +28133,6 @@
               <a:rPr lang="en-US" dirty="0"/>
               <a:t> </a:t>
             </a:r>
-            <a:endParaRPr lang="en-US" dirty="0"/>
           </a:p>
         </p:txBody>
       </p:sp>
@@ -32943,7 +30405,13 @@
         <p:nvGraphicFramePr>
           <p:cNvPr id="2" name="Diagramm 1"/>
           <p:cNvGraphicFramePr/>
-          <p:nvPr/>
+          <p:nvPr>
+            <p:extLst>
+              <p:ext uri="{D42A27DB-BD31-4B8C-83A1-F6EECF244321}">
+                <p14:modId xmlns:p14="http://schemas.microsoft.com/office/powerpoint/2010/main" val="3540139166"/>
+              </p:ext>
+            </p:extLst>
+          </p:nvPr>
         </p:nvGraphicFramePr>
         <p:xfrm>
           <a:off x="84406" y="6420662"/>
@@ -33551,7 +31019,13 @@
         <p:nvGraphicFramePr>
           <p:cNvPr id="2" name="Diagramm 1"/>
           <p:cNvGraphicFramePr/>
-          <p:nvPr/>
+          <p:nvPr>
+            <p:extLst>
+              <p:ext uri="{D42A27DB-BD31-4B8C-83A1-F6EECF244321}">
+                <p14:modId xmlns:p14="http://schemas.microsoft.com/office/powerpoint/2010/main" val="1706036796"/>
+              </p:ext>
+            </p:extLst>
+          </p:nvPr>
         </p:nvGraphicFramePr>
         <p:xfrm>
           <a:off x="84406" y="6420662"/>
@@ -33596,7 +31070,7 @@
             <p:ph idx="1"/>
             <p:extLst>
               <p:ext uri="{D42A27DB-BD31-4B8C-83A1-F6EECF244321}">
-                <p14:modId xmlns:p14="http://schemas.microsoft.com/office/powerpoint/2010/main" val="1167135763"/>
+                <p14:modId xmlns:p14="http://schemas.microsoft.com/office/powerpoint/2010/main" val="1584527537"/>
               </p:ext>
             </p:extLst>
           </p:nvPr>
@@ -33902,9 +31376,8 @@
                     <a:p>
                       <a:r>
                         <a:rPr lang="de-DE" dirty="0" smtClean="0"/>
-                        <a:t>21,5</a:t>
+                        <a:t>14</a:t>
                       </a:r>
-                      <a:endParaRPr lang="de-DE" dirty="0"/>
                     </a:p>
                   </a:txBody>
                   <a:tcPr/>
@@ -34124,7 +31597,13 @@
         <p:nvGraphicFramePr>
           <p:cNvPr id="2" name="Diagramm 1"/>
           <p:cNvGraphicFramePr/>
-          <p:nvPr/>
+          <p:nvPr>
+            <p:extLst>
+              <p:ext uri="{D42A27DB-BD31-4B8C-83A1-F6EECF244321}">
+                <p14:modId xmlns:p14="http://schemas.microsoft.com/office/powerpoint/2010/main" val="1437642910"/>
+              </p:ext>
+            </p:extLst>
+          </p:nvPr>
         </p:nvGraphicFramePr>
         <p:xfrm>
           <a:off x="84406" y="6420662"/>
@@ -34132,7 +31611,760 @@
         </p:xfrm>
         <a:graphic>
           <a:graphicData uri="http://schemas.openxmlformats.org/drawingml/2006/diagram">
-            <dgm:relIds xmlns:dgm="http://schemas.openxmlformats.org/drawingml/2006/diagram" xmlns:r="http://schemas.openxmlformats.org/officeDocument/2006/relationships" r:dm="rId2" r:lo="rId3" r:qs="rId4" r:cs="rId5"/>
+            <dgm:relIds xmlns:dgm="http://schemas.openxmlformats.org/drawingml/2006/diagram" xmlns:r="http://schemas.openxmlformats.org/officeDocument/2006/relationships" r:dm="rId3" r:lo="rId4" r:qs="rId5" r:cs="rId6"/>
+          </a:graphicData>
+        </a:graphic>
+      </p:graphicFrame>
+      <p:sp>
+        <p:nvSpPr>
+          <p:cNvPr id="5" name="Titel 4"/>
+          <p:cNvSpPr>
+            <a:spLocks noGrp="1"/>
+          </p:cNvSpPr>
+          <p:nvPr>
+            <p:ph type="title"/>
+          </p:nvPr>
+        </p:nvSpPr>
+        <p:spPr/>
+        <p:txBody>
+          <a:bodyPr/>
+          <a:lstStyle/>
+          <a:p>
+            <a:r>
+              <a:rPr lang="de-DE" dirty="0" smtClean="0"/>
+              <a:t>Risikoanalyse</a:t>
+            </a:r>
+            <a:endParaRPr lang="de-DE" dirty="0"/>
+          </a:p>
+        </p:txBody>
+      </p:sp>
+      <p:graphicFrame>
+        <p:nvGraphicFramePr>
+          <p:cNvPr id="7" name="Inhaltsplatzhalter 6"/>
+          <p:cNvGraphicFramePr>
+            <a:graphicFrameLocks noGrp="1"/>
+          </p:cNvGraphicFramePr>
+          <p:nvPr>
+            <p:ph idx="1"/>
+            <p:extLst>
+              <p:ext uri="{D42A27DB-BD31-4B8C-83A1-F6EECF244321}">
+                <p14:modId xmlns:p14="http://schemas.microsoft.com/office/powerpoint/2010/main" val="3432004592"/>
+              </p:ext>
+            </p:extLst>
+          </p:nvPr>
+        </p:nvGraphicFramePr>
+        <p:xfrm>
+          <a:off x="252665" y="1916265"/>
+          <a:ext cx="11658597" cy="4367362"/>
+        </p:xfrm>
+        <a:graphic>
+          <a:graphicData uri="http://schemas.openxmlformats.org/drawingml/2006/table">
+            <a:tbl>
+              <a:tblPr firstRow="1" bandRow="1">
+                <a:tableStyleId>{5C22544A-7EE6-4342-B048-85BDC9FD1C3A}</a:tableStyleId>
+              </a:tblPr>
+              <a:tblGrid>
+                <a:gridCol w="2751182">
+                  <a:extLst>
+                    <a:ext uri="{9D8B030D-6E8A-4147-A177-3AD203B41FA5}">
+                      <a16:colId xmlns:a16="http://schemas.microsoft.com/office/drawing/2014/main" val="4180164206"/>
+                    </a:ext>
+                  </a:extLst>
+                </a:gridCol>
+                <a:gridCol w="1387679">
+                  <a:extLst>
+                    <a:ext uri="{9D8B030D-6E8A-4147-A177-3AD203B41FA5}">
+                      <a16:colId xmlns:a16="http://schemas.microsoft.com/office/drawing/2014/main" val="2169837705"/>
+                    </a:ext>
+                  </a:extLst>
+                </a:gridCol>
+                <a:gridCol w="1467853">
+                  <a:extLst>
+                    <a:ext uri="{9D8B030D-6E8A-4147-A177-3AD203B41FA5}">
+                      <a16:colId xmlns:a16="http://schemas.microsoft.com/office/drawing/2014/main" val="3632159320"/>
+                    </a:ext>
+                  </a:extLst>
+                </a:gridCol>
+                <a:gridCol w="926432">
+                  <a:extLst>
+                    <a:ext uri="{9D8B030D-6E8A-4147-A177-3AD203B41FA5}">
+                      <a16:colId xmlns:a16="http://schemas.microsoft.com/office/drawing/2014/main" val="2026327225"/>
+                    </a:ext>
+                  </a:extLst>
+                </a:gridCol>
+                <a:gridCol w="2361932">
+                  <a:extLst>
+                    <a:ext uri="{9D8B030D-6E8A-4147-A177-3AD203B41FA5}">
+                      <a16:colId xmlns:a16="http://schemas.microsoft.com/office/drawing/2014/main" val="1457193318"/>
+                    </a:ext>
+                  </a:extLst>
+                </a:gridCol>
+                <a:gridCol w="2763519">
+                  <a:extLst>
+                    <a:ext uri="{9D8B030D-6E8A-4147-A177-3AD203B41FA5}">
+                      <a16:colId xmlns:a16="http://schemas.microsoft.com/office/drawing/2014/main" val="3354195069"/>
+                    </a:ext>
+                  </a:extLst>
+                </a:gridCol>
+              </a:tblGrid>
+              <a:tr h="759005">
+                <a:tc>
+                  <a:txBody>
+                    <a:bodyPr/>
+                    <a:lstStyle/>
+                    <a:p>
+                      <a:r>
+                        <a:rPr lang="de-DE" sz="1400" dirty="0" smtClean="0"/>
+                        <a:t>Risiko</a:t>
+                      </a:r>
+                      <a:endParaRPr lang="de-DE" sz="1400" dirty="0"/>
+                    </a:p>
+                  </a:txBody>
+                  <a:tcPr/>
+                </a:tc>
+                <a:tc>
+                  <a:txBody>
+                    <a:bodyPr/>
+                    <a:lstStyle/>
+                    <a:p>
+                      <a:r>
+                        <a:rPr lang="de-DE" sz="1400" dirty="0" smtClean="0"/>
+                        <a:t>Auftretens-wahrschein-</a:t>
+                      </a:r>
+                      <a:r>
+                        <a:rPr lang="de-DE" sz="1400" dirty="0" err="1" smtClean="0"/>
+                        <a:t>lichkeit</a:t>
+                      </a:r>
+                      <a:endParaRPr lang="de-DE" sz="1400" dirty="0"/>
+                    </a:p>
+                  </a:txBody>
+                  <a:tcPr/>
+                </a:tc>
+                <a:tc>
+                  <a:txBody>
+                    <a:bodyPr/>
+                    <a:lstStyle/>
+                    <a:p>
+                      <a:r>
+                        <a:rPr lang="de-DE" sz="1400" dirty="0" smtClean="0"/>
+                        <a:t>Gefährdungs-grad</a:t>
+                      </a:r>
+                      <a:endParaRPr lang="de-DE" sz="1400" dirty="0"/>
+                    </a:p>
+                  </a:txBody>
+                  <a:tcPr/>
+                </a:tc>
+                <a:tc>
+                  <a:txBody>
+                    <a:bodyPr/>
+                    <a:lstStyle/>
+                    <a:p>
+                      <a:r>
+                        <a:rPr lang="de-DE" sz="1400" dirty="0" smtClean="0"/>
+                        <a:t>Summe</a:t>
+                      </a:r>
+                      <a:endParaRPr lang="de-DE" sz="1400" dirty="0"/>
+                    </a:p>
+                  </a:txBody>
+                  <a:tcPr/>
+                </a:tc>
+                <a:tc>
+                  <a:txBody>
+                    <a:bodyPr/>
+                    <a:lstStyle/>
+                    <a:p>
+                      <a:pPr marL="0" marR="0" lvl="0" indent="0" algn="l" defTabSz="914400" rtl="0" eaLnBrk="1" fontAlgn="auto" latinLnBrk="0" hangingPunct="1">
+                        <a:lnSpc>
+                          <a:spcPct val="100000"/>
+                        </a:lnSpc>
+                        <a:spcBef>
+                          <a:spcPts val="0"/>
+                        </a:spcBef>
+                        <a:spcAft>
+                          <a:spcPts val="0"/>
+                        </a:spcAft>
+                        <a:buClrTx/>
+                        <a:buSzTx/>
+                        <a:buFontTx/>
+                        <a:buNone/>
+                        <a:tabLst/>
+                        <a:defRPr/>
+                      </a:pPr>
+                      <a:r>
+                        <a:rPr lang="de-DE" sz="1400" dirty="0" smtClean="0"/>
+                        <a:t>Auswirkung</a:t>
+                      </a:r>
+                    </a:p>
+                    <a:p>
+                      <a:endParaRPr lang="de-DE" sz="1400" dirty="0"/>
+                    </a:p>
+                  </a:txBody>
+                  <a:tcPr/>
+                </a:tc>
+                <a:tc>
+                  <a:txBody>
+                    <a:bodyPr/>
+                    <a:lstStyle/>
+                    <a:p>
+                      <a:r>
+                        <a:rPr lang="de-DE" sz="1400" dirty="0" smtClean="0"/>
+                        <a:t>Lösung</a:t>
+                      </a:r>
+                      <a:endParaRPr lang="de-DE" sz="1400" dirty="0"/>
+                    </a:p>
+                  </a:txBody>
+                  <a:tcPr/>
+                </a:tc>
+                <a:extLst>
+                  <a:ext uri="{0D108BD9-81ED-4DB2-BD59-A6C34878D82A}">
+                    <a16:rowId xmlns:a16="http://schemas.microsoft.com/office/drawing/2014/main" val="4235251808"/>
+                  </a:ext>
+                </a:extLst>
+              </a:tr>
+              <a:tr h="531303">
+                <a:tc>
+                  <a:txBody>
+                    <a:bodyPr/>
+                    <a:lstStyle/>
+                    <a:p>
+                      <a:r>
+                        <a:rPr lang="de-DE" sz="1400" dirty="0" smtClean="0"/>
+                        <a:t>Projektmitglied</a:t>
+                      </a:r>
+                      <a:r>
+                        <a:rPr lang="de-DE" sz="1400" baseline="0" dirty="0" smtClean="0"/>
+                        <a:t> nicht anwesend</a:t>
+                      </a:r>
+                      <a:endParaRPr lang="de-DE" sz="1400" dirty="0"/>
+                    </a:p>
+                  </a:txBody>
+                  <a:tcPr/>
+                </a:tc>
+                <a:tc>
+                  <a:txBody>
+                    <a:bodyPr/>
+                    <a:lstStyle/>
+                    <a:p>
+                      <a:r>
+                        <a:rPr lang="de-DE" sz="1400" dirty="0" smtClean="0"/>
+                        <a:t>6</a:t>
+                      </a:r>
+                      <a:endParaRPr lang="de-DE" sz="1400" dirty="0"/>
+                    </a:p>
+                  </a:txBody>
+                  <a:tcPr/>
+                </a:tc>
+                <a:tc>
+                  <a:txBody>
+                    <a:bodyPr/>
+                    <a:lstStyle/>
+                    <a:p>
+                      <a:r>
+                        <a:rPr lang="de-DE" sz="1400" dirty="0" smtClean="0"/>
+                        <a:t>2</a:t>
+                      </a:r>
+                      <a:endParaRPr lang="de-DE" sz="1400" dirty="0"/>
+                    </a:p>
+                  </a:txBody>
+                  <a:tcPr/>
+                </a:tc>
+                <a:tc>
+                  <a:txBody>
+                    <a:bodyPr/>
+                    <a:lstStyle/>
+                    <a:p>
+                      <a:r>
+                        <a:rPr lang="de-DE" sz="1400" dirty="0" smtClean="0"/>
+                        <a:t>12</a:t>
+                      </a:r>
+                      <a:endParaRPr lang="de-DE" sz="1400" dirty="0"/>
+                    </a:p>
+                  </a:txBody>
+                  <a:tcPr/>
+                </a:tc>
+                <a:tc>
+                  <a:txBody>
+                    <a:bodyPr/>
+                    <a:lstStyle/>
+                    <a:p>
+                      <a:r>
+                        <a:rPr lang="de-DE" sz="1400" dirty="0" smtClean="0"/>
+                        <a:t>Verzögerung der Projektfertigstellung</a:t>
+                      </a:r>
+                      <a:endParaRPr lang="de-DE" sz="1400" dirty="0"/>
+                    </a:p>
+                  </a:txBody>
+                  <a:tcPr/>
+                </a:tc>
+                <a:tc>
+                  <a:txBody>
+                    <a:bodyPr/>
+                    <a:lstStyle/>
+                    <a:p>
+                      <a:r>
+                        <a:rPr lang="de-DE" sz="1400" dirty="0" smtClean="0"/>
+                        <a:t>Stellvertreter bestimmen</a:t>
+                      </a:r>
+                      <a:endParaRPr lang="de-DE" sz="1400" dirty="0"/>
+                    </a:p>
+                  </a:txBody>
+                  <a:tcPr/>
+                </a:tc>
+                <a:extLst>
+                  <a:ext uri="{0D108BD9-81ED-4DB2-BD59-A6C34878D82A}">
+                    <a16:rowId xmlns:a16="http://schemas.microsoft.com/office/drawing/2014/main" val="2540235394"/>
+                  </a:ext>
+                </a:extLst>
+              </a:tr>
+              <a:tr h="1281729">
+                <a:tc>
+                  <a:txBody>
+                    <a:bodyPr/>
+                    <a:lstStyle/>
+                    <a:p>
+                      <a:r>
+                        <a:rPr lang="de-DE" sz="1400" dirty="0" smtClean="0"/>
+                        <a:t>Kunde kommt nicht zum Gespräch</a:t>
+                      </a:r>
+                    </a:p>
+                  </a:txBody>
+                  <a:tcPr/>
+                </a:tc>
+                <a:tc>
+                  <a:txBody>
+                    <a:bodyPr/>
+                    <a:lstStyle/>
+                    <a:p>
+                      <a:r>
+                        <a:rPr lang="de-DE" sz="1400" dirty="0" smtClean="0"/>
+                        <a:t>3</a:t>
+                      </a:r>
+                      <a:endParaRPr lang="de-DE" sz="1400" dirty="0"/>
+                    </a:p>
+                  </a:txBody>
+                  <a:tcPr/>
+                </a:tc>
+                <a:tc>
+                  <a:txBody>
+                    <a:bodyPr/>
+                    <a:lstStyle/>
+                    <a:p>
+                      <a:r>
+                        <a:rPr lang="de-DE" sz="1400" dirty="0" smtClean="0"/>
+                        <a:t>3</a:t>
+                      </a:r>
+                      <a:endParaRPr lang="de-DE" sz="1400" dirty="0"/>
+                    </a:p>
+                  </a:txBody>
+                  <a:tcPr/>
+                </a:tc>
+                <a:tc>
+                  <a:txBody>
+                    <a:bodyPr/>
+                    <a:lstStyle/>
+                    <a:p>
+                      <a:r>
+                        <a:rPr lang="de-DE" sz="1400" dirty="0" smtClean="0"/>
+                        <a:t>9</a:t>
+                      </a:r>
+                      <a:endParaRPr lang="de-DE" sz="1400" dirty="0"/>
+                    </a:p>
+                  </a:txBody>
+                  <a:tcPr/>
+                </a:tc>
+                <a:tc>
+                  <a:txBody>
+                    <a:bodyPr/>
+                    <a:lstStyle/>
+                    <a:p>
+                      <a:pPr marL="0" marR="0" lvl="0" indent="0" algn="l" defTabSz="914400" rtl="0" eaLnBrk="1" fontAlgn="auto" latinLnBrk="0" hangingPunct="1">
+                        <a:lnSpc>
+                          <a:spcPct val="100000"/>
+                        </a:lnSpc>
+                        <a:spcBef>
+                          <a:spcPts val="0"/>
+                        </a:spcBef>
+                        <a:spcAft>
+                          <a:spcPts val="0"/>
+                        </a:spcAft>
+                        <a:buClrTx/>
+                        <a:buSzTx/>
+                        <a:buFontTx/>
+                        <a:buNone/>
+                        <a:tabLst/>
+                        <a:defRPr/>
+                      </a:pPr>
+                      <a:r>
+                        <a:rPr lang="de-DE" sz="1400" dirty="0" smtClean="0"/>
+                        <a:t>Verzögerung der Projektfertigstellung</a:t>
+                      </a:r>
+                    </a:p>
+                    <a:p>
+                      <a:pPr marL="0" marR="0" lvl="0" indent="0" algn="l" defTabSz="914400" rtl="0" eaLnBrk="1" fontAlgn="auto" latinLnBrk="0" hangingPunct="1">
+                        <a:lnSpc>
+                          <a:spcPct val="100000"/>
+                        </a:lnSpc>
+                        <a:spcBef>
+                          <a:spcPts val="0"/>
+                        </a:spcBef>
+                        <a:spcAft>
+                          <a:spcPts val="0"/>
+                        </a:spcAft>
+                        <a:buClrTx/>
+                        <a:buSzTx/>
+                        <a:buFontTx/>
+                        <a:buNone/>
+                        <a:tabLst/>
+                        <a:defRPr/>
+                      </a:pPr>
+                      <a:r>
+                        <a:rPr lang="de-DE" sz="1400" dirty="0" smtClean="0"/>
+                        <a:t>Verzögerung der Projektfertigstellung</a:t>
+                      </a:r>
+                    </a:p>
+                    <a:p>
+                      <a:endParaRPr lang="de-DE" sz="1400" dirty="0"/>
+                    </a:p>
+                  </a:txBody>
+                  <a:tcPr/>
+                </a:tc>
+                <a:tc>
+                  <a:txBody>
+                    <a:bodyPr/>
+                    <a:lstStyle/>
+                    <a:p>
+                      <a:r>
+                        <a:rPr lang="de-DE" sz="1400" dirty="0" smtClean="0"/>
+                        <a:t>Handynummer von Kunden bekommen</a:t>
+                      </a:r>
+                      <a:endParaRPr lang="de-DE" sz="1400" dirty="0"/>
+                    </a:p>
+                  </a:txBody>
+                  <a:tcPr/>
+                </a:tc>
+                <a:extLst>
+                  <a:ext uri="{0D108BD9-81ED-4DB2-BD59-A6C34878D82A}">
+                    <a16:rowId xmlns:a16="http://schemas.microsoft.com/office/drawing/2014/main" val="2765194512"/>
+                  </a:ext>
+                </a:extLst>
+              </a:tr>
+              <a:tr h="303602">
+                <a:tc>
+                  <a:txBody>
+                    <a:bodyPr/>
+                    <a:lstStyle/>
+                    <a:p>
+                      <a:r>
+                        <a:rPr lang="de-DE" sz="1400" dirty="0" smtClean="0"/>
+                        <a:t>Stromausfall</a:t>
+                      </a:r>
+                    </a:p>
+                  </a:txBody>
+                  <a:tcPr/>
+                </a:tc>
+                <a:tc>
+                  <a:txBody>
+                    <a:bodyPr/>
+                    <a:lstStyle/>
+                    <a:p>
+                      <a:r>
+                        <a:rPr lang="de-DE" sz="1400" dirty="0" smtClean="0"/>
+                        <a:t>1</a:t>
+                      </a:r>
+                      <a:endParaRPr lang="de-DE" sz="1400" dirty="0"/>
+                    </a:p>
+                  </a:txBody>
+                  <a:tcPr/>
+                </a:tc>
+                <a:tc>
+                  <a:txBody>
+                    <a:bodyPr/>
+                    <a:lstStyle/>
+                    <a:p>
+                      <a:r>
+                        <a:rPr lang="de-DE" sz="1400" dirty="0" smtClean="0"/>
+                        <a:t>3</a:t>
+                      </a:r>
+                      <a:endParaRPr lang="de-DE" sz="1400" dirty="0"/>
+                    </a:p>
+                  </a:txBody>
+                  <a:tcPr/>
+                </a:tc>
+                <a:tc>
+                  <a:txBody>
+                    <a:bodyPr/>
+                    <a:lstStyle/>
+                    <a:p>
+                      <a:r>
+                        <a:rPr lang="de-DE" sz="1400" dirty="0" smtClean="0"/>
+                        <a:t>3</a:t>
+                      </a:r>
+                      <a:endParaRPr lang="de-DE" sz="1400" dirty="0"/>
+                    </a:p>
+                  </a:txBody>
+                  <a:tcPr/>
+                </a:tc>
+                <a:tc>
+                  <a:txBody>
+                    <a:bodyPr/>
+                    <a:lstStyle/>
+                    <a:p>
+                      <a:r>
+                        <a:rPr lang="de-DE" sz="1400" dirty="0" smtClean="0"/>
+                        <a:t>Geringer Arbeitsverlust</a:t>
+                      </a:r>
+                      <a:endParaRPr lang="de-DE" sz="1400" dirty="0"/>
+                    </a:p>
+                  </a:txBody>
+                  <a:tcPr/>
+                </a:tc>
+                <a:tc>
+                  <a:txBody>
+                    <a:bodyPr/>
+                    <a:lstStyle/>
+                    <a:p>
+                      <a:r>
+                        <a:rPr lang="de-DE" sz="1400" dirty="0" smtClean="0"/>
+                        <a:t>Laptops nutzen</a:t>
+                      </a:r>
+                      <a:endParaRPr lang="de-DE" sz="1400" dirty="0"/>
+                    </a:p>
+                  </a:txBody>
+                  <a:tcPr/>
+                </a:tc>
+                <a:extLst>
+                  <a:ext uri="{0D108BD9-81ED-4DB2-BD59-A6C34878D82A}">
+                    <a16:rowId xmlns:a16="http://schemas.microsoft.com/office/drawing/2014/main" val="3343039685"/>
+                  </a:ext>
+                </a:extLst>
+              </a:tr>
+              <a:tr h="303602">
+                <a:tc>
+                  <a:txBody>
+                    <a:bodyPr/>
+                    <a:lstStyle/>
+                    <a:p>
+                      <a:r>
+                        <a:rPr lang="de-DE" sz="1400" dirty="0" smtClean="0"/>
+                        <a:t>Hardwareausfall</a:t>
+                      </a:r>
+                    </a:p>
+                  </a:txBody>
+                  <a:tcPr/>
+                </a:tc>
+                <a:tc>
+                  <a:txBody>
+                    <a:bodyPr/>
+                    <a:lstStyle/>
+                    <a:p>
+                      <a:r>
+                        <a:rPr lang="de-DE" sz="1400" dirty="0" smtClean="0"/>
+                        <a:t>2</a:t>
+                      </a:r>
+                      <a:endParaRPr lang="de-DE" sz="1400" dirty="0"/>
+                    </a:p>
+                  </a:txBody>
+                  <a:tcPr/>
+                </a:tc>
+                <a:tc>
+                  <a:txBody>
+                    <a:bodyPr/>
+                    <a:lstStyle/>
+                    <a:p>
+                      <a:r>
+                        <a:rPr lang="de-DE" sz="1400" dirty="0" smtClean="0"/>
+                        <a:t>2</a:t>
+                      </a:r>
+                      <a:endParaRPr lang="de-DE" sz="1400" dirty="0"/>
+                    </a:p>
+                  </a:txBody>
+                  <a:tcPr/>
+                </a:tc>
+                <a:tc>
+                  <a:txBody>
+                    <a:bodyPr/>
+                    <a:lstStyle/>
+                    <a:p>
+                      <a:r>
+                        <a:rPr lang="de-DE" sz="1400" dirty="0" smtClean="0"/>
+                        <a:t>4</a:t>
+                      </a:r>
+                      <a:endParaRPr lang="de-DE" sz="1400" dirty="0"/>
+                    </a:p>
+                  </a:txBody>
+                  <a:tcPr/>
+                </a:tc>
+                <a:tc>
+                  <a:txBody>
+                    <a:bodyPr/>
+                    <a:lstStyle/>
+                    <a:p>
+                      <a:pPr marL="0" marR="0" lvl="0" indent="0" algn="l" defTabSz="914400" rtl="0" eaLnBrk="1" fontAlgn="auto" latinLnBrk="0" hangingPunct="1">
+                        <a:lnSpc>
+                          <a:spcPct val="100000"/>
+                        </a:lnSpc>
+                        <a:spcBef>
+                          <a:spcPts val="0"/>
+                        </a:spcBef>
+                        <a:spcAft>
+                          <a:spcPts val="0"/>
+                        </a:spcAft>
+                        <a:buClrTx/>
+                        <a:buSzTx/>
+                        <a:buFontTx/>
+                        <a:buNone/>
+                        <a:tabLst/>
+                        <a:defRPr/>
+                      </a:pPr>
+                      <a:r>
+                        <a:rPr lang="de-DE" sz="1400" dirty="0" smtClean="0"/>
+                        <a:t>Verzögerung der Projektfertigstellung</a:t>
+                      </a:r>
+                    </a:p>
+                    <a:p>
+                      <a:endParaRPr lang="de-DE" sz="1400" dirty="0"/>
+                    </a:p>
+                  </a:txBody>
+                  <a:tcPr/>
+                </a:tc>
+                <a:tc>
+                  <a:txBody>
+                    <a:bodyPr/>
+                    <a:lstStyle/>
+                    <a:p>
+                      <a:r>
+                        <a:rPr lang="de-DE" sz="1400" dirty="0" smtClean="0"/>
+                        <a:t>Hardware redundant</a:t>
+                      </a:r>
+                      <a:r>
+                        <a:rPr lang="de-DE" sz="1400" baseline="0" dirty="0" smtClean="0"/>
+                        <a:t> beschaffen</a:t>
+                      </a:r>
+                      <a:endParaRPr lang="de-DE" sz="1400" dirty="0"/>
+                    </a:p>
+                  </a:txBody>
+                  <a:tcPr/>
+                </a:tc>
+                <a:extLst>
+                  <a:ext uri="{0D108BD9-81ED-4DB2-BD59-A6C34878D82A}">
+                    <a16:rowId xmlns:a16="http://schemas.microsoft.com/office/drawing/2014/main" val="2911430956"/>
+                  </a:ext>
+                </a:extLst>
+              </a:tr>
+              <a:tr h="759005">
+                <a:tc>
+                  <a:txBody>
+                    <a:bodyPr/>
+                    <a:lstStyle/>
+                    <a:p>
+                      <a:r>
+                        <a:rPr lang="de-DE" sz="1400" dirty="0" smtClean="0"/>
+                        <a:t>Änderung der Wünsche des Kunden</a:t>
+                      </a:r>
+                    </a:p>
+                  </a:txBody>
+                  <a:tcPr/>
+                </a:tc>
+                <a:tc>
+                  <a:txBody>
+                    <a:bodyPr/>
+                    <a:lstStyle/>
+                    <a:p>
+                      <a:r>
+                        <a:rPr lang="de-DE" sz="1400" dirty="0" smtClean="0"/>
+                        <a:t>8</a:t>
+                      </a:r>
+                      <a:endParaRPr lang="de-DE" sz="1400" dirty="0"/>
+                    </a:p>
+                  </a:txBody>
+                  <a:tcPr/>
+                </a:tc>
+                <a:tc>
+                  <a:txBody>
+                    <a:bodyPr/>
+                    <a:lstStyle/>
+                    <a:p>
+                      <a:r>
+                        <a:rPr lang="de-DE" sz="1400" dirty="0" smtClean="0"/>
+                        <a:t>2</a:t>
+                      </a:r>
+                      <a:endParaRPr lang="de-DE" sz="1400" dirty="0"/>
+                    </a:p>
+                  </a:txBody>
+                  <a:tcPr/>
+                </a:tc>
+                <a:tc>
+                  <a:txBody>
+                    <a:bodyPr/>
+                    <a:lstStyle/>
+                    <a:p>
+                      <a:r>
+                        <a:rPr lang="de-DE" sz="1400" dirty="0" smtClean="0"/>
+                        <a:t>16</a:t>
+                      </a:r>
+                      <a:endParaRPr lang="de-DE" sz="1400" dirty="0"/>
+                    </a:p>
+                  </a:txBody>
+                  <a:tcPr/>
+                </a:tc>
+                <a:tc>
+                  <a:txBody>
+                    <a:bodyPr/>
+                    <a:lstStyle/>
+                    <a:p>
+                      <a:pPr marL="0" marR="0" lvl="0" indent="0" algn="l" defTabSz="914400" rtl="0" eaLnBrk="1" fontAlgn="auto" latinLnBrk="0" hangingPunct="1">
+                        <a:lnSpc>
+                          <a:spcPct val="100000"/>
+                        </a:lnSpc>
+                        <a:spcBef>
+                          <a:spcPts val="0"/>
+                        </a:spcBef>
+                        <a:spcAft>
+                          <a:spcPts val="0"/>
+                        </a:spcAft>
+                        <a:buClrTx/>
+                        <a:buSzTx/>
+                        <a:buFontTx/>
+                        <a:buNone/>
+                        <a:tabLst/>
+                        <a:defRPr/>
+                      </a:pPr>
+                      <a:r>
+                        <a:rPr lang="de-DE" sz="1400" dirty="0" smtClean="0"/>
+                        <a:t>Verzögerung der Projektfertigstellung</a:t>
+                      </a:r>
+                    </a:p>
+                    <a:p>
+                      <a:endParaRPr lang="de-DE" sz="1400" dirty="0"/>
+                    </a:p>
+                  </a:txBody>
+                  <a:tcPr/>
+                </a:tc>
+                <a:tc>
+                  <a:txBody>
+                    <a:bodyPr/>
+                    <a:lstStyle/>
+                    <a:p>
+                      <a:r>
+                        <a:rPr lang="de-DE" sz="1400" dirty="0" smtClean="0"/>
+                        <a:t>Pflichtenheft</a:t>
+                      </a:r>
+                      <a:r>
+                        <a:rPr lang="de-DE" sz="1400" baseline="0" dirty="0" smtClean="0"/>
+                        <a:t> unterzeichnen lassen</a:t>
+                      </a:r>
+                      <a:endParaRPr lang="de-DE" sz="1400" dirty="0"/>
+                    </a:p>
+                  </a:txBody>
+                  <a:tcPr/>
+                </a:tc>
+                <a:extLst>
+                  <a:ext uri="{0D108BD9-81ED-4DB2-BD59-A6C34878D82A}">
+                    <a16:rowId xmlns:a16="http://schemas.microsoft.com/office/drawing/2014/main" val="881459152"/>
+                  </a:ext>
+                </a:extLst>
+              </a:tr>
+            </a:tbl>
           </a:graphicData>
         </a:graphic>
       </p:graphicFrame>
@@ -34146,12 +32378,7 @@
             <p:ph type="sldNum" sz="quarter" idx="12"/>
           </p:nvPr>
         </p:nvSpPr>
-        <p:spPr>
-          <a:xfrm>
-            <a:off x="10846191" y="6442700"/>
-            <a:ext cx="1312025" cy="365125"/>
-          </a:xfrm>
-        </p:spPr>
+        <p:spPr/>
         <p:txBody>
           <a:bodyPr/>
           <a:lstStyle/>
@@ -34182,7 +32409,7 @@
           <p:nvPr/>
         </p:nvPicPr>
         <p:blipFill>
-          <a:blip r:embed="rId7">
+          <a:blip r:embed="rId8">
             <a:extLst>
               <a:ext uri="{28A0092B-C50C-407E-A947-70E740481C1C}">
                 <a14:useLocalDpi xmlns:a14="http://schemas.microsoft.com/office/drawing/2010/main" val="0"/>
@@ -34240,11 +32467,388 @@
           <a:chExt cx="0" cy="0"/>
         </a:xfrm>
       </p:grpSpPr>
+      <p:sp>
+        <p:nvSpPr>
+          <p:cNvPr id="22" name="Abgerundetes Rechteck 21"/>
+          <p:cNvSpPr/>
+          <p:nvPr/>
+        </p:nvSpPr>
+        <p:spPr>
+          <a:xfrm>
+            <a:off x="8210521" y="1737359"/>
+            <a:ext cx="3173931" cy="4531094"/>
+          </a:xfrm>
+          <a:prstGeom prst="roundRect">
+            <a:avLst/>
+          </a:prstGeom>
+        </p:spPr>
+        <p:style>
+          <a:lnRef idx="1">
+            <a:schemeClr val="accent4"/>
+          </a:lnRef>
+          <a:fillRef idx="2">
+            <a:schemeClr val="accent4"/>
+          </a:fillRef>
+          <a:effectRef idx="1">
+            <a:schemeClr val="accent4"/>
+          </a:effectRef>
+          <a:fontRef idx="minor">
+            <a:schemeClr val="dk1"/>
+          </a:fontRef>
+        </p:style>
+        <p:txBody>
+          <a:bodyPr rtlCol="0" anchor="t"/>
+          <a:lstStyle/>
+          <a:p>
+            <a:endParaRPr lang="de-DE" dirty="0" smtClean="0"/>
+          </a:p>
+          <a:p>
+            <a:endParaRPr lang="de-DE" dirty="0"/>
+          </a:p>
+          <a:p>
+            <a:endParaRPr lang="de-DE" dirty="0" smtClean="0"/>
+          </a:p>
+          <a:p>
+            <a:endParaRPr lang="de-DE" dirty="0"/>
+          </a:p>
+          <a:p>
+            <a:pPr marL="285750" indent="-285750">
+              <a:buFont typeface="Wingdings" panose="05000000000000000000" pitchFamily="2" charset="2"/>
+              <a:buChar char="Ø"/>
+            </a:pPr>
+            <a:r>
+              <a:rPr lang="de-DE" dirty="0" smtClean="0"/>
+              <a:t>Lizensiert pro Client</a:t>
+            </a:r>
+          </a:p>
+          <a:p>
+            <a:pPr marL="285750" indent="-285750">
+              <a:buFont typeface="Wingdings" panose="05000000000000000000" pitchFamily="2" charset="2"/>
+              <a:buChar char="Ø"/>
+            </a:pPr>
+            <a:r>
+              <a:rPr lang="de-DE" dirty="0" smtClean="0"/>
+              <a:t>Anzahl der Clients unbegrenzt </a:t>
+            </a:r>
+          </a:p>
+          <a:p>
+            <a:pPr marL="285750" indent="-285750">
+              <a:buFont typeface="Wingdings" panose="05000000000000000000" pitchFamily="2" charset="2"/>
+              <a:buChar char="Ø"/>
+            </a:pPr>
+            <a:r>
+              <a:rPr lang="de-DE" dirty="0" smtClean="0"/>
+              <a:t>Linux</a:t>
+            </a:r>
+          </a:p>
+          <a:p>
+            <a:pPr marL="285750" indent="-285750">
+              <a:buFont typeface="Wingdings" panose="05000000000000000000" pitchFamily="2" charset="2"/>
+              <a:buChar char="Ø"/>
+            </a:pPr>
+            <a:r>
+              <a:rPr lang="de-DE" dirty="0" smtClean="0"/>
+              <a:t>Mittlerer Einarbeitungsaufwand</a:t>
+            </a:r>
+            <a:endParaRPr lang="de-DE" dirty="0"/>
+          </a:p>
+        </p:txBody>
+      </p:sp>
+      <p:sp>
+        <p:nvSpPr>
+          <p:cNvPr id="26" name="Ellipse 25"/>
+          <p:cNvSpPr/>
+          <p:nvPr/>
+        </p:nvSpPr>
+        <p:spPr>
+          <a:xfrm>
+            <a:off x="8978014" y="1764079"/>
+            <a:ext cx="1638944" cy="1239253"/>
+          </a:xfrm>
+          <a:prstGeom prst="ellipse">
+            <a:avLst/>
+          </a:prstGeom>
+          <a:ln>
+            <a:headEnd type="none" w="med" len="med"/>
+            <a:tailEnd type="none" w="med" len="med"/>
+          </a:ln>
+        </p:spPr>
+        <p:style>
+          <a:lnRef idx="2">
+            <a:schemeClr val="accent5"/>
+          </a:lnRef>
+          <a:fillRef idx="1">
+            <a:schemeClr val="lt1"/>
+          </a:fillRef>
+          <a:effectRef idx="0">
+            <a:schemeClr val="accent5"/>
+          </a:effectRef>
+          <a:fontRef idx="minor">
+            <a:schemeClr val="dk1"/>
+          </a:fontRef>
+        </p:style>
+        <p:txBody>
+          <a:bodyPr rtlCol="0" anchor="ctr"/>
+          <a:lstStyle/>
+          <a:p>
+            <a:pPr algn="ctr"/>
+            <a:endParaRPr lang="de-DE" b="1">
+              <a:ln w="22225">
+                <a:solidFill>
+                  <a:schemeClr val="accent2"/>
+                </a:solidFill>
+                <a:prstDash val="solid"/>
+              </a:ln>
+              <a:solidFill>
+                <a:schemeClr val="accent2">
+                  <a:lumMod val="40000"/>
+                  <a:lumOff val="60000"/>
+                </a:schemeClr>
+              </a:solidFill>
+            </a:endParaRPr>
+          </a:p>
+        </p:txBody>
+      </p:sp>
+      <p:sp>
+        <p:nvSpPr>
+          <p:cNvPr id="21" name="Abgerundetes Rechteck 20"/>
+          <p:cNvSpPr/>
+          <p:nvPr/>
+        </p:nvSpPr>
+        <p:spPr>
+          <a:xfrm>
+            <a:off x="4601358" y="1737358"/>
+            <a:ext cx="3173931" cy="4531095"/>
+          </a:xfrm>
+          <a:prstGeom prst="roundRect">
+            <a:avLst/>
+          </a:prstGeom>
+        </p:spPr>
+        <p:style>
+          <a:lnRef idx="1">
+            <a:schemeClr val="accent4"/>
+          </a:lnRef>
+          <a:fillRef idx="2">
+            <a:schemeClr val="accent4"/>
+          </a:fillRef>
+          <a:effectRef idx="1">
+            <a:schemeClr val="accent4"/>
+          </a:effectRef>
+          <a:fontRef idx="minor">
+            <a:schemeClr val="dk1"/>
+          </a:fontRef>
+        </p:style>
+        <p:txBody>
+          <a:bodyPr rtlCol="0" anchor="t"/>
+          <a:lstStyle/>
+          <a:p>
+            <a:endParaRPr lang="de-DE" dirty="0" smtClean="0"/>
+          </a:p>
+          <a:p>
+            <a:endParaRPr lang="de-DE" dirty="0"/>
+          </a:p>
+          <a:p>
+            <a:endParaRPr lang="de-DE" dirty="0" smtClean="0"/>
+          </a:p>
+          <a:p>
+            <a:endParaRPr lang="de-DE" dirty="0"/>
+          </a:p>
+          <a:p>
+            <a:pPr marL="285750" indent="-285750">
+              <a:buFont typeface="Wingdings" panose="05000000000000000000" pitchFamily="2" charset="2"/>
+              <a:buChar char="Ø"/>
+            </a:pPr>
+            <a:r>
+              <a:rPr lang="de-DE" dirty="0" smtClean="0"/>
+              <a:t>Open Source</a:t>
+            </a:r>
+          </a:p>
+          <a:p>
+            <a:pPr marL="285750" indent="-285750">
+              <a:buFont typeface="Wingdings" panose="05000000000000000000" pitchFamily="2" charset="2"/>
+              <a:buChar char="Ø"/>
+            </a:pPr>
+            <a:r>
+              <a:rPr lang="de-DE" dirty="0" smtClean="0"/>
+              <a:t>Anzahl der Clients unbegrenzt</a:t>
+            </a:r>
+          </a:p>
+          <a:p>
+            <a:pPr marL="285750" indent="-285750">
+              <a:buFont typeface="Wingdings" panose="05000000000000000000" pitchFamily="2" charset="2"/>
+              <a:buChar char="Ø"/>
+            </a:pPr>
+            <a:r>
+              <a:rPr lang="de-DE" dirty="0" smtClean="0"/>
+              <a:t>Linux</a:t>
+            </a:r>
+          </a:p>
+          <a:p>
+            <a:pPr marL="285750" indent="-285750">
+              <a:buFont typeface="Wingdings" panose="05000000000000000000" pitchFamily="2" charset="2"/>
+              <a:buChar char="Ø"/>
+            </a:pPr>
+            <a:r>
+              <a:rPr lang="de-DE" dirty="0" smtClean="0"/>
+              <a:t>Hoher Einarbeitungsaufwand</a:t>
+            </a:r>
+            <a:endParaRPr lang="de-DE" dirty="0"/>
+          </a:p>
+        </p:txBody>
+      </p:sp>
+      <p:sp>
+        <p:nvSpPr>
+          <p:cNvPr id="19" name="Ellipse 18"/>
+          <p:cNvSpPr/>
+          <p:nvPr/>
+        </p:nvSpPr>
+        <p:spPr>
+          <a:xfrm>
+            <a:off x="5307008" y="1790800"/>
+            <a:ext cx="1638944" cy="1239253"/>
+          </a:xfrm>
+          <a:prstGeom prst="ellipse">
+            <a:avLst/>
+          </a:prstGeom>
+          <a:ln>
+            <a:headEnd type="none" w="med" len="med"/>
+            <a:tailEnd type="none" w="med" len="med"/>
+          </a:ln>
+        </p:spPr>
+        <p:style>
+          <a:lnRef idx="2">
+            <a:schemeClr val="accent5"/>
+          </a:lnRef>
+          <a:fillRef idx="1">
+            <a:schemeClr val="lt1"/>
+          </a:fillRef>
+          <a:effectRef idx="0">
+            <a:schemeClr val="accent5"/>
+          </a:effectRef>
+          <a:fontRef idx="minor">
+            <a:schemeClr val="dk1"/>
+          </a:fontRef>
+        </p:style>
+        <p:txBody>
+          <a:bodyPr rtlCol="0" anchor="ctr"/>
+          <a:lstStyle/>
+          <a:p>
+            <a:pPr algn="ctr"/>
+            <a:endParaRPr lang="de-DE" b="1">
+              <a:ln w="22225">
+                <a:solidFill>
+                  <a:schemeClr val="accent2"/>
+                </a:solidFill>
+                <a:prstDash val="solid"/>
+              </a:ln>
+              <a:solidFill>
+                <a:schemeClr val="accent2">
+                  <a:lumMod val="40000"/>
+                  <a:lumOff val="60000"/>
+                </a:schemeClr>
+              </a:solidFill>
+            </a:endParaRPr>
+          </a:p>
+        </p:txBody>
+      </p:sp>
+      <p:sp>
+        <p:nvSpPr>
+          <p:cNvPr id="20" name="Abgerundetes Rechteck 19"/>
+          <p:cNvSpPr/>
+          <p:nvPr/>
+        </p:nvSpPr>
+        <p:spPr>
+          <a:xfrm>
+            <a:off x="1097280" y="1737360"/>
+            <a:ext cx="3173931" cy="4531093"/>
+          </a:xfrm>
+          <a:prstGeom prst="roundRect">
+            <a:avLst/>
+          </a:prstGeom>
+        </p:spPr>
+        <p:style>
+          <a:lnRef idx="1">
+            <a:schemeClr val="accent4"/>
+          </a:lnRef>
+          <a:fillRef idx="2">
+            <a:schemeClr val="accent4"/>
+          </a:fillRef>
+          <a:effectRef idx="1">
+            <a:schemeClr val="accent4"/>
+          </a:effectRef>
+          <a:fontRef idx="minor">
+            <a:schemeClr val="dk1"/>
+          </a:fontRef>
+        </p:style>
+        <p:txBody>
+          <a:bodyPr rtlCol="0" anchor="t"/>
+          <a:lstStyle/>
+          <a:p>
+            <a:endParaRPr lang="de-DE" dirty="0" smtClean="0"/>
+          </a:p>
+          <a:p>
+            <a:endParaRPr lang="de-DE" dirty="0"/>
+          </a:p>
+          <a:p>
+            <a:endParaRPr lang="de-DE" dirty="0" smtClean="0"/>
+          </a:p>
+          <a:p>
+            <a:endParaRPr lang="de-DE" dirty="0"/>
+          </a:p>
+          <a:p>
+            <a:pPr marL="285750" indent="-285750">
+              <a:buFont typeface="Wingdings" panose="05000000000000000000" pitchFamily="2" charset="2"/>
+              <a:buChar char="Ø"/>
+            </a:pPr>
+            <a:r>
+              <a:rPr lang="de-DE" dirty="0" smtClean="0"/>
+              <a:t>Lizensiert</a:t>
+            </a:r>
+          </a:p>
+          <a:p>
+            <a:pPr marL="285750" indent="-285750">
+              <a:buFont typeface="Wingdings" panose="05000000000000000000" pitchFamily="2" charset="2"/>
+              <a:buChar char="Ø"/>
+            </a:pPr>
+            <a:r>
+              <a:rPr lang="de-DE" dirty="0" smtClean="0"/>
+              <a:t>Anzahl der Clients unbegrenzt</a:t>
+            </a:r>
+          </a:p>
+          <a:p>
+            <a:pPr marL="285750" indent="-285750">
+              <a:buFont typeface="Wingdings" panose="05000000000000000000" pitchFamily="2" charset="2"/>
+              <a:buChar char="Ø"/>
+            </a:pPr>
+            <a:r>
+              <a:rPr lang="de-DE" dirty="0" smtClean="0"/>
+              <a:t>Linux</a:t>
+            </a:r>
+          </a:p>
+          <a:p>
+            <a:pPr marL="285750" indent="-285750">
+              <a:buFont typeface="Wingdings" panose="05000000000000000000" pitchFamily="2" charset="2"/>
+              <a:buChar char="Ø"/>
+            </a:pPr>
+            <a:r>
+              <a:rPr lang="de-DE" dirty="0" smtClean="0"/>
+              <a:t>Geringer Einarbeitungsaufwand</a:t>
+            </a:r>
+            <a:endParaRPr lang="de-DE" dirty="0"/>
+          </a:p>
+        </p:txBody>
+      </p:sp>
       <p:graphicFrame>
         <p:nvGraphicFramePr>
           <p:cNvPr id="2" name="Diagramm 1"/>
           <p:cNvGraphicFramePr/>
-          <p:nvPr/>
+          <p:nvPr>
+            <p:extLst>
+              <p:ext uri="{D42A27DB-BD31-4B8C-83A1-F6EECF244321}">
+                <p14:modId xmlns:p14="http://schemas.microsoft.com/office/powerpoint/2010/main" val="2711588052"/>
+              </p:ext>
+            </p:extLst>
+          </p:nvPr>
         </p:nvGraphicFramePr>
         <p:xfrm>
           <a:off x="84406" y="6420662"/>
@@ -34258,6 +32862,29 @@
       </p:graphicFrame>
       <p:sp>
         <p:nvSpPr>
+          <p:cNvPr id="10" name="Titel 9"/>
+          <p:cNvSpPr>
+            <a:spLocks noGrp="1"/>
+          </p:cNvSpPr>
+          <p:nvPr>
+            <p:ph type="title"/>
+          </p:nvPr>
+        </p:nvSpPr>
+        <p:spPr/>
+        <p:txBody>
+          <a:bodyPr/>
+          <a:lstStyle/>
+          <a:p>
+            <a:r>
+              <a:rPr lang="de-DE" dirty="0" smtClean="0"/>
+              <a:t>Produktanalyse</a:t>
+            </a:r>
+            <a:endParaRPr lang="de-DE" dirty="0"/>
+          </a:p>
+        </p:txBody>
+      </p:sp>
+      <p:sp>
+        <p:nvSpPr>
           <p:cNvPr id="3" name="Foliennummernplatzhalter 2"/>
           <p:cNvSpPr>
             <a:spLocks noGrp="1"/>
@@ -34266,12 +32893,7 @@
             <p:ph type="sldNum" sz="quarter" idx="12"/>
           </p:nvPr>
         </p:nvSpPr>
-        <p:spPr>
-          <a:xfrm>
-            <a:off x="10846191" y="6442700"/>
-            <a:ext cx="1312025" cy="365125"/>
-          </a:xfrm>
-        </p:spPr>
+        <p:spPr/>
         <p:txBody>
           <a:bodyPr/>
           <a:lstStyle/>
@@ -34323,6 +32945,135 @@
           </a:prstGeom>
         </p:spPr>
       </p:pic>
+      <p:pic>
+        <p:nvPicPr>
+          <p:cNvPr id="14" name="Inhaltsplatzhalter 13"/>
+          <p:cNvPicPr>
+            <a:picLocks noGrp="1" noChangeAspect="1"/>
+          </p:cNvPicPr>
+          <p:nvPr>
+            <p:ph idx="1"/>
+          </p:nvPr>
+        </p:nvPicPr>
+        <p:blipFill>
+          <a:blip r:embed="rId8"/>
+          <a:stretch>
+            <a:fillRect/>
+          </a:stretch>
+        </p:blipFill>
+        <p:spPr>
+          <a:xfrm>
+            <a:off x="9251171" y="1973969"/>
+            <a:ext cx="1092629" cy="819472"/>
+          </a:xfrm>
+          <a:prstGeom prst="rect">
+            <a:avLst/>
+          </a:prstGeom>
+        </p:spPr>
+      </p:pic>
+      <p:pic>
+        <p:nvPicPr>
+          <p:cNvPr id="15" name="Grafik 14"/>
+          <p:cNvPicPr>
+            <a:picLocks noChangeAspect="1"/>
+          </p:cNvPicPr>
+          <p:nvPr/>
+        </p:nvPicPr>
+        <p:blipFill>
+          <a:blip r:embed="rId9"/>
+          <a:stretch>
+            <a:fillRect/>
+          </a:stretch>
+        </p:blipFill>
+        <p:spPr>
+          <a:xfrm>
+            <a:off x="5630361" y="2032831"/>
+            <a:ext cx="1115923" cy="657536"/>
+          </a:xfrm>
+          <a:prstGeom prst="rect">
+            <a:avLst/>
+          </a:prstGeom>
+        </p:spPr>
+      </p:pic>
+      <p:sp>
+        <p:nvSpPr>
+          <p:cNvPr id="23" name="Ellipse 22"/>
+          <p:cNvSpPr/>
+          <p:nvPr/>
+        </p:nvSpPr>
+        <p:spPr>
+          <a:xfrm>
+            <a:off x="1774203" y="1764079"/>
+            <a:ext cx="1638944" cy="1239253"/>
+          </a:xfrm>
+          <a:prstGeom prst="ellipse">
+            <a:avLst/>
+          </a:prstGeom>
+          <a:ln>
+            <a:headEnd type="none" w="med" len="med"/>
+            <a:tailEnd type="none" w="med" len="med"/>
+          </a:ln>
+        </p:spPr>
+        <p:style>
+          <a:lnRef idx="2">
+            <a:schemeClr val="accent5"/>
+          </a:lnRef>
+          <a:fillRef idx="1">
+            <a:schemeClr val="lt1"/>
+          </a:fillRef>
+          <a:effectRef idx="0">
+            <a:schemeClr val="accent5"/>
+          </a:effectRef>
+          <a:fontRef idx="minor">
+            <a:schemeClr val="dk1"/>
+          </a:fontRef>
+        </p:style>
+        <p:txBody>
+          <a:bodyPr rtlCol="0" anchor="ctr"/>
+          <a:lstStyle/>
+          <a:p>
+            <a:pPr algn="ctr"/>
+            <a:endParaRPr lang="de-DE" b="1">
+              <a:ln w="22225">
+                <a:solidFill>
+                  <a:schemeClr val="accent2"/>
+                </a:solidFill>
+                <a:prstDash val="solid"/>
+              </a:ln>
+              <a:solidFill>
+                <a:schemeClr val="accent2">
+                  <a:lumMod val="40000"/>
+                  <a:lumOff val="60000"/>
+                </a:schemeClr>
+              </a:solidFill>
+            </a:endParaRPr>
+          </a:p>
+        </p:txBody>
+      </p:sp>
+      <p:pic>
+        <p:nvPicPr>
+          <p:cNvPr id="24" name="Grafik 23"/>
+          <p:cNvPicPr>
+            <a:picLocks noChangeAspect="1"/>
+          </p:cNvPicPr>
+          <p:nvPr/>
+        </p:nvPicPr>
+        <p:blipFill>
+          <a:blip r:embed="rId10"/>
+          <a:stretch>
+            <a:fillRect/>
+          </a:stretch>
+        </p:blipFill>
+        <p:spPr>
+          <a:xfrm>
+            <a:off x="1897958" y="2073542"/>
+            <a:ext cx="1391433" cy="576114"/>
+          </a:xfrm>
+          <a:prstGeom prst="rect">
+            <a:avLst/>
+          </a:prstGeom>
+        </p:spPr>
+      </p:pic>
     </p:spTree>
     <p:extLst>
       <p:ext uri="{BB962C8B-B14F-4D97-AF65-F5344CB8AC3E}">
@@ -34333,6 +33084,13 @@
   <p:clrMapOvr>
     <a:masterClrMapping/>
   </p:clrMapOvr>
+  <p:timing>
+    <p:tnLst>
+      <p:par>
+        <p:cTn id="1" dur="indefinite" restart="never" nodeType="tmRoot"/>
+      </p:par>
+    </p:tnLst>
+  </p:timing>
 </p:sld>
 </file>
 
@@ -34353,11 +33111,127 @@
           <a:chExt cx="0" cy="0"/>
         </a:xfrm>
       </p:grpSpPr>
+      <p:sp>
+        <p:nvSpPr>
+          <p:cNvPr id="16" name="Ellipse 15"/>
+          <p:cNvSpPr/>
+          <p:nvPr/>
+        </p:nvSpPr>
+        <p:spPr>
+          <a:xfrm>
+            <a:off x="9963687" y="2255781"/>
+            <a:ext cx="1185565" cy="835613"/>
+          </a:xfrm>
+          <a:prstGeom prst="ellipse">
+            <a:avLst/>
+          </a:prstGeom>
+          <a:ln>
+            <a:headEnd type="none" w="med" len="med"/>
+            <a:tailEnd type="none" w="med" len="med"/>
+          </a:ln>
+        </p:spPr>
+        <p:style>
+          <a:lnRef idx="2">
+            <a:schemeClr val="accent5"/>
+          </a:lnRef>
+          <a:fillRef idx="1">
+            <a:schemeClr val="lt1"/>
+          </a:fillRef>
+          <a:effectRef idx="0">
+            <a:schemeClr val="accent5"/>
+          </a:effectRef>
+          <a:fontRef idx="minor">
+            <a:schemeClr val="dk1"/>
+          </a:fontRef>
+        </p:style>
+        <p:txBody>
+          <a:bodyPr rtlCol="0" anchor="ctr"/>
+          <a:lstStyle/>
+          <a:p>
+            <a:pPr algn="ctr"/>
+            <a:endParaRPr lang="de-DE" b="1">
+              <a:ln w="22225">
+                <a:solidFill>
+                  <a:schemeClr val="accent2"/>
+                </a:solidFill>
+                <a:prstDash val="solid"/>
+              </a:ln>
+              <a:solidFill>
+                <a:schemeClr val="accent2">
+                  <a:lumMod val="40000"/>
+                  <a:lumOff val="60000"/>
+                </a:schemeClr>
+              </a:solidFill>
+            </a:endParaRPr>
+          </a:p>
+        </p:txBody>
+      </p:sp>
+      <p:sp>
+        <p:nvSpPr>
+          <p:cNvPr id="15" name="Ellipse 14"/>
+          <p:cNvSpPr/>
+          <p:nvPr/>
+        </p:nvSpPr>
+        <p:spPr>
+          <a:xfrm>
+            <a:off x="7051056" y="2260107"/>
+            <a:ext cx="1185565" cy="835613"/>
+          </a:xfrm>
+          <a:prstGeom prst="ellipse">
+            <a:avLst/>
+          </a:prstGeom>
+          <a:ln>
+            <a:headEnd type="none" w="med" len="med"/>
+            <a:tailEnd type="none" w="med" len="med"/>
+          </a:ln>
+        </p:spPr>
+        <p:style>
+          <a:lnRef idx="2">
+            <a:schemeClr val="accent5"/>
+          </a:lnRef>
+          <a:fillRef idx="1">
+            <a:schemeClr val="lt1"/>
+          </a:fillRef>
+          <a:effectRef idx="0">
+            <a:schemeClr val="accent5"/>
+          </a:effectRef>
+          <a:fontRef idx="minor">
+            <a:schemeClr val="dk1"/>
+          </a:fontRef>
+        </p:style>
+        <p:txBody>
+          <a:bodyPr rtlCol="0" anchor="ctr"/>
+          <a:lstStyle/>
+          <a:p>
+            <a:pPr algn="ctr"/>
+            <a:endParaRPr lang="de-DE" b="1">
+              <a:ln w="22225">
+                <a:solidFill>
+                  <a:schemeClr val="accent2"/>
+                </a:solidFill>
+                <a:prstDash val="solid"/>
+              </a:ln>
+              <a:solidFill>
+                <a:schemeClr val="accent2">
+                  <a:lumMod val="40000"/>
+                  <a:lumOff val="60000"/>
+                </a:schemeClr>
+              </a:solidFill>
+            </a:endParaRPr>
+          </a:p>
+        </p:txBody>
+      </p:sp>
       <p:graphicFrame>
         <p:nvGraphicFramePr>
           <p:cNvPr id="2" name="Diagramm 1"/>
           <p:cNvGraphicFramePr/>
-          <p:nvPr/>
+          <p:nvPr>
+            <p:extLst>
+              <p:ext uri="{D42A27DB-BD31-4B8C-83A1-F6EECF244321}">
+                <p14:modId xmlns:p14="http://schemas.microsoft.com/office/powerpoint/2010/main" val="1597489350"/>
+              </p:ext>
+            </p:extLst>
+          </p:nvPr>
         </p:nvGraphicFramePr>
         <p:xfrm>
           <a:off x="84406" y="6420662"/>
@@ -34371,6 +33245,1041 @@
       </p:graphicFrame>
       <p:sp>
         <p:nvSpPr>
+          <p:cNvPr id="5" name="Titel 4"/>
+          <p:cNvSpPr>
+            <a:spLocks noGrp="1"/>
+          </p:cNvSpPr>
+          <p:nvPr>
+            <p:ph type="title"/>
+          </p:nvPr>
+        </p:nvSpPr>
+        <p:spPr/>
+        <p:txBody>
+          <a:bodyPr/>
+          <a:lstStyle/>
+          <a:p>
+            <a:r>
+              <a:rPr lang="de-DE" dirty="0" smtClean="0"/>
+              <a:t>Nutzwertanalyse</a:t>
+            </a:r>
+            <a:endParaRPr lang="de-DE" dirty="0"/>
+          </a:p>
+        </p:txBody>
+      </p:sp>
+      <p:graphicFrame>
+        <p:nvGraphicFramePr>
+          <p:cNvPr id="8" name="Inhaltsplatzhalter 7"/>
+          <p:cNvGraphicFramePr>
+            <a:graphicFrameLocks noGrp="1"/>
+          </p:cNvGraphicFramePr>
+          <p:nvPr>
+            <p:ph idx="1"/>
+            <p:extLst>
+              <p:ext uri="{D42A27DB-BD31-4B8C-83A1-F6EECF244321}">
+                <p14:modId xmlns:p14="http://schemas.microsoft.com/office/powerpoint/2010/main" val="268199164"/>
+              </p:ext>
+            </p:extLst>
+          </p:nvPr>
+        </p:nvGraphicFramePr>
+        <p:xfrm>
+          <a:off x="120316" y="3145676"/>
+          <a:ext cx="11935249" cy="3169920"/>
+        </p:xfrm>
+        <a:graphic>
+          <a:graphicData uri="http://schemas.openxmlformats.org/drawingml/2006/table">
+            <a:tbl>
+              <a:tblPr firstRow="1" bandRow="1">
+                <a:tableStyleId>{5C22544A-7EE6-4342-B048-85BDC9FD1C3A}</a:tableStyleId>
+              </a:tblPr>
+              <a:tblGrid>
+                <a:gridCol w="2310065">
+                  <a:extLst>
+                    <a:ext uri="{9D8B030D-6E8A-4147-A177-3AD203B41FA5}">
+                      <a16:colId xmlns:a16="http://schemas.microsoft.com/office/drawing/2014/main" val="883065858"/>
+                    </a:ext>
+                  </a:extLst>
+                </a:gridCol>
+                <a:gridCol w="1299410">
+                  <a:extLst>
+                    <a:ext uri="{9D8B030D-6E8A-4147-A177-3AD203B41FA5}">
+                      <a16:colId xmlns:a16="http://schemas.microsoft.com/office/drawing/2014/main" val="2247836319"/>
+                    </a:ext>
+                  </a:extLst>
+                </a:gridCol>
+                <a:gridCol w="1227222">
+                  <a:extLst>
+                    <a:ext uri="{9D8B030D-6E8A-4147-A177-3AD203B41FA5}">
+                      <a16:colId xmlns:a16="http://schemas.microsoft.com/office/drawing/2014/main" val="1250291147"/>
+                    </a:ext>
+                  </a:extLst>
+                </a:gridCol>
+                <a:gridCol w="1197104">
+                  <a:extLst>
+                    <a:ext uri="{9D8B030D-6E8A-4147-A177-3AD203B41FA5}">
+                      <a16:colId xmlns:a16="http://schemas.microsoft.com/office/drawing/2014/main" val="3652003718"/>
+                    </a:ext>
+                  </a:extLst>
+                </a:gridCol>
+                <a:gridCol w="1475362">
+                  <a:extLst>
+                    <a:ext uri="{9D8B030D-6E8A-4147-A177-3AD203B41FA5}">
+                      <a16:colId xmlns:a16="http://schemas.microsoft.com/office/drawing/2014/main" val="97880747"/>
+                    </a:ext>
+                  </a:extLst>
+                </a:gridCol>
+                <a:gridCol w="1475362">
+                  <a:extLst>
+                    <a:ext uri="{9D8B030D-6E8A-4147-A177-3AD203B41FA5}">
+                      <a16:colId xmlns:a16="http://schemas.microsoft.com/office/drawing/2014/main" val="1941753034"/>
+                    </a:ext>
+                  </a:extLst>
+                </a:gridCol>
+                <a:gridCol w="1475362">
+                  <a:extLst>
+                    <a:ext uri="{9D8B030D-6E8A-4147-A177-3AD203B41FA5}">
+                      <a16:colId xmlns:a16="http://schemas.microsoft.com/office/drawing/2014/main" val="1449605530"/>
+                    </a:ext>
+                  </a:extLst>
+                </a:gridCol>
+                <a:gridCol w="1475362">
+                  <a:extLst>
+                    <a:ext uri="{9D8B030D-6E8A-4147-A177-3AD203B41FA5}">
+                      <a16:colId xmlns:a16="http://schemas.microsoft.com/office/drawing/2014/main" val="4279286001"/>
+                    </a:ext>
+                  </a:extLst>
+                </a:gridCol>
+              </a:tblGrid>
+              <a:tr h="380807">
+                <a:tc>
+                  <a:txBody>
+                    <a:bodyPr/>
+                    <a:lstStyle/>
+                    <a:p>
+                      <a:r>
+                        <a:rPr lang="de-DE" sz="1600" dirty="0" smtClean="0"/>
+                        <a:t>Kriterien</a:t>
+                      </a:r>
+                      <a:endParaRPr lang="de-DE" sz="1600" dirty="0"/>
+                    </a:p>
+                  </a:txBody>
+                  <a:tcPr/>
+                </a:tc>
+                <a:tc>
+                  <a:txBody>
+                    <a:bodyPr/>
+                    <a:lstStyle/>
+                    <a:p>
+                      <a:r>
+                        <a:rPr lang="de-DE" sz="1600" dirty="0" smtClean="0"/>
+                        <a:t>Gewichtungsfaktor</a:t>
+                      </a:r>
+                      <a:endParaRPr lang="de-DE" sz="1600" dirty="0"/>
+                    </a:p>
+                  </a:txBody>
+                  <a:tcPr/>
+                </a:tc>
+                <a:tc>
+                  <a:txBody>
+                    <a:bodyPr/>
+                    <a:lstStyle/>
+                    <a:p>
+                      <a:r>
+                        <a:rPr lang="de-DE" sz="1600" dirty="0" smtClean="0"/>
+                        <a:t>Punktewert</a:t>
+                      </a:r>
+                      <a:endParaRPr lang="de-DE" sz="1600" dirty="0"/>
+                    </a:p>
+                  </a:txBody>
+                  <a:tcPr/>
+                </a:tc>
+                <a:tc>
+                  <a:txBody>
+                    <a:bodyPr/>
+                    <a:lstStyle/>
+                    <a:p>
+                      <a:r>
+                        <a:rPr lang="de-DE" sz="1600" dirty="0" smtClean="0"/>
+                        <a:t>Gewichtet</a:t>
+                      </a:r>
+                    </a:p>
+                  </a:txBody>
+                  <a:tcPr/>
+                </a:tc>
+                <a:tc>
+                  <a:txBody>
+                    <a:bodyPr/>
+                    <a:lstStyle/>
+                    <a:p>
+                      <a:r>
+                        <a:rPr lang="de-DE" sz="1600" dirty="0" smtClean="0"/>
+                        <a:t>Punktewert</a:t>
+                      </a:r>
+                      <a:endParaRPr lang="de-DE" sz="1600" dirty="0"/>
+                    </a:p>
+                  </a:txBody>
+                  <a:tcPr/>
+                </a:tc>
+                <a:tc>
+                  <a:txBody>
+                    <a:bodyPr/>
+                    <a:lstStyle/>
+                    <a:p>
+                      <a:r>
+                        <a:rPr lang="de-DE" sz="1600" dirty="0" smtClean="0"/>
+                        <a:t>Gewichtet</a:t>
+                      </a:r>
+                      <a:endParaRPr lang="de-DE" sz="1600" dirty="0"/>
+                    </a:p>
+                  </a:txBody>
+                  <a:tcPr/>
+                </a:tc>
+                <a:tc>
+                  <a:txBody>
+                    <a:bodyPr/>
+                    <a:lstStyle/>
+                    <a:p>
+                      <a:r>
+                        <a:rPr lang="de-DE" sz="1600" dirty="0" smtClean="0"/>
+                        <a:t>Punktewert</a:t>
+                      </a:r>
+                      <a:endParaRPr lang="de-DE" sz="1600" dirty="0"/>
+                    </a:p>
+                  </a:txBody>
+                  <a:tcPr/>
+                </a:tc>
+                <a:tc>
+                  <a:txBody>
+                    <a:bodyPr/>
+                    <a:lstStyle/>
+                    <a:p>
+                      <a:r>
+                        <a:rPr lang="de-DE" sz="1600" dirty="0" err="1" smtClean="0"/>
+                        <a:t>Gewichet</a:t>
+                      </a:r>
+                      <a:endParaRPr lang="de-DE" sz="1600" dirty="0"/>
+                    </a:p>
+                  </a:txBody>
+                  <a:tcPr/>
+                </a:tc>
+                <a:extLst>
+                  <a:ext uri="{0D108BD9-81ED-4DB2-BD59-A6C34878D82A}">
+                    <a16:rowId xmlns:a16="http://schemas.microsoft.com/office/drawing/2014/main" val="3450308565"/>
+                  </a:ext>
+                </a:extLst>
+              </a:tr>
+              <a:tr h="272240">
+                <a:tc>
+                  <a:txBody>
+                    <a:bodyPr/>
+                    <a:lstStyle/>
+                    <a:p>
+                      <a:r>
+                        <a:rPr lang="de-DE" sz="1600" dirty="0" smtClean="0"/>
+                        <a:t>Konfigurationsaufwand</a:t>
+                      </a:r>
+                      <a:endParaRPr lang="de-DE" sz="1600" dirty="0"/>
+                    </a:p>
+                  </a:txBody>
+                  <a:tcPr/>
+                </a:tc>
+                <a:tc>
+                  <a:txBody>
+                    <a:bodyPr/>
+                    <a:lstStyle/>
+                    <a:p>
+                      <a:r>
+                        <a:rPr lang="de-DE" sz="1600" dirty="0" smtClean="0"/>
+                        <a:t>20%</a:t>
+                      </a:r>
+                      <a:endParaRPr lang="de-DE" sz="1600" dirty="0"/>
+                    </a:p>
+                  </a:txBody>
+                  <a:tcPr/>
+                </a:tc>
+                <a:tc>
+                  <a:txBody>
+                    <a:bodyPr/>
+                    <a:lstStyle/>
+                    <a:p>
+                      <a:r>
+                        <a:rPr lang="de-DE" sz="1600" dirty="0" smtClean="0"/>
+                        <a:t>5</a:t>
+                      </a:r>
+                      <a:endParaRPr lang="de-DE" sz="1600" dirty="0"/>
+                    </a:p>
+                  </a:txBody>
+                  <a:tcPr/>
+                </a:tc>
+                <a:tc>
+                  <a:txBody>
+                    <a:bodyPr/>
+                    <a:lstStyle/>
+                    <a:p>
+                      <a:r>
+                        <a:rPr lang="de-DE" sz="1600" dirty="0" smtClean="0"/>
+                        <a:t>1</a:t>
+                      </a:r>
+                      <a:endParaRPr lang="de-DE" sz="1600" dirty="0"/>
+                    </a:p>
+                  </a:txBody>
+                  <a:tcPr/>
+                </a:tc>
+                <a:tc>
+                  <a:txBody>
+                    <a:bodyPr/>
+                    <a:lstStyle/>
+                    <a:p>
+                      <a:r>
+                        <a:rPr lang="de-DE" sz="1600" dirty="0" smtClean="0"/>
+                        <a:t>1</a:t>
+                      </a:r>
+                      <a:endParaRPr lang="de-DE" sz="1600" dirty="0"/>
+                    </a:p>
+                  </a:txBody>
+                  <a:tcPr/>
+                </a:tc>
+                <a:tc>
+                  <a:txBody>
+                    <a:bodyPr/>
+                    <a:lstStyle/>
+                    <a:p>
+                      <a:r>
+                        <a:rPr lang="de-DE" sz="1600" dirty="0" smtClean="0"/>
+                        <a:t>0,2</a:t>
+                      </a:r>
+                      <a:endParaRPr lang="de-DE" sz="1600" dirty="0"/>
+                    </a:p>
+                  </a:txBody>
+                  <a:tcPr/>
+                </a:tc>
+                <a:tc>
+                  <a:txBody>
+                    <a:bodyPr/>
+                    <a:lstStyle/>
+                    <a:p>
+                      <a:r>
+                        <a:rPr lang="de-DE" sz="1600" dirty="0" smtClean="0"/>
+                        <a:t>5</a:t>
+                      </a:r>
+                      <a:endParaRPr lang="de-DE" sz="1600" dirty="0"/>
+                    </a:p>
+                  </a:txBody>
+                  <a:tcPr/>
+                </a:tc>
+                <a:tc>
+                  <a:txBody>
+                    <a:bodyPr/>
+                    <a:lstStyle/>
+                    <a:p>
+                      <a:r>
+                        <a:rPr lang="de-DE" sz="1600" dirty="0" smtClean="0"/>
+                        <a:t>1</a:t>
+                      </a:r>
+                      <a:endParaRPr lang="de-DE" sz="1600" dirty="0"/>
+                    </a:p>
+                  </a:txBody>
+                  <a:tcPr/>
+                </a:tc>
+                <a:extLst>
+                  <a:ext uri="{0D108BD9-81ED-4DB2-BD59-A6C34878D82A}">
+                    <a16:rowId xmlns:a16="http://schemas.microsoft.com/office/drawing/2014/main" val="3747882967"/>
+                  </a:ext>
+                </a:extLst>
+              </a:tr>
+              <a:tr h="220467">
+                <a:tc>
+                  <a:txBody>
+                    <a:bodyPr/>
+                    <a:lstStyle/>
+                    <a:p>
+                      <a:r>
+                        <a:rPr lang="de-DE" sz="1600" dirty="0" smtClean="0"/>
+                        <a:t>Kompatibilität</a:t>
+                      </a:r>
+                      <a:endParaRPr lang="de-DE" sz="1600" dirty="0"/>
+                    </a:p>
+                  </a:txBody>
+                  <a:tcPr/>
+                </a:tc>
+                <a:tc>
+                  <a:txBody>
+                    <a:bodyPr/>
+                    <a:lstStyle/>
+                    <a:p>
+                      <a:r>
+                        <a:rPr lang="de-DE" sz="1600" dirty="0" smtClean="0"/>
+                        <a:t>20%</a:t>
+                      </a:r>
+                      <a:endParaRPr lang="de-DE" sz="1600" dirty="0"/>
+                    </a:p>
+                  </a:txBody>
+                  <a:tcPr/>
+                </a:tc>
+                <a:tc>
+                  <a:txBody>
+                    <a:bodyPr/>
+                    <a:lstStyle/>
+                    <a:p>
+                      <a:r>
+                        <a:rPr lang="de-DE" sz="1600" dirty="0" smtClean="0"/>
+                        <a:t>9</a:t>
+                      </a:r>
+                      <a:endParaRPr lang="de-DE" sz="1600" dirty="0"/>
+                    </a:p>
+                  </a:txBody>
+                  <a:tcPr/>
+                </a:tc>
+                <a:tc>
+                  <a:txBody>
+                    <a:bodyPr/>
+                    <a:lstStyle/>
+                    <a:p>
+                      <a:r>
+                        <a:rPr lang="de-DE" sz="1600" dirty="0" smtClean="0"/>
+                        <a:t>1,8</a:t>
+                      </a:r>
+                      <a:endParaRPr lang="de-DE" sz="1600" dirty="0"/>
+                    </a:p>
+                  </a:txBody>
+                  <a:tcPr/>
+                </a:tc>
+                <a:tc>
+                  <a:txBody>
+                    <a:bodyPr/>
+                    <a:lstStyle/>
+                    <a:p>
+                      <a:r>
+                        <a:rPr lang="de-DE" sz="1600" dirty="0" smtClean="0"/>
+                        <a:t>7</a:t>
+                      </a:r>
+                      <a:endParaRPr lang="de-DE" sz="1600" dirty="0"/>
+                    </a:p>
+                  </a:txBody>
+                  <a:tcPr/>
+                </a:tc>
+                <a:tc>
+                  <a:txBody>
+                    <a:bodyPr/>
+                    <a:lstStyle/>
+                    <a:p>
+                      <a:r>
+                        <a:rPr lang="de-DE" sz="1600" dirty="0" smtClean="0"/>
+                        <a:t>1,4</a:t>
+                      </a:r>
+                      <a:endParaRPr lang="de-DE" sz="1600" dirty="0"/>
+                    </a:p>
+                  </a:txBody>
+                  <a:tcPr/>
+                </a:tc>
+                <a:tc>
+                  <a:txBody>
+                    <a:bodyPr/>
+                    <a:lstStyle/>
+                    <a:p>
+                      <a:r>
+                        <a:rPr lang="de-DE" sz="1600" dirty="0" smtClean="0"/>
+                        <a:t>6</a:t>
+                      </a:r>
+                      <a:endParaRPr lang="de-DE" sz="1600" dirty="0"/>
+                    </a:p>
+                  </a:txBody>
+                  <a:tcPr/>
+                </a:tc>
+                <a:tc>
+                  <a:txBody>
+                    <a:bodyPr/>
+                    <a:lstStyle/>
+                    <a:p>
+                      <a:r>
+                        <a:rPr lang="de-DE" sz="1600" dirty="0" smtClean="0"/>
+                        <a:t>1,2</a:t>
+                      </a:r>
+                      <a:endParaRPr lang="de-DE" sz="1600" dirty="0"/>
+                    </a:p>
+                  </a:txBody>
+                  <a:tcPr/>
+                </a:tc>
+                <a:extLst>
+                  <a:ext uri="{0D108BD9-81ED-4DB2-BD59-A6C34878D82A}">
+                    <a16:rowId xmlns:a16="http://schemas.microsoft.com/office/drawing/2014/main" val="2186897784"/>
+                  </a:ext>
+                </a:extLst>
+              </a:tr>
+              <a:tr h="220467">
+                <a:tc>
+                  <a:txBody>
+                    <a:bodyPr/>
+                    <a:lstStyle/>
+                    <a:p>
+                      <a:r>
+                        <a:rPr lang="de-DE" sz="1600" dirty="0" smtClean="0"/>
+                        <a:t>Funktionalität</a:t>
+                      </a:r>
+                      <a:endParaRPr lang="de-DE" sz="1600" dirty="0"/>
+                    </a:p>
+                  </a:txBody>
+                  <a:tcPr/>
+                </a:tc>
+                <a:tc>
+                  <a:txBody>
+                    <a:bodyPr/>
+                    <a:lstStyle/>
+                    <a:p>
+                      <a:r>
+                        <a:rPr lang="de-DE" sz="1600" dirty="0" smtClean="0"/>
+                        <a:t>20%</a:t>
+                      </a:r>
+                      <a:endParaRPr lang="de-DE" sz="1600" dirty="0"/>
+                    </a:p>
+                  </a:txBody>
+                  <a:tcPr/>
+                </a:tc>
+                <a:tc>
+                  <a:txBody>
+                    <a:bodyPr/>
+                    <a:lstStyle/>
+                    <a:p>
+                      <a:r>
+                        <a:rPr lang="de-DE" sz="1600" dirty="0" smtClean="0"/>
+                        <a:t>8</a:t>
+                      </a:r>
+                      <a:endParaRPr lang="de-DE" sz="1600" dirty="0"/>
+                    </a:p>
+                  </a:txBody>
+                  <a:tcPr/>
+                </a:tc>
+                <a:tc>
+                  <a:txBody>
+                    <a:bodyPr/>
+                    <a:lstStyle/>
+                    <a:p>
+                      <a:r>
+                        <a:rPr lang="de-DE" sz="1600" dirty="0" smtClean="0"/>
+                        <a:t>1,6</a:t>
+                      </a:r>
+                      <a:endParaRPr lang="de-DE" sz="1600" dirty="0"/>
+                    </a:p>
+                  </a:txBody>
+                  <a:tcPr/>
+                </a:tc>
+                <a:tc>
+                  <a:txBody>
+                    <a:bodyPr/>
+                    <a:lstStyle/>
+                    <a:p>
+                      <a:r>
+                        <a:rPr lang="de-DE" sz="1600" dirty="0" smtClean="0"/>
+                        <a:t>8</a:t>
+                      </a:r>
+                      <a:endParaRPr lang="de-DE" sz="1600" dirty="0"/>
+                    </a:p>
+                  </a:txBody>
+                  <a:tcPr/>
+                </a:tc>
+                <a:tc>
+                  <a:txBody>
+                    <a:bodyPr/>
+                    <a:lstStyle/>
+                    <a:p>
+                      <a:r>
+                        <a:rPr lang="de-DE" sz="1600" dirty="0" smtClean="0"/>
+                        <a:t>1,6</a:t>
+                      </a:r>
+                      <a:endParaRPr lang="de-DE" sz="1600" dirty="0"/>
+                    </a:p>
+                  </a:txBody>
+                  <a:tcPr/>
+                </a:tc>
+                <a:tc>
+                  <a:txBody>
+                    <a:bodyPr/>
+                    <a:lstStyle/>
+                    <a:p>
+                      <a:r>
+                        <a:rPr lang="de-DE" sz="1600" dirty="0" smtClean="0"/>
+                        <a:t>8</a:t>
+                      </a:r>
+                      <a:endParaRPr lang="de-DE" sz="1600" dirty="0"/>
+                    </a:p>
+                  </a:txBody>
+                  <a:tcPr/>
+                </a:tc>
+                <a:tc>
+                  <a:txBody>
+                    <a:bodyPr/>
+                    <a:lstStyle/>
+                    <a:p>
+                      <a:r>
+                        <a:rPr lang="de-DE" sz="1600" dirty="0" smtClean="0"/>
+                        <a:t>1,6</a:t>
+                      </a:r>
+                      <a:endParaRPr lang="de-DE" sz="1600" dirty="0"/>
+                    </a:p>
+                  </a:txBody>
+                  <a:tcPr/>
+                </a:tc>
+                <a:extLst>
+                  <a:ext uri="{0D108BD9-81ED-4DB2-BD59-A6C34878D82A}">
+                    <a16:rowId xmlns:a16="http://schemas.microsoft.com/office/drawing/2014/main" val="228528099"/>
+                  </a:ext>
+                </a:extLst>
+              </a:tr>
+              <a:tr h="220467">
+                <a:tc>
+                  <a:txBody>
+                    <a:bodyPr/>
+                    <a:lstStyle/>
+                    <a:p>
+                      <a:r>
+                        <a:rPr lang="de-DE" sz="1600" dirty="0" smtClean="0"/>
+                        <a:t>Kosten</a:t>
+                      </a:r>
+                      <a:endParaRPr lang="de-DE" sz="1600" dirty="0"/>
+                    </a:p>
+                  </a:txBody>
+                  <a:tcPr/>
+                </a:tc>
+                <a:tc>
+                  <a:txBody>
+                    <a:bodyPr/>
+                    <a:lstStyle/>
+                    <a:p>
+                      <a:r>
+                        <a:rPr lang="de-DE" sz="1600" dirty="0" smtClean="0"/>
+                        <a:t>10%</a:t>
+                      </a:r>
+                      <a:endParaRPr lang="de-DE" sz="1600" dirty="0"/>
+                    </a:p>
+                  </a:txBody>
+                  <a:tcPr/>
+                </a:tc>
+                <a:tc>
+                  <a:txBody>
+                    <a:bodyPr/>
+                    <a:lstStyle/>
+                    <a:p>
+                      <a:r>
+                        <a:rPr lang="de-DE" sz="1600" dirty="0" smtClean="0"/>
+                        <a:t>6</a:t>
+                      </a:r>
+                      <a:endParaRPr lang="de-DE" sz="1600" dirty="0"/>
+                    </a:p>
+                  </a:txBody>
+                  <a:tcPr/>
+                </a:tc>
+                <a:tc>
+                  <a:txBody>
+                    <a:bodyPr/>
+                    <a:lstStyle/>
+                    <a:p>
+                      <a:r>
+                        <a:rPr lang="de-DE" sz="1600" dirty="0" smtClean="0"/>
+                        <a:t>0,6</a:t>
+                      </a:r>
+                      <a:endParaRPr lang="de-DE" sz="1600" dirty="0"/>
+                    </a:p>
+                  </a:txBody>
+                  <a:tcPr/>
+                </a:tc>
+                <a:tc>
+                  <a:txBody>
+                    <a:bodyPr/>
+                    <a:lstStyle/>
+                    <a:p>
+                      <a:r>
+                        <a:rPr lang="de-DE" sz="1600" dirty="0" smtClean="0"/>
+                        <a:t>9</a:t>
+                      </a:r>
+                      <a:endParaRPr lang="de-DE" sz="1600" dirty="0"/>
+                    </a:p>
+                  </a:txBody>
+                  <a:tcPr/>
+                </a:tc>
+                <a:tc>
+                  <a:txBody>
+                    <a:bodyPr/>
+                    <a:lstStyle/>
+                    <a:p>
+                      <a:r>
+                        <a:rPr lang="de-DE" sz="1600" dirty="0" smtClean="0"/>
+                        <a:t>0,9</a:t>
+                      </a:r>
+                      <a:endParaRPr lang="de-DE" sz="1600" dirty="0"/>
+                    </a:p>
+                  </a:txBody>
+                  <a:tcPr/>
+                </a:tc>
+                <a:tc>
+                  <a:txBody>
+                    <a:bodyPr/>
+                    <a:lstStyle/>
+                    <a:p>
+                      <a:r>
+                        <a:rPr lang="de-DE" sz="1600" dirty="0" smtClean="0"/>
+                        <a:t>1</a:t>
+                      </a:r>
+                      <a:endParaRPr lang="de-DE" sz="1600" dirty="0"/>
+                    </a:p>
+                  </a:txBody>
+                  <a:tcPr/>
+                </a:tc>
+                <a:tc>
+                  <a:txBody>
+                    <a:bodyPr/>
+                    <a:lstStyle/>
+                    <a:p>
+                      <a:r>
+                        <a:rPr lang="de-DE" sz="1600" dirty="0" smtClean="0"/>
+                        <a:t>0,1</a:t>
+                      </a:r>
+                      <a:endParaRPr lang="de-DE" sz="1600" dirty="0"/>
+                    </a:p>
+                  </a:txBody>
+                  <a:tcPr/>
+                </a:tc>
+                <a:extLst>
+                  <a:ext uri="{0D108BD9-81ED-4DB2-BD59-A6C34878D82A}">
+                    <a16:rowId xmlns:a16="http://schemas.microsoft.com/office/drawing/2014/main" val="2908939353"/>
+                  </a:ext>
+                </a:extLst>
+              </a:tr>
+              <a:tr h="220467">
+                <a:tc>
+                  <a:txBody>
+                    <a:bodyPr/>
+                    <a:lstStyle/>
+                    <a:p>
+                      <a:r>
+                        <a:rPr lang="de-DE" sz="1600" dirty="0" err="1" smtClean="0"/>
+                        <a:t>Übertragunsqualität</a:t>
+                      </a:r>
+                      <a:endParaRPr lang="de-DE" sz="1600" dirty="0"/>
+                    </a:p>
+                  </a:txBody>
+                  <a:tcPr/>
+                </a:tc>
+                <a:tc>
+                  <a:txBody>
+                    <a:bodyPr/>
+                    <a:lstStyle/>
+                    <a:p>
+                      <a:r>
+                        <a:rPr lang="de-DE" sz="1600" dirty="0" smtClean="0"/>
+                        <a:t>30%</a:t>
+                      </a:r>
+                      <a:endParaRPr lang="de-DE" sz="1600" dirty="0"/>
+                    </a:p>
+                  </a:txBody>
+                  <a:tcPr/>
+                </a:tc>
+                <a:tc>
+                  <a:txBody>
+                    <a:bodyPr/>
+                    <a:lstStyle/>
+                    <a:p>
+                      <a:r>
+                        <a:rPr lang="de-DE" sz="1600" dirty="0" smtClean="0"/>
+                        <a:t>7</a:t>
+                      </a:r>
+                      <a:endParaRPr lang="de-DE" sz="1600" dirty="0"/>
+                    </a:p>
+                  </a:txBody>
+                  <a:tcPr/>
+                </a:tc>
+                <a:tc>
+                  <a:txBody>
+                    <a:bodyPr/>
+                    <a:lstStyle/>
+                    <a:p>
+                      <a:r>
+                        <a:rPr lang="de-DE" sz="1600" dirty="0" smtClean="0"/>
+                        <a:t>2,1</a:t>
+                      </a:r>
+                      <a:endParaRPr lang="de-DE" sz="1600" dirty="0"/>
+                    </a:p>
+                  </a:txBody>
+                  <a:tcPr/>
+                </a:tc>
+                <a:tc>
+                  <a:txBody>
+                    <a:bodyPr/>
+                    <a:lstStyle/>
+                    <a:p>
+                      <a:r>
+                        <a:rPr lang="de-DE" sz="1600" dirty="0" smtClean="0"/>
+                        <a:t>7</a:t>
+                      </a:r>
+                      <a:endParaRPr lang="de-DE" sz="1600" dirty="0"/>
+                    </a:p>
+                  </a:txBody>
+                  <a:tcPr/>
+                </a:tc>
+                <a:tc>
+                  <a:txBody>
+                    <a:bodyPr/>
+                    <a:lstStyle/>
+                    <a:p>
+                      <a:r>
+                        <a:rPr lang="de-DE" sz="1600" dirty="0" smtClean="0"/>
+                        <a:t>2,1</a:t>
+                      </a:r>
+                      <a:endParaRPr lang="de-DE" sz="1600" dirty="0"/>
+                    </a:p>
+                  </a:txBody>
+                  <a:tcPr/>
+                </a:tc>
+                <a:tc>
+                  <a:txBody>
+                    <a:bodyPr/>
+                    <a:lstStyle/>
+                    <a:p>
+                      <a:r>
+                        <a:rPr lang="de-DE" sz="1600" dirty="0" smtClean="0"/>
+                        <a:t>8</a:t>
+                      </a:r>
+                      <a:endParaRPr lang="de-DE" sz="1600" dirty="0"/>
+                    </a:p>
+                  </a:txBody>
+                  <a:tcPr/>
+                </a:tc>
+                <a:tc>
+                  <a:txBody>
+                    <a:bodyPr/>
+                    <a:lstStyle/>
+                    <a:p>
+                      <a:r>
+                        <a:rPr lang="de-DE" sz="1600" dirty="0" smtClean="0"/>
+                        <a:t>2,4</a:t>
+                      </a:r>
+                      <a:endParaRPr lang="de-DE" sz="1600" dirty="0"/>
+                    </a:p>
+                  </a:txBody>
+                  <a:tcPr/>
+                </a:tc>
+                <a:extLst>
+                  <a:ext uri="{0D108BD9-81ED-4DB2-BD59-A6C34878D82A}">
+                    <a16:rowId xmlns:a16="http://schemas.microsoft.com/office/drawing/2014/main" val="1491110995"/>
+                  </a:ext>
+                </a:extLst>
+              </a:tr>
+              <a:tr h="220467">
+                <a:tc>
+                  <a:txBody>
+                    <a:bodyPr/>
+                    <a:lstStyle/>
+                    <a:p>
+                      <a:r>
+                        <a:rPr lang="de-DE" sz="1600" dirty="0" smtClean="0"/>
+                        <a:t>Summe</a:t>
+                      </a:r>
+                      <a:endParaRPr lang="de-DE" sz="1600" dirty="0"/>
+                    </a:p>
+                  </a:txBody>
+                  <a:tcPr/>
+                </a:tc>
+                <a:tc>
+                  <a:txBody>
+                    <a:bodyPr/>
+                    <a:lstStyle/>
+                    <a:p>
+                      <a:r>
+                        <a:rPr lang="de-DE" sz="1600" dirty="0" smtClean="0"/>
+                        <a:t>100%</a:t>
+                      </a:r>
+                      <a:endParaRPr lang="de-DE" sz="1600" dirty="0"/>
+                    </a:p>
+                  </a:txBody>
+                  <a:tcPr/>
+                </a:tc>
+                <a:tc>
+                  <a:txBody>
+                    <a:bodyPr/>
+                    <a:lstStyle/>
+                    <a:p>
+                      <a:r>
+                        <a:rPr lang="de-DE" sz="1600" dirty="0" smtClean="0"/>
+                        <a:t>35</a:t>
+                      </a:r>
+                      <a:endParaRPr lang="de-DE" sz="1600" dirty="0"/>
+                    </a:p>
+                  </a:txBody>
+                  <a:tcPr/>
+                </a:tc>
+                <a:tc>
+                  <a:txBody>
+                    <a:bodyPr/>
+                    <a:lstStyle/>
+                    <a:p>
+                      <a:endParaRPr lang="de-DE" sz="1600" dirty="0"/>
+                    </a:p>
+                  </a:txBody>
+                  <a:tcPr/>
+                </a:tc>
+                <a:tc>
+                  <a:txBody>
+                    <a:bodyPr/>
+                    <a:lstStyle/>
+                    <a:p>
+                      <a:r>
+                        <a:rPr lang="de-DE" sz="1600" dirty="0" smtClean="0"/>
+                        <a:t>32</a:t>
+                      </a:r>
+                      <a:endParaRPr lang="de-DE" sz="1600" dirty="0"/>
+                    </a:p>
+                  </a:txBody>
+                  <a:tcPr/>
+                </a:tc>
+                <a:tc>
+                  <a:txBody>
+                    <a:bodyPr/>
+                    <a:lstStyle/>
+                    <a:p>
+                      <a:endParaRPr lang="de-DE" sz="1600" dirty="0"/>
+                    </a:p>
+                  </a:txBody>
+                  <a:tcPr/>
+                </a:tc>
+                <a:tc>
+                  <a:txBody>
+                    <a:bodyPr/>
+                    <a:lstStyle/>
+                    <a:p>
+                      <a:r>
+                        <a:rPr lang="de-DE" sz="1600" dirty="0" smtClean="0"/>
+                        <a:t>28</a:t>
+                      </a:r>
+                      <a:endParaRPr lang="de-DE" sz="1600" dirty="0"/>
+                    </a:p>
+                  </a:txBody>
+                  <a:tcPr/>
+                </a:tc>
+                <a:tc>
+                  <a:txBody>
+                    <a:bodyPr/>
+                    <a:lstStyle/>
+                    <a:p>
+                      <a:endParaRPr lang="de-DE" sz="1600" dirty="0"/>
+                    </a:p>
+                  </a:txBody>
+                  <a:tcPr/>
+                </a:tc>
+                <a:extLst>
+                  <a:ext uri="{0D108BD9-81ED-4DB2-BD59-A6C34878D82A}">
+                    <a16:rowId xmlns:a16="http://schemas.microsoft.com/office/drawing/2014/main" val="1920178329"/>
+                  </a:ext>
+                </a:extLst>
+              </a:tr>
+              <a:tr h="380807">
+                <a:tc>
+                  <a:txBody>
+                    <a:bodyPr/>
+                    <a:lstStyle/>
+                    <a:p>
+                      <a:r>
+                        <a:rPr lang="de-DE" sz="1600" dirty="0" smtClean="0"/>
+                        <a:t>Summe/100</a:t>
+                      </a:r>
+                      <a:endParaRPr lang="de-DE" sz="1600" dirty="0"/>
+                    </a:p>
+                  </a:txBody>
+                  <a:tcPr/>
+                </a:tc>
+                <a:tc>
+                  <a:txBody>
+                    <a:bodyPr/>
+                    <a:lstStyle/>
+                    <a:p>
+                      <a:endParaRPr lang="de-DE" sz="1600" dirty="0"/>
+                    </a:p>
+                  </a:txBody>
+                  <a:tcPr/>
+                </a:tc>
+                <a:tc>
+                  <a:txBody>
+                    <a:bodyPr/>
+                    <a:lstStyle/>
+                    <a:p>
+                      <a:endParaRPr lang="de-DE" sz="1600" dirty="0"/>
+                    </a:p>
+                  </a:txBody>
+                  <a:tcPr/>
+                </a:tc>
+                <a:tc>
+                  <a:txBody>
+                    <a:bodyPr/>
+                    <a:lstStyle/>
+                    <a:p>
+                      <a:r>
+                        <a:rPr lang="de-DE" sz="1600" dirty="0" smtClean="0"/>
+                        <a:t>7,1</a:t>
+                      </a:r>
+                      <a:endParaRPr lang="de-DE" sz="1600" dirty="0"/>
+                    </a:p>
+                  </a:txBody>
+                  <a:tcPr/>
+                </a:tc>
+                <a:tc>
+                  <a:txBody>
+                    <a:bodyPr/>
+                    <a:lstStyle/>
+                    <a:p>
+                      <a:endParaRPr lang="de-DE" sz="1600"/>
+                    </a:p>
+                  </a:txBody>
+                  <a:tcPr/>
+                </a:tc>
+                <a:tc>
+                  <a:txBody>
+                    <a:bodyPr/>
+                    <a:lstStyle/>
+                    <a:p>
+                      <a:r>
+                        <a:rPr lang="de-DE" sz="1600" dirty="0" smtClean="0"/>
+                        <a:t>6,2</a:t>
+                      </a:r>
+                      <a:endParaRPr lang="de-DE" sz="1600" dirty="0"/>
+                    </a:p>
+                  </a:txBody>
+                  <a:tcPr/>
+                </a:tc>
+                <a:tc>
+                  <a:txBody>
+                    <a:bodyPr/>
+                    <a:lstStyle/>
+                    <a:p>
+                      <a:endParaRPr lang="de-DE" sz="1600" dirty="0"/>
+                    </a:p>
+                  </a:txBody>
+                  <a:tcPr/>
+                </a:tc>
+                <a:tc>
+                  <a:txBody>
+                    <a:bodyPr/>
+                    <a:lstStyle/>
+                    <a:p>
+                      <a:r>
+                        <a:rPr lang="de-DE" sz="1600" dirty="0" smtClean="0"/>
+                        <a:t>6,3</a:t>
+                      </a:r>
+                    </a:p>
+                    <a:p>
+                      <a:endParaRPr lang="de-DE" sz="1600" dirty="0"/>
+                    </a:p>
+                  </a:txBody>
+                  <a:tcPr/>
+                </a:tc>
+                <a:extLst>
+                  <a:ext uri="{0D108BD9-81ED-4DB2-BD59-A6C34878D82A}">
+                    <a16:rowId xmlns:a16="http://schemas.microsoft.com/office/drawing/2014/main" val="3809877612"/>
+                  </a:ext>
+                </a:extLst>
+              </a:tr>
+            </a:tbl>
+          </a:graphicData>
+        </a:graphic>
+      </p:graphicFrame>
+      <p:sp>
+        <p:nvSpPr>
           <p:cNvPr id="3" name="Foliennummernplatzhalter 2"/>
           <p:cNvSpPr>
             <a:spLocks noGrp="1"/>
@@ -34379,12 +34288,7 @@
             <p:ph type="sldNum" sz="quarter" idx="12"/>
           </p:nvPr>
         </p:nvSpPr>
-        <p:spPr>
-          <a:xfrm>
-            <a:off x="10846191" y="6442700"/>
-            <a:ext cx="1312025" cy="365125"/>
-          </a:xfrm>
-        </p:spPr>
+        <p:spPr/>
         <p:txBody>
           <a:bodyPr/>
           <a:lstStyle/>
@@ -34406,6 +34310,163 @@
           </a:p>
         </p:txBody>
       </p:sp>
+      <p:pic>
+        <p:nvPicPr>
+          <p:cNvPr id="4" name="Grafik 3"/>
+          <p:cNvPicPr>
+            <a:picLocks noChangeAspect="1"/>
+          </p:cNvPicPr>
+          <p:nvPr/>
+        </p:nvPicPr>
+        <p:blipFill>
+          <a:blip r:embed="rId7">
+            <a:extLst>
+              <a:ext uri="{28A0092B-C50C-407E-A947-70E740481C1C}">
+                <a14:useLocalDpi xmlns:a14="http://schemas.microsoft.com/office/drawing/2010/main" val="0"/>
+              </a:ext>
+            </a:extLst>
+          </a:blip>
+          <a:stretch>
+            <a:fillRect/>
+          </a:stretch>
+        </p:blipFill>
+        <p:spPr>
+          <a:xfrm>
+            <a:off x="9515565" y="0"/>
+            <a:ext cx="2540000" cy="889000"/>
+          </a:xfrm>
+          <a:prstGeom prst="rect">
+            <a:avLst/>
+          </a:prstGeom>
+        </p:spPr>
+      </p:pic>
+      <p:sp>
+        <p:nvSpPr>
+          <p:cNvPr id="9" name="Ellipse 8"/>
+          <p:cNvSpPr/>
+          <p:nvPr/>
+        </p:nvSpPr>
+        <p:spPr>
+          <a:xfrm>
+            <a:off x="4409176" y="2257529"/>
+            <a:ext cx="1185565" cy="835613"/>
+          </a:xfrm>
+          <a:prstGeom prst="ellipse">
+            <a:avLst/>
+          </a:prstGeom>
+          <a:ln>
+            <a:headEnd type="none" w="med" len="med"/>
+            <a:tailEnd type="none" w="med" len="med"/>
+          </a:ln>
+        </p:spPr>
+        <p:style>
+          <a:lnRef idx="2">
+            <a:schemeClr val="accent5"/>
+          </a:lnRef>
+          <a:fillRef idx="1">
+            <a:schemeClr val="lt1"/>
+          </a:fillRef>
+          <a:effectRef idx="0">
+            <a:schemeClr val="accent5"/>
+          </a:effectRef>
+          <a:fontRef idx="minor">
+            <a:schemeClr val="dk1"/>
+          </a:fontRef>
+        </p:style>
+        <p:txBody>
+          <a:bodyPr rtlCol="0" anchor="ctr"/>
+          <a:lstStyle/>
+          <a:p>
+            <a:pPr algn="ctr"/>
+            <a:endParaRPr lang="de-DE" b="1">
+              <a:ln w="22225">
+                <a:solidFill>
+                  <a:schemeClr val="accent2"/>
+                </a:solidFill>
+                <a:prstDash val="solid"/>
+              </a:ln>
+              <a:solidFill>
+                <a:schemeClr val="accent2">
+                  <a:lumMod val="40000"/>
+                  <a:lumOff val="60000"/>
+                </a:schemeClr>
+              </a:solidFill>
+            </a:endParaRPr>
+          </a:p>
+        </p:txBody>
+      </p:sp>
+      <p:pic>
+        <p:nvPicPr>
+          <p:cNvPr id="10" name="Grafik 9"/>
+          <p:cNvPicPr>
+            <a:picLocks noChangeAspect="1"/>
+          </p:cNvPicPr>
+          <p:nvPr/>
+        </p:nvPicPr>
+        <p:blipFill>
+          <a:blip r:embed="rId8"/>
+          <a:stretch>
+            <a:fillRect/>
+          </a:stretch>
+        </p:blipFill>
+        <p:spPr>
+          <a:xfrm>
+            <a:off x="4555276" y="2490390"/>
+            <a:ext cx="893367" cy="369893"/>
+          </a:xfrm>
+          <a:prstGeom prst="rect">
+            <a:avLst/>
+          </a:prstGeom>
+        </p:spPr>
+      </p:pic>
+      <p:pic>
+        <p:nvPicPr>
+          <p:cNvPr id="13" name="Inhaltsplatzhalter 13"/>
+          <p:cNvPicPr>
+            <a:picLocks noChangeAspect="1"/>
+          </p:cNvPicPr>
+          <p:nvPr/>
+        </p:nvPicPr>
+        <p:blipFill>
+          <a:blip r:embed="rId9"/>
+          <a:stretch>
+            <a:fillRect/>
+          </a:stretch>
+        </p:blipFill>
+        <p:spPr>
+          <a:xfrm>
+            <a:off x="10188468" y="2430106"/>
+            <a:ext cx="736001" cy="552001"/>
+          </a:xfrm>
+          <a:prstGeom prst="rect">
+            <a:avLst/>
+          </a:prstGeom>
+        </p:spPr>
+      </p:pic>
+      <p:pic>
+        <p:nvPicPr>
+          <p:cNvPr id="14" name="Grafik 13"/>
+          <p:cNvPicPr>
+            <a:picLocks noChangeAspect="1"/>
+          </p:cNvPicPr>
+          <p:nvPr/>
+        </p:nvPicPr>
+        <p:blipFill>
+          <a:blip r:embed="rId10"/>
+          <a:stretch>
+            <a:fillRect/>
+          </a:stretch>
+        </p:blipFill>
+        <p:spPr>
+          <a:xfrm>
+            <a:off x="7275342" y="2412568"/>
+            <a:ext cx="832366" cy="490457"/>
+          </a:xfrm>
+          <a:prstGeom prst="rect">
+            <a:avLst/>
+          </a:prstGeom>
+        </p:spPr>
+      </p:pic>
     </p:spTree>
     <p:extLst>
       <p:ext uri="{BB962C8B-B14F-4D97-AF65-F5344CB8AC3E}">
@@ -34416,6 +34477,13 @@
   <p:clrMapOvr>
     <a:masterClrMapping/>
   </p:clrMapOvr>
+  <p:timing>
+    <p:tnLst>
+      <p:par>
+        <p:cTn id="1" dur="indefinite" restart="never" nodeType="tmRoot"/>
+      </p:par>
+    </p:tnLst>
+  </p:timing>
 </p:sld>
 </file>
 
@@ -34454,6 +34522,332 @@
       </p:graphicFrame>
       <p:sp>
         <p:nvSpPr>
+          <p:cNvPr id="5" name="Titel 4"/>
+          <p:cNvSpPr>
+            <a:spLocks noGrp="1"/>
+          </p:cNvSpPr>
+          <p:nvPr>
+            <p:ph type="title"/>
+          </p:nvPr>
+        </p:nvSpPr>
+        <p:spPr/>
+        <p:txBody>
+          <a:bodyPr/>
+          <a:lstStyle/>
+          <a:p>
+            <a:r>
+              <a:rPr lang="de-DE" dirty="0" smtClean="0"/>
+              <a:t>Projektkosten (1)</a:t>
+            </a:r>
+            <a:endParaRPr lang="de-DE" dirty="0"/>
+          </a:p>
+        </p:txBody>
+      </p:sp>
+      <p:graphicFrame>
+        <p:nvGraphicFramePr>
+          <p:cNvPr id="7" name="Inhaltsplatzhalter 6"/>
+          <p:cNvGraphicFramePr>
+            <a:graphicFrameLocks noGrp="1"/>
+          </p:cNvGraphicFramePr>
+          <p:nvPr>
+            <p:ph idx="1"/>
+            <p:extLst>
+              <p:ext uri="{D42A27DB-BD31-4B8C-83A1-F6EECF244321}">
+                <p14:modId xmlns:p14="http://schemas.microsoft.com/office/powerpoint/2010/main" val="3314228623"/>
+              </p:ext>
+            </p:extLst>
+          </p:nvPr>
+        </p:nvGraphicFramePr>
+        <p:xfrm>
+          <a:off x="3162138" y="2697564"/>
+          <a:ext cx="5091448" cy="2011680"/>
+        </p:xfrm>
+        <a:graphic>
+          <a:graphicData uri="http://schemas.openxmlformats.org/drawingml/2006/table">
+            <a:tbl>
+              <a:tblPr firstRow="1" bandRow="1">
+                <a:tableStyleId>{5C22544A-7EE6-4342-B048-85BDC9FD1C3A}</a:tableStyleId>
+              </a:tblPr>
+              <a:tblGrid>
+                <a:gridCol w="1272862">
+                  <a:extLst>
+                    <a:ext uri="{9D8B030D-6E8A-4147-A177-3AD203B41FA5}">
+                      <a16:colId xmlns:a16="http://schemas.microsoft.com/office/drawing/2014/main" val="3222950880"/>
+                    </a:ext>
+                  </a:extLst>
+                </a:gridCol>
+                <a:gridCol w="1272862">
+                  <a:extLst>
+                    <a:ext uri="{9D8B030D-6E8A-4147-A177-3AD203B41FA5}">
+                      <a16:colId xmlns:a16="http://schemas.microsoft.com/office/drawing/2014/main" val="4138516600"/>
+                    </a:ext>
+                  </a:extLst>
+                </a:gridCol>
+                <a:gridCol w="1272862">
+                  <a:extLst>
+                    <a:ext uri="{9D8B030D-6E8A-4147-A177-3AD203B41FA5}">
+                      <a16:colId xmlns:a16="http://schemas.microsoft.com/office/drawing/2014/main" val="3253719865"/>
+                    </a:ext>
+                  </a:extLst>
+                </a:gridCol>
+                <a:gridCol w="1272862">
+                  <a:extLst>
+                    <a:ext uri="{9D8B030D-6E8A-4147-A177-3AD203B41FA5}">
+                      <a16:colId xmlns:a16="http://schemas.microsoft.com/office/drawing/2014/main" val="1279532686"/>
+                    </a:ext>
+                  </a:extLst>
+                </a:gridCol>
+              </a:tblGrid>
+              <a:tr h="0">
+                <a:tc>
+                  <a:txBody>
+                    <a:bodyPr/>
+                    <a:lstStyle/>
+                    <a:p>
+                      <a:r>
+                        <a:rPr lang="de-DE" dirty="0" smtClean="0"/>
+                        <a:t>Position</a:t>
+                      </a:r>
+                      <a:endParaRPr lang="de-DE" dirty="0"/>
+                    </a:p>
+                  </a:txBody>
+                  <a:tcPr/>
+                </a:tc>
+                <a:tc>
+                  <a:txBody>
+                    <a:bodyPr/>
+                    <a:lstStyle/>
+                    <a:p>
+                      <a:r>
+                        <a:rPr lang="de-DE" dirty="0" smtClean="0"/>
+                        <a:t>Anzahl </a:t>
+                      </a:r>
+                      <a:endParaRPr lang="de-DE" dirty="0"/>
+                    </a:p>
+                  </a:txBody>
+                  <a:tcPr/>
+                </a:tc>
+                <a:tc>
+                  <a:txBody>
+                    <a:bodyPr/>
+                    <a:lstStyle/>
+                    <a:p>
+                      <a:r>
+                        <a:rPr lang="de-DE" dirty="0" smtClean="0"/>
+                        <a:t>Preis</a:t>
+                      </a:r>
+                      <a:endParaRPr lang="de-DE" dirty="0"/>
+                    </a:p>
+                  </a:txBody>
+                  <a:tcPr/>
+                </a:tc>
+                <a:tc>
+                  <a:txBody>
+                    <a:bodyPr/>
+                    <a:lstStyle/>
+                    <a:p>
+                      <a:r>
+                        <a:rPr lang="de-DE" dirty="0" smtClean="0"/>
+                        <a:t>Summe</a:t>
+                      </a:r>
+                      <a:endParaRPr lang="de-DE" dirty="0"/>
+                    </a:p>
+                  </a:txBody>
+                  <a:tcPr/>
+                </a:tc>
+                <a:extLst>
+                  <a:ext uri="{0D108BD9-81ED-4DB2-BD59-A6C34878D82A}">
+                    <a16:rowId xmlns:a16="http://schemas.microsoft.com/office/drawing/2014/main" val="2358539231"/>
+                  </a:ext>
+                </a:extLst>
+              </a:tr>
+              <a:tr h="0">
+                <a:tc>
+                  <a:txBody>
+                    <a:bodyPr/>
+                    <a:lstStyle/>
+                    <a:p>
+                      <a:r>
+                        <a:rPr lang="de-DE" dirty="0" smtClean="0"/>
+                        <a:t>Azubi</a:t>
+                      </a:r>
+                      <a:endParaRPr lang="de-DE" dirty="0"/>
+                    </a:p>
+                  </a:txBody>
+                  <a:tcPr/>
+                </a:tc>
+                <a:tc>
+                  <a:txBody>
+                    <a:bodyPr/>
+                    <a:lstStyle/>
+                    <a:p>
+                      <a:r>
+                        <a:rPr lang="de-DE" dirty="0" smtClean="0"/>
+                        <a:t>144h</a:t>
+                      </a:r>
+                      <a:endParaRPr lang="de-DE" dirty="0"/>
+                    </a:p>
+                  </a:txBody>
+                  <a:tcPr/>
+                </a:tc>
+                <a:tc>
+                  <a:txBody>
+                    <a:bodyPr/>
+                    <a:lstStyle/>
+                    <a:p>
+                      <a:r>
+                        <a:rPr lang="de-DE" dirty="0" smtClean="0"/>
+                        <a:t>18,75</a:t>
+                      </a:r>
+                      <a:endParaRPr lang="de-DE" dirty="0"/>
+                    </a:p>
+                  </a:txBody>
+                  <a:tcPr/>
+                </a:tc>
+                <a:tc>
+                  <a:txBody>
+                    <a:bodyPr/>
+                    <a:lstStyle/>
+                    <a:p>
+                      <a:endParaRPr lang="de-DE"/>
+                    </a:p>
+                  </a:txBody>
+                  <a:tcPr/>
+                </a:tc>
+                <a:extLst>
+                  <a:ext uri="{0D108BD9-81ED-4DB2-BD59-A6C34878D82A}">
+                    <a16:rowId xmlns:a16="http://schemas.microsoft.com/office/drawing/2014/main" val="3566556125"/>
+                  </a:ext>
+                </a:extLst>
+              </a:tr>
+              <a:tr h="0">
+                <a:tc>
+                  <a:txBody>
+                    <a:bodyPr/>
+                    <a:lstStyle/>
+                    <a:p>
+                      <a:r>
+                        <a:rPr lang="de-DE" dirty="0" smtClean="0"/>
+                        <a:t>Externer Berater</a:t>
+                      </a:r>
+                      <a:endParaRPr lang="de-DE" dirty="0"/>
+                    </a:p>
+                  </a:txBody>
+                  <a:tcPr/>
+                </a:tc>
+                <a:tc>
+                  <a:txBody>
+                    <a:bodyPr/>
+                    <a:lstStyle/>
+                    <a:p>
+                      <a:r>
+                        <a:rPr lang="de-DE" dirty="0" smtClean="0"/>
+                        <a:t>0,5h</a:t>
+                      </a:r>
+                      <a:endParaRPr lang="de-DE" dirty="0"/>
+                    </a:p>
+                  </a:txBody>
+                  <a:tcPr/>
+                </a:tc>
+                <a:tc>
+                  <a:txBody>
+                    <a:bodyPr/>
+                    <a:lstStyle/>
+                    <a:p>
+                      <a:r>
+                        <a:rPr lang="de-DE" dirty="0" smtClean="0"/>
+                        <a:t>80€</a:t>
+                      </a:r>
+                      <a:endParaRPr lang="de-DE" dirty="0"/>
+                    </a:p>
+                  </a:txBody>
+                  <a:tcPr/>
+                </a:tc>
+                <a:tc>
+                  <a:txBody>
+                    <a:bodyPr/>
+                    <a:lstStyle/>
+                    <a:p>
+                      <a:r>
+                        <a:rPr lang="de-DE" dirty="0" smtClean="0"/>
+                        <a:t>40€</a:t>
+                      </a:r>
+                      <a:endParaRPr lang="de-DE" dirty="0"/>
+                    </a:p>
+                  </a:txBody>
+                  <a:tcPr/>
+                </a:tc>
+                <a:extLst>
+                  <a:ext uri="{0D108BD9-81ED-4DB2-BD59-A6C34878D82A}">
+                    <a16:rowId xmlns:a16="http://schemas.microsoft.com/office/drawing/2014/main" val="637815070"/>
+                  </a:ext>
+                </a:extLst>
+              </a:tr>
+              <a:tr h="0">
+                <a:tc>
+                  <a:txBody>
+                    <a:bodyPr/>
+                    <a:lstStyle/>
+                    <a:p>
+                      <a:r>
+                        <a:rPr lang="de-DE" dirty="0" smtClean="0"/>
+                        <a:t>Projektleiter</a:t>
+                      </a:r>
+                      <a:endParaRPr lang="de-DE" dirty="0"/>
+                    </a:p>
+                  </a:txBody>
+                  <a:tcPr/>
+                </a:tc>
+                <a:tc>
+                  <a:txBody>
+                    <a:bodyPr/>
+                    <a:lstStyle/>
+                    <a:p>
+                      <a:r>
+                        <a:rPr lang="de-DE" dirty="0" smtClean="0"/>
+                        <a:t>1,5h</a:t>
+                      </a:r>
+                      <a:endParaRPr lang="de-DE" dirty="0"/>
+                    </a:p>
+                  </a:txBody>
+                  <a:tcPr/>
+                </a:tc>
+                <a:tc>
+                  <a:txBody>
+                    <a:bodyPr/>
+                    <a:lstStyle/>
+                    <a:p>
+                      <a:r>
+                        <a:rPr lang="de-DE" dirty="0" smtClean="0"/>
+                        <a:t>76,5€</a:t>
+                      </a:r>
+                      <a:endParaRPr lang="de-DE" dirty="0"/>
+                    </a:p>
+                  </a:txBody>
+                  <a:tcPr/>
+                </a:tc>
+                <a:tc>
+                  <a:txBody>
+                    <a:bodyPr/>
+                    <a:lstStyle/>
+                    <a:p>
+                      <a:endParaRPr lang="de-DE" dirty="0"/>
+                    </a:p>
+                  </a:txBody>
+                  <a:tcPr/>
+                </a:tc>
+                <a:extLst>
+                  <a:ext uri="{0D108BD9-81ED-4DB2-BD59-A6C34878D82A}">
+                    <a16:rowId xmlns:a16="http://schemas.microsoft.com/office/drawing/2014/main" val="3987824350"/>
+                  </a:ext>
+                </a:extLst>
+              </a:tr>
+            </a:tbl>
+          </a:graphicData>
+        </a:graphic>
+      </p:graphicFrame>
+      <p:sp>
+        <p:nvSpPr>
           <p:cNvPr id="3" name="Foliennummernplatzhalter 2"/>
           <p:cNvSpPr>
             <a:spLocks noGrp="1"/>
@@ -34462,12 +34856,7 @@
             <p:ph type="sldNum" sz="quarter" idx="12"/>
           </p:nvPr>
         </p:nvSpPr>
-        <p:spPr>
-          <a:xfrm>
-            <a:off x="10846191" y="6442700"/>
-            <a:ext cx="1312025" cy="365125"/>
-          </a:xfrm>
-        </p:spPr>
+        <p:spPr/>
         <p:txBody>
           <a:bodyPr/>
           <a:lstStyle/>
@@ -34489,6 +34878,36 @@
           </a:p>
         </p:txBody>
       </p:sp>
+      <p:pic>
+        <p:nvPicPr>
+          <p:cNvPr id="4" name="Grafik 3"/>
+          <p:cNvPicPr>
+            <a:picLocks noChangeAspect="1"/>
+          </p:cNvPicPr>
+          <p:nvPr/>
+        </p:nvPicPr>
+        <p:blipFill>
+          <a:blip r:embed="rId7">
+            <a:extLst>
+              <a:ext uri="{28A0092B-C50C-407E-A947-70E740481C1C}">
+                <a14:useLocalDpi xmlns:a14="http://schemas.microsoft.com/office/drawing/2010/main" val="0"/>
+              </a:ext>
+            </a:extLst>
+          </a:blip>
+          <a:stretch>
+            <a:fillRect/>
+          </a:stretch>
+        </p:blipFill>
+        <p:spPr>
+          <a:xfrm>
+            <a:off x="9515565" y="0"/>
+            <a:ext cx="2540000" cy="889000"/>
+          </a:xfrm>
+          <a:prstGeom prst="rect">
+            <a:avLst/>
+          </a:prstGeom>
+        </p:spPr>
+      </p:pic>
     </p:spTree>
     <p:extLst>
       <p:ext uri="{BB962C8B-B14F-4D97-AF65-F5344CB8AC3E}">
@@ -34499,6 +34918,13 @@
   <p:clrMapOvr>
     <a:masterClrMapping/>
   </p:clrMapOvr>
+  <p:timing>
+    <p:tnLst>
+      <p:par>
+        <p:cTn id="1" dur="indefinite" restart="never" nodeType="tmRoot"/>
+      </p:par>
+    </p:tnLst>
+  </p:timing>
 </p:sld>
 </file>
 

--- a/Pr-sentation/Präsentation VoIP_Alica.pptx
+++ b/Pr-sentation/Präsentation VoIP_Alica.pptx
@@ -44214,6 +44214,50 @@
           </a:prstGeom>
         </p:spPr>
       </p:pic>
+      <p:sp>
+        <p:nvSpPr>
+          <p:cNvPr id="11" name="Nach oben gekrümmter Pfeil 10"/>
+          <p:cNvSpPr/>
+          <p:nvPr/>
+        </p:nvSpPr>
+        <p:spPr>
+          <a:xfrm rot="12763614">
+            <a:off x="5312286" y="5690144"/>
+            <a:ext cx="564908" cy="277780"/>
+          </a:xfrm>
+          <a:prstGeom prst="curvedUpArrow">
+            <a:avLst/>
+          </a:prstGeom>
+        </p:spPr>
+        <p:style>
+          <a:lnRef idx="2">
+            <a:schemeClr val="accent4">
+              <a:shade val="50000"/>
+            </a:schemeClr>
+          </a:lnRef>
+          <a:fillRef idx="1">
+            <a:schemeClr val="accent4"/>
+          </a:fillRef>
+          <a:effectRef idx="0">
+            <a:schemeClr val="accent4"/>
+          </a:effectRef>
+          <a:fontRef idx="minor">
+            <a:schemeClr val="lt1"/>
+          </a:fontRef>
+        </p:style>
+        <p:txBody>
+          <a:bodyPr rtlCol="0" anchor="ctr"/>
+          <a:lstStyle/>
+          <a:p>
+            <a:pPr algn="ctr"/>
+            <a:endParaRPr lang="de-DE">
+              <a:solidFill>
+                <a:schemeClr val="tx1"/>
+              </a:solidFill>
+            </a:endParaRPr>
+          </a:p>
+        </p:txBody>
+      </p:sp>
     </p:spTree>
     <p:extLst>
       <p:ext uri="{BB962C8B-B14F-4D97-AF65-F5344CB8AC3E}">
@@ -44227,9 +44271,88 @@
   <p:timing>
     <p:tnLst>
       <p:par>
-        <p:cTn id="1" dur="indefinite" restart="never" nodeType="tmRoot"/>
+        <p:cTn id="1" dur="indefinite" restart="never" nodeType="tmRoot">
+          <p:childTnLst>
+            <p:seq concurrent="1" nextAc="seek">
+              <p:cTn id="2" dur="indefinite" nodeType="mainSeq">
+                <p:childTnLst>
+                  <p:par>
+                    <p:cTn id="3" fill="hold">
+                      <p:stCondLst>
+                        <p:cond delay="indefinite"/>
+                      </p:stCondLst>
+                      <p:childTnLst>
+                        <p:par>
+                          <p:cTn id="4" fill="hold">
+                            <p:stCondLst>
+                              <p:cond delay="0"/>
+                            </p:stCondLst>
+                            <p:childTnLst>
+                              <p:par>
+                                <p:cTn id="5" presetID="14" presetClass="entr" presetSubtype="10" fill="hold" grpId="0" nodeType="clickEffect">
+                                  <p:stCondLst>
+                                    <p:cond delay="0"/>
+                                  </p:stCondLst>
+                                  <p:childTnLst>
+                                    <p:set>
+                                      <p:cBhvr>
+                                        <p:cTn id="6" dur="1" fill="hold">
+                                          <p:stCondLst>
+                                            <p:cond delay="0"/>
+                                          </p:stCondLst>
+                                        </p:cTn>
+                                        <p:tgtEl>
+                                          <p:spTgt spid="11"/>
+                                        </p:tgtEl>
+                                        <p:attrNameLst>
+                                          <p:attrName>style.visibility</p:attrName>
+                                        </p:attrNameLst>
+                                      </p:cBhvr>
+                                      <p:to>
+                                        <p:strVal val="visible"/>
+                                      </p:to>
+                                    </p:set>
+                                    <p:animEffect transition="in" filter="randombar(horizontal)">
+                                      <p:cBhvr>
+                                        <p:cTn id="7" dur="500"/>
+                                        <p:tgtEl>
+                                          <p:spTgt spid="11"/>
+                                        </p:tgtEl>
+                                      </p:cBhvr>
+                                    </p:animEffect>
+                                  </p:childTnLst>
+                                </p:cTn>
+                              </p:par>
+                            </p:childTnLst>
+                          </p:cTn>
+                        </p:par>
+                      </p:childTnLst>
+                    </p:cTn>
+                  </p:par>
+                </p:childTnLst>
+              </p:cTn>
+              <p:prevCondLst>
+                <p:cond evt="onPrev" delay="0">
+                  <p:tgtEl>
+                    <p:sldTgt/>
+                  </p:tgtEl>
+                </p:cond>
+              </p:prevCondLst>
+              <p:nextCondLst>
+                <p:cond evt="onNext" delay="0">
+                  <p:tgtEl>
+                    <p:sldTgt/>
+                  </p:tgtEl>
+                </p:cond>
+              </p:nextCondLst>
+            </p:seq>
+          </p:childTnLst>
+        </p:cTn>
       </p:par>
     </p:tnLst>
+    <p:bldLst>
+      <p:bldP spid="11" grpId="0" animBg="1"/>
+    </p:bldLst>
   </p:timing>
 </p:sld>
 </file>
